--- a/Online Tailoring Store.pptx
+++ b/Online Tailoring Store.pptx
@@ -5,35 +5,45 @@
     <p:sldMasterId id="2147483648" r:id="rId1"/>
   </p:sldMasterIdLst>
   <p:sldIdLst>
-    <p:sldId id="260" r:id="rId2"/>
-    <p:sldId id="256" r:id="rId3"/>
-    <p:sldId id="261" r:id="rId4"/>
-    <p:sldId id="262" r:id="rId5"/>
-    <p:sldId id="263" r:id="rId6"/>
-    <p:sldId id="257" r:id="rId7"/>
-    <p:sldId id="264" r:id="rId8"/>
-    <p:sldId id="258" r:id="rId9"/>
-    <p:sldId id="265" r:id="rId10"/>
-    <p:sldId id="266" r:id="rId11"/>
-    <p:sldId id="267" r:id="rId12"/>
-    <p:sldId id="268" r:id="rId13"/>
-    <p:sldId id="277" r:id="rId14"/>
-    <p:sldId id="269" r:id="rId15"/>
-    <p:sldId id="270" r:id="rId16"/>
-    <p:sldId id="271" r:id="rId17"/>
-    <p:sldId id="272" r:id="rId18"/>
-    <p:sldId id="273" r:id="rId19"/>
-    <p:sldId id="274" r:id="rId20"/>
-    <p:sldId id="259" r:id="rId21"/>
-    <p:sldId id="275" r:id="rId22"/>
-    <p:sldId id="276" r:id="rId23"/>
-    <p:sldId id="278" r:id="rId24"/>
-    <p:sldId id="279" r:id="rId25"/>
-    <p:sldId id="281" r:id="rId26"/>
-    <p:sldId id="282" r:id="rId27"/>
-    <p:sldId id="283" r:id="rId28"/>
-    <p:sldId id="284" r:id="rId29"/>
-    <p:sldId id="280" r:id="rId30"/>
+    <p:sldId id="285" r:id="rId2"/>
+    <p:sldId id="260" r:id="rId3"/>
+    <p:sldId id="256" r:id="rId4"/>
+    <p:sldId id="261" r:id="rId5"/>
+    <p:sldId id="262" r:id="rId6"/>
+    <p:sldId id="263" r:id="rId7"/>
+    <p:sldId id="257" r:id="rId8"/>
+    <p:sldId id="264" r:id="rId9"/>
+    <p:sldId id="258" r:id="rId10"/>
+    <p:sldId id="265" r:id="rId11"/>
+    <p:sldId id="266" r:id="rId12"/>
+    <p:sldId id="267" r:id="rId13"/>
+    <p:sldId id="268" r:id="rId14"/>
+    <p:sldId id="277" r:id="rId15"/>
+    <p:sldId id="269" r:id="rId16"/>
+    <p:sldId id="270" r:id="rId17"/>
+    <p:sldId id="271" r:id="rId18"/>
+    <p:sldId id="272" r:id="rId19"/>
+    <p:sldId id="273" r:id="rId20"/>
+    <p:sldId id="274" r:id="rId21"/>
+    <p:sldId id="259" r:id="rId22"/>
+    <p:sldId id="275" r:id="rId23"/>
+    <p:sldId id="276" r:id="rId24"/>
+    <p:sldId id="278" r:id="rId25"/>
+    <p:sldId id="286" r:id="rId26"/>
+    <p:sldId id="279" r:id="rId27"/>
+    <p:sldId id="281" r:id="rId28"/>
+    <p:sldId id="282" r:id="rId29"/>
+    <p:sldId id="283" r:id="rId30"/>
+    <p:sldId id="284" r:id="rId31"/>
+    <p:sldId id="280" r:id="rId32"/>
+    <p:sldId id="288" r:id="rId33"/>
+    <p:sldId id="289" r:id="rId34"/>
+    <p:sldId id="290" r:id="rId35"/>
+    <p:sldId id="291" r:id="rId36"/>
+    <p:sldId id="292" r:id="rId37"/>
+    <p:sldId id="293" r:id="rId38"/>
+    <p:sldId id="294" r:id="rId39"/>
+    <p:sldId id="295" r:id="rId40"/>
   </p:sldIdLst>
   <p:sldSz cx="12192000" cy="6858000"/>
   <p:notesSz cx="6858000" cy="9144000"/>
@@ -140,6 +150,18 @@
 </p:presentation>
 </file>
 
+<file path=ppt/commentAuthors.xml><?xml version="1.0" encoding="utf-8"?>
+<p:cmAuthorLst xmlns:a="http://schemas.openxmlformats.org/drawingml/2006/main" xmlns:r="http://schemas.openxmlformats.org/officeDocument/2006/relationships" xmlns:p="http://schemas.openxmlformats.org/presentationml/2006/main">
+  <p:cmAuthor id="1" name="Taruni Reddy" initials="TR" lastIdx="1" clrIdx="0">
+    <p:extLst>
+      <p:ext uri="{19B8F6BF-5375-455C-9EA6-DF929625EA0E}">
+        <p15:presenceInfo xmlns:p15="http://schemas.microsoft.com/office/powerpoint/2012/main" userId="83fc0c61e24db2b3" providerId="Windows Live"/>
+      </p:ext>
+    </p:extLst>
+  </p:cmAuthor>
+</p:cmAuthorLst>
+</file>
+
 <file path=ppt/changesInfos/changesInfo1.xml><?xml version="1.0" encoding="utf-8"?>
 <pc:chgInfo xmlns:a="http://schemas.openxmlformats.org/drawingml/2006/main" xmlns:r="http://schemas.openxmlformats.org/officeDocument/2006/relationships" xmlns:ac="http://schemas.microsoft.com/office/drawing/2013/main/command" xmlns:pc="http://schemas.microsoft.com/office/powerpoint/2013/main/command">
   <pc:docChgLst>
@@ -356,7 +378,7 @@
           <a:p>
             <a:fld id="{D7B4E34E-5183-4D56-849F-2776BD2C4AD4}" type="datetimeFigureOut">
               <a:rPr lang="en-IN" smtClean="0"/>
-              <a:t>14-08-2021</a:t>
+              <a:t>24-08-2021</a:t>
             </a:fld>
             <a:endParaRPr lang="en-IN"/>
           </a:p>
@@ -556,7 +578,7 @@
           <a:p>
             <a:fld id="{D7B4E34E-5183-4D56-849F-2776BD2C4AD4}" type="datetimeFigureOut">
               <a:rPr lang="en-IN" smtClean="0"/>
-              <a:t>14-08-2021</a:t>
+              <a:t>24-08-2021</a:t>
             </a:fld>
             <a:endParaRPr lang="en-IN"/>
           </a:p>
@@ -766,7 +788,7 @@
           <a:p>
             <a:fld id="{D7B4E34E-5183-4D56-849F-2776BD2C4AD4}" type="datetimeFigureOut">
               <a:rPr lang="en-IN" smtClean="0"/>
-              <a:t>14-08-2021</a:t>
+              <a:t>24-08-2021</a:t>
             </a:fld>
             <a:endParaRPr lang="en-IN"/>
           </a:p>
@@ -966,7 +988,7 @@
           <a:p>
             <a:fld id="{D7B4E34E-5183-4D56-849F-2776BD2C4AD4}" type="datetimeFigureOut">
               <a:rPr lang="en-IN" smtClean="0"/>
-              <a:t>14-08-2021</a:t>
+              <a:t>24-08-2021</a:t>
             </a:fld>
             <a:endParaRPr lang="en-IN"/>
           </a:p>
@@ -1242,7 +1264,7 @@
           <a:p>
             <a:fld id="{D7B4E34E-5183-4D56-849F-2776BD2C4AD4}" type="datetimeFigureOut">
               <a:rPr lang="en-IN" smtClean="0"/>
-              <a:t>14-08-2021</a:t>
+              <a:t>24-08-2021</a:t>
             </a:fld>
             <a:endParaRPr lang="en-IN"/>
           </a:p>
@@ -1510,7 +1532,7 @@
           <a:p>
             <a:fld id="{D7B4E34E-5183-4D56-849F-2776BD2C4AD4}" type="datetimeFigureOut">
               <a:rPr lang="en-IN" smtClean="0"/>
-              <a:t>14-08-2021</a:t>
+              <a:t>24-08-2021</a:t>
             </a:fld>
             <a:endParaRPr lang="en-IN"/>
           </a:p>
@@ -1925,7 +1947,7 @@
           <a:p>
             <a:fld id="{D7B4E34E-5183-4D56-849F-2776BD2C4AD4}" type="datetimeFigureOut">
               <a:rPr lang="en-IN" smtClean="0"/>
-              <a:t>14-08-2021</a:t>
+              <a:t>24-08-2021</a:t>
             </a:fld>
             <a:endParaRPr lang="en-IN"/>
           </a:p>
@@ -2067,7 +2089,7 @@
           <a:p>
             <a:fld id="{D7B4E34E-5183-4D56-849F-2776BD2C4AD4}" type="datetimeFigureOut">
               <a:rPr lang="en-IN" smtClean="0"/>
-              <a:t>14-08-2021</a:t>
+              <a:t>24-08-2021</a:t>
             </a:fld>
             <a:endParaRPr lang="en-IN"/>
           </a:p>
@@ -2180,7 +2202,7 @@
           <a:p>
             <a:fld id="{D7B4E34E-5183-4D56-849F-2776BD2C4AD4}" type="datetimeFigureOut">
               <a:rPr lang="en-IN" smtClean="0"/>
-              <a:t>14-08-2021</a:t>
+              <a:t>24-08-2021</a:t>
             </a:fld>
             <a:endParaRPr lang="en-IN"/>
           </a:p>
@@ -2493,7 +2515,7 @@
           <a:p>
             <a:fld id="{D7B4E34E-5183-4D56-849F-2776BD2C4AD4}" type="datetimeFigureOut">
               <a:rPr lang="en-IN" smtClean="0"/>
-              <a:t>14-08-2021</a:t>
+              <a:t>24-08-2021</a:t>
             </a:fld>
             <a:endParaRPr lang="en-IN"/>
           </a:p>
@@ -2782,7 +2804,7 @@
           <a:p>
             <a:fld id="{D7B4E34E-5183-4D56-849F-2776BD2C4AD4}" type="datetimeFigureOut">
               <a:rPr lang="en-IN" smtClean="0"/>
-              <a:t>14-08-2021</a:t>
+              <a:t>24-08-2021</a:t>
             </a:fld>
             <a:endParaRPr lang="en-IN"/>
           </a:p>
@@ -3025,7 +3047,7 @@
           <a:p>
             <a:fld id="{D7B4E34E-5183-4D56-849F-2776BD2C4AD4}" type="datetimeFigureOut">
               <a:rPr lang="en-IN" smtClean="0"/>
-              <a:t>14-08-2021</a:t>
+              <a:t>24-08-2021</a:t>
             </a:fld>
             <a:endParaRPr lang="en-IN"/>
           </a:p>
@@ -3428,6 +3450,15 @@
 <file path=ppt/slides/slide1.xml><?xml version="1.0" encoding="utf-8"?>
 <p:sld xmlns:a="http://schemas.openxmlformats.org/drawingml/2006/main" xmlns:r="http://schemas.openxmlformats.org/officeDocument/2006/relationships" xmlns:p="http://schemas.openxmlformats.org/presentationml/2006/main">
   <p:cSld>
+    <p:bg>
+      <p:bgPr>
+        <a:blipFill>
+          <a:blip r:embed="rId2"/>
+          <a:tile tx="0" ty="0" sx="100000" sy="100000" flip="none" algn="tl"/>
+        </a:blipFill>
+        <a:effectLst/>
+      </p:bgPr>
+    </p:bg>
     <p:spTree>
       <p:nvGrpSpPr>
         <p:cNvPr id="1" name=""/>
@@ -3444,45 +3475,86 @@
       </p:grpSpPr>
       <p:sp>
         <p:nvSpPr>
-          <p:cNvPr id="3" name="TextBox 2">
-            <a:extLst>
-              <a:ext uri="{FF2B5EF4-FFF2-40B4-BE49-F238E27FC236}">
-                <a16:creationId xmlns:a16="http://schemas.microsoft.com/office/drawing/2014/main" id="{5CDA2B72-3C72-409D-8125-90A9282F91D8}"/>
-              </a:ext>
-            </a:extLst>
-          </p:cNvPr>
-          <p:cNvSpPr txBox="1"/>
-          <p:nvPr/>
-        </p:nvSpPr>
-        <p:spPr>
-          <a:xfrm>
-            <a:off x="4200525" y="1362075"/>
-            <a:ext cx="4581525" cy="769441"/>
+          <p:cNvPr id="3" name="Rectangle 2">
+            <a:extLst>
+              <a:ext uri="{FF2B5EF4-FFF2-40B4-BE49-F238E27FC236}">
+                <a16:creationId xmlns:a16="http://schemas.microsoft.com/office/drawing/2014/main" id="{8174025B-EE24-4EC9-B937-0A804E481F3F}"/>
+              </a:ext>
+            </a:extLst>
+          </p:cNvPr>
+          <p:cNvSpPr/>
+          <p:nvPr/>
+        </p:nvSpPr>
+        <p:spPr>
+          <a:xfrm>
+            <a:off x="2027582" y="1424609"/>
+            <a:ext cx="8136835" cy="3962400"/>
           </a:xfrm>
           <a:prstGeom prst="rect">
             <a:avLst/>
           </a:prstGeom>
-          <a:noFill/>
-        </p:spPr>
-        <p:txBody>
-          <a:bodyPr wrap="square" rtlCol="0">
-            <a:spAutoFit/>
-          </a:bodyPr>
-          <a:lstStyle/>
-          <a:p>
-            <a:pPr algn="just"/>
-            <a:r>
-              <a:rPr lang="en-US" sz="4400" dirty="0"/>
-              <a:t>User Story -1 &amp; 2</a:t>
-            </a:r>
-            <a:endParaRPr lang="en-IN" sz="4400" dirty="0"/>
+        </p:spPr>
+        <p:style>
+          <a:lnRef idx="3">
+            <a:schemeClr val="lt1"/>
+          </a:lnRef>
+          <a:fillRef idx="1">
+            <a:schemeClr val="accent3"/>
+          </a:fillRef>
+          <a:effectRef idx="1">
+            <a:schemeClr val="accent3"/>
+          </a:effectRef>
+          <a:fontRef idx="minor">
+            <a:schemeClr val="lt1"/>
+          </a:fontRef>
+        </p:style>
+        <p:txBody>
+          <a:bodyPr rtlCol="0" anchor="ctr"/>
+          <a:lstStyle/>
+          <a:p>
+            <a:pPr algn="ctr"/>
+            <a:r>
+              <a:rPr lang="en-GB" sz="4800" dirty="0">
+                <a:ln w="0"/>
+                <a:solidFill>
+                  <a:srgbClr val="FFC000"/>
+                </a:solidFill>
+                <a:effectLst>
+                  <a:outerShdw blurRad="38100" dist="19050" dir="2700000" algn="tl" rotWithShape="0">
+                    <a:schemeClr val="dk1">
+                      <a:alpha val="40000"/>
+                    </a:schemeClr>
+                  </a:outerShdw>
+                </a:effectLst>
+              </a:rPr>
+              <a:t>ONLINE TAILORING STORE </a:t>
+            </a:r>
+          </a:p>
+          <a:p>
+            <a:pPr algn="ctr"/>
+            <a:r>
+              <a:rPr lang="en-GB" sz="4800" dirty="0">
+                <a:ln w="0"/>
+                <a:solidFill>
+                  <a:srgbClr val="FFC000"/>
+                </a:solidFill>
+                <a:effectLst>
+                  <a:outerShdw blurRad="38100" dist="19050" dir="2700000" algn="tl" rotWithShape="0">
+                    <a:schemeClr val="dk1">
+                      <a:alpha val="40000"/>
+                    </a:schemeClr>
+                  </a:outerShdw>
+                </a:effectLst>
+              </a:rPr>
+              <a:t>(Documentation)</a:t>
+            </a:r>
           </a:p>
         </p:txBody>
       </p:sp>
     </p:spTree>
     <p:extLst>
       <p:ext uri="{BB962C8B-B14F-4D97-AF65-F5344CB8AC3E}">
-        <p14:creationId xmlns:p14="http://schemas.microsoft.com/office/powerpoint/2010/main" val="2280505428"/>
+        <p14:creationId xmlns:p14="http://schemas.microsoft.com/office/powerpoint/2010/main" val="709123875"/>
       </p:ext>
     </p:extLst>
   </p:cSld>
@@ -3495,6 +3567,40 @@
 <file path=ppt/slides/slide10.xml><?xml version="1.0" encoding="utf-8"?>
 <p:sld xmlns:a="http://schemas.openxmlformats.org/drawingml/2006/main" xmlns:r="http://schemas.openxmlformats.org/officeDocument/2006/relationships" xmlns:p="http://schemas.openxmlformats.org/presentationml/2006/main">
   <p:cSld>
+    <p:bg>
+      <p:bgPr>
+        <a:gradFill>
+          <a:gsLst>
+            <a:gs pos="0">
+              <a:schemeClr val="accent1">
+                <a:lumMod val="5000"/>
+                <a:lumOff val="95000"/>
+              </a:schemeClr>
+            </a:gs>
+            <a:gs pos="74000">
+              <a:schemeClr val="accent1">
+                <a:lumMod val="45000"/>
+                <a:lumOff val="55000"/>
+              </a:schemeClr>
+            </a:gs>
+            <a:gs pos="83000">
+              <a:schemeClr val="accent1">
+                <a:lumMod val="45000"/>
+                <a:lumOff val="55000"/>
+              </a:schemeClr>
+            </a:gs>
+            <a:gs pos="100000">
+              <a:schemeClr val="accent1">
+                <a:lumMod val="30000"/>
+                <a:lumOff val="70000"/>
+              </a:schemeClr>
+            </a:gs>
+          </a:gsLst>
+          <a:lin ang="5400000" scaled="1"/>
+        </a:gradFill>
+        <a:effectLst/>
+      </p:bgPr>
+    </p:bg>
     <p:spTree>
       <p:nvGrpSpPr>
         <p:cNvPr id="1" name=""/>
@@ -3509,10 +3615,47 @@
           <a:chExt cx="0" cy="0"/>
         </a:xfrm>
       </p:grpSpPr>
+      <p:sp>
+        <p:nvSpPr>
+          <p:cNvPr id="2" name="TextBox 1">
+            <a:extLst>
+              <a:ext uri="{FF2B5EF4-FFF2-40B4-BE49-F238E27FC236}">
+                <a16:creationId xmlns:a16="http://schemas.microsoft.com/office/drawing/2014/main" id="{1B65F5E3-E074-4B2E-92CE-27C8D0066766}"/>
+              </a:ext>
+            </a:extLst>
+          </p:cNvPr>
+          <p:cNvSpPr txBox="1"/>
+          <p:nvPr/>
+        </p:nvSpPr>
+        <p:spPr>
+          <a:xfrm>
+            <a:off x="4629564" y="2780886"/>
+            <a:ext cx="3990975" cy="769441"/>
+          </a:xfrm>
+          <a:prstGeom prst="rect">
+            <a:avLst/>
+          </a:prstGeom>
+          <a:noFill/>
+        </p:spPr>
+        <p:txBody>
+          <a:bodyPr wrap="square" rtlCol="0">
+            <a:spAutoFit/>
+          </a:bodyPr>
+          <a:lstStyle/>
+          <a:p>
+            <a:pPr algn="just"/>
+            <a:r>
+              <a:rPr lang="en-US" sz="4400" dirty="0"/>
+              <a:t>User story-6</a:t>
+            </a:r>
+            <a:endParaRPr lang="en-IN" sz="4400" dirty="0"/>
+          </a:p>
+        </p:txBody>
+      </p:sp>
     </p:spTree>
     <p:extLst>
       <p:ext uri="{BB962C8B-B14F-4D97-AF65-F5344CB8AC3E}">
-        <p14:creationId xmlns:p14="http://schemas.microsoft.com/office/powerpoint/2010/main" val="453894924"/>
+        <p14:creationId xmlns:p14="http://schemas.microsoft.com/office/powerpoint/2010/main" val="626410243"/>
       </p:ext>
     </p:extLst>
   </p:cSld>
@@ -3525,6 +3668,40 @@
 <file path=ppt/slides/slide11.xml><?xml version="1.0" encoding="utf-8"?>
 <p:sld xmlns:a="http://schemas.openxmlformats.org/drawingml/2006/main" xmlns:r="http://schemas.openxmlformats.org/officeDocument/2006/relationships" xmlns:p="http://schemas.openxmlformats.org/presentationml/2006/main">
   <p:cSld>
+    <p:bg>
+      <p:bgPr>
+        <a:gradFill>
+          <a:gsLst>
+            <a:gs pos="0">
+              <a:schemeClr val="accent1">
+                <a:lumMod val="5000"/>
+                <a:lumOff val="95000"/>
+              </a:schemeClr>
+            </a:gs>
+            <a:gs pos="74000">
+              <a:schemeClr val="accent1">
+                <a:lumMod val="45000"/>
+                <a:lumOff val="55000"/>
+              </a:schemeClr>
+            </a:gs>
+            <a:gs pos="83000">
+              <a:schemeClr val="accent1">
+                <a:lumMod val="45000"/>
+                <a:lumOff val="55000"/>
+              </a:schemeClr>
+            </a:gs>
+            <a:gs pos="100000">
+              <a:schemeClr val="accent1">
+                <a:lumMod val="30000"/>
+                <a:lumOff val="70000"/>
+              </a:schemeClr>
+            </a:gs>
+          </a:gsLst>
+          <a:lin ang="5400000" scaled="1"/>
+        </a:gradFill>
+        <a:effectLst/>
+      </p:bgPr>
+    </p:bg>
     <p:spTree>
       <p:nvGrpSpPr>
         <p:cNvPr id="1" name=""/>
@@ -3541,113 +3718,10 @@
       </p:grpSpPr>
       <p:sp>
         <p:nvSpPr>
-          <p:cNvPr id="2" name="TextBox 1">
-            <a:extLst>
-              <a:ext uri="{FF2B5EF4-FFF2-40B4-BE49-F238E27FC236}">
-                <a16:creationId xmlns:a16="http://schemas.microsoft.com/office/drawing/2014/main" id="{E3B0AB38-46D6-4B8B-A5A9-00C9C31757B9}"/>
-              </a:ext>
-            </a:extLst>
-          </p:cNvPr>
-          <p:cNvSpPr txBox="1"/>
-          <p:nvPr/>
-        </p:nvSpPr>
-        <p:spPr>
-          <a:xfrm>
-            <a:off x="4095750" y="2095500"/>
-            <a:ext cx="5276850" cy="769441"/>
-          </a:xfrm>
-          <a:prstGeom prst="rect">
-            <a:avLst/>
-          </a:prstGeom>
-          <a:noFill/>
-        </p:spPr>
-        <p:txBody>
-          <a:bodyPr wrap="square" rtlCol="0">
-            <a:spAutoFit/>
-          </a:bodyPr>
-          <a:lstStyle/>
-          <a:p>
-            <a:pPr algn="just"/>
-            <a:r>
-              <a:rPr lang="en-US" sz="4400" dirty="0"/>
-              <a:t>User story-7 &amp; 8 &amp; 9</a:t>
-            </a:r>
-            <a:endParaRPr lang="en-IN" sz="4400" dirty="0"/>
-          </a:p>
-        </p:txBody>
-      </p:sp>
-    </p:spTree>
-    <p:extLst>
-      <p:ext uri="{BB962C8B-B14F-4D97-AF65-F5344CB8AC3E}">
-        <p14:creationId xmlns:p14="http://schemas.microsoft.com/office/powerpoint/2010/main" val="549695351"/>
-      </p:ext>
-    </p:extLst>
-  </p:cSld>
-  <p:clrMapOvr>
-    <a:masterClrMapping/>
-  </p:clrMapOvr>
-</p:sld>
-</file>
-
-<file path=ppt/slides/slide12.xml><?xml version="1.0" encoding="utf-8"?>
-<p:sld xmlns:a="http://schemas.openxmlformats.org/drawingml/2006/main" xmlns:r="http://schemas.openxmlformats.org/officeDocument/2006/relationships" xmlns:p="http://schemas.openxmlformats.org/presentationml/2006/main">
-  <p:cSld>
-    <p:spTree>
-      <p:nvGrpSpPr>
-        <p:cNvPr id="1" name=""/>
-        <p:cNvGrpSpPr/>
-        <p:nvPr/>
-      </p:nvGrpSpPr>
-      <p:grpSpPr>
-        <a:xfrm>
-          <a:off x="0" y="0"/>
-          <a:ext cx="0" cy="0"/>
-          <a:chOff x="0" y="0"/>
-          <a:chExt cx="0" cy="0"/>
-        </a:xfrm>
-      </p:grpSpPr>
-      <p:sp>
-        <p:nvSpPr>
-          <p:cNvPr id="4" name="TextBox 3">
-            <a:extLst>
-              <a:ext uri="{FF2B5EF4-FFF2-40B4-BE49-F238E27FC236}">
-                <a16:creationId xmlns:a16="http://schemas.microsoft.com/office/drawing/2014/main" id="{8622F09F-03C7-40A3-BB06-AC9FBB9C6F94}"/>
-              </a:ext>
-            </a:extLst>
-          </p:cNvPr>
-          <p:cNvSpPr txBox="1"/>
-          <p:nvPr/>
-        </p:nvSpPr>
-        <p:spPr>
-          <a:xfrm>
-            <a:off x="5319710" y="278368"/>
-            <a:ext cx="2324102" cy="369332"/>
-          </a:xfrm>
-          <a:prstGeom prst="rect">
-            <a:avLst/>
-          </a:prstGeom>
-          <a:noFill/>
-        </p:spPr>
-        <p:txBody>
-          <a:bodyPr wrap="square" rtlCol="0">
-            <a:spAutoFit/>
-          </a:bodyPr>
-          <a:lstStyle/>
-          <a:p>
-            <a:r>
-              <a:rPr lang="en-US" dirty="0"/>
-              <a:t>CUSTOMER &amp; SYSTEM</a:t>
-            </a:r>
-            <a:endParaRPr lang="en-IN" dirty="0"/>
-          </a:p>
-        </p:txBody>
-      </p:sp>
-      <p:sp>
-        <p:nvSpPr>
-          <p:cNvPr id="5" name="Rectangle: Rounded Corners 4">
-            <a:extLst>
-              <a:ext uri="{FF2B5EF4-FFF2-40B4-BE49-F238E27FC236}">
-                <a16:creationId xmlns:a16="http://schemas.microsoft.com/office/drawing/2014/main" id="{AE0DCCE7-E1B9-4C0D-8F09-B721FD1BD576}"/>
+          <p:cNvPr id="2" name="Rectangle: Rounded Corners 1">
+            <a:extLst>
+              <a:ext uri="{FF2B5EF4-FFF2-40B4-BE49-F238E27FC236}">
+                <a16:creationId xmlns:a16="http://schemas.microsoft.com/office/drawing/2014/main" id="{99E7D326-14AD-4662-A8BF-EB3B83DBD433}"/>
               </a:ext>
             </a:extLst>
           </p:cNvPr>
@@ -3656,100 +3730,10 @@
         </p:nvSpPr>
         <p:spPr>
           <a:xfrm>
-            <a:off x="1095375" y="1219200"/>
-            <a:ext cx="3057525" cy="4019550"/>
+            <a:off x="1762539" y="2266122"/>
+            <a:ext cx="3260035" cy="3776869"/>
           </a:xfrm>
           <a:prstGeom prst="roundRect">
-            <a:avLst/>
-          </a:prstGeom>
-        </p:spPr>
-        <p:style>
-          <a:lnRef idx="1">
-            <a:schemeClr val="accent4"/>
-          </a:lnRef>
-          <a:fillRef idx="2">
-            <a:schemeClr val="accent4"/>
-          </a:fillRef>
-          <a:effectRef idx="1">
-            <a:schemeClr val="accent4"/>
-          </a:effectRef>
-          <a:fontRef idx="minor">
-            <a:schemeClr val="dk1"/>
-          </a:fontRef>
-        </p:style>
-        <p:txBody>
-          <a:bodyPr rtlCol="0" anchor="ctr"/>
-          <a:lstStyle/>
-          <a:p>
-            <a:pPr algn="ctr"/>
-            <a:endParaRPr lang="en-IN"/>
-          </a:p>
-        </p:txBody>
-      </p:sp>
-      <p:sp>
-        <p:nvSpPr>
-          <p:cNvPr id="6" name="TextBox 5">
-            <a:extLst>
-              <a:ext uri="{FF2B5EF4-FFF2-40B4-BE49-F238E27FC236}">
-                <a16:creationId xmlns:a16="http://schemas.microsoft.com/office/drawing/2014/main" id="{7BC79213-2B2A-49E0-915C-0D9E3BDE726B}"/>
-              </a:ext>
-            </a:extLst>
-          </p:cNvPr>
-          <p:cNvSpPr txBox="1"/>
-          <p:nvPr/>
-        </p:nvSpPr>
-        <p:spPr>
-          <a:xfrm>
-            <a:off x="1571625" y="1676399"/>
-            <a:ext cx="1724025" cy="3416320"/>
-          </a:xfrm>
-          <a:prstGeom prst="rect">
-            <a:avLst/>
-          </a:prstGeom>
-          <a:noFill/>
-        </p:spPr>
-        <p:txBody>
-          <a:bodyPr wrap="square" rtlCol="0">
-            <a:spAutoFit/>
-          </a:bodyPr>
-          <a:lstStyle/>
-          <a:p>
-            <a:pPr marL="285750" indent="-285750">
-              <a:buFont typeface="Arial" panose="020B0604020202020204" pitchFamily="34" charset="0"/>
-              <a:buChar char="•"/>
-            </a:pPr>
-            <a:r>
-              <a:rPr lang="en-US" dirty="0"/>
-              <a:t>On receiving order when the customer log in again system should trigger a feedback form on received orders</a:t>
-            </a:r>
-          </a:p>
-          <a:p>
-            <a:pPr marL="285750" indent="-285750">
-              <a:buFont typeface="Arial" panose="020B0604020202020204" pitchFamily="34" charset="0"/>
-              <a:buChar char="•"/>
-            </a:pPr>
-            <a:endParaRPr lang="en-IN" dirty="0"/>
-          </a:p>
-        </p:txBody>
-      </p:sp>
-      <p:sp>
-        <p:nvSpPr>
-          <p:cNvPr id="7" name="Oval 6">
-            <a:extLst>
-              <a:ext uri="{FF2B5EF4-FFF2-40B4-BE49-F238E27FC236}">
-                <a16:creationId xmlns:a16="http://schemas.microsoft.com/office/drawing/2014/main" id="{6A4E1230-77B9-44E8-88FD-B775584AF089}"/>
-              </a:ext>
-            </a:extLst>
-          </p:cNvPr>
-          <p:cNvSpPr/>
-          <p:nvPr/>
-        </p:nvSpPr>
-        <p:spPr>
-          <a:xfrm>
-            <a:off x="5186362" y="1219200"/>
-            <a:ext cx="1819275" cy="1209675"/>
-          </a:xfrm>
-          <a:prstGeom prst="ellipse">
             <a:avLst/>
           </a:prstGeom>
         </p:spPr>
@@ -3773,17 +3757,336 @@
           <a:bodyPr rtlCol="0" anchor="ctr"/>
           <a:lstStyle/>
           <a:p>
+            <a:pPr marL="285750" indent="-285750">
+              <a:buFont typeface="Arial" panose="020B0604020202020204" pitchFamily="34" charset="0"/>
+              <a:buChar char="•"/>
+            </a:pPr>
+            <a:r>
+              <a:rPr lang="en-GB" dirty="0">
+                <a:ln w="0"/>
+                <a:solidFill>
+                  <a:schemeClr val="tx1"/>
+                </a:solidFill>
+                <a:effectLst>
+                  <a:outerShdw blurRad="38100" dist="19050" dir="2700000" algn="tl" rotWithShape="0">
+                    <a:schemeClr val="dk1">
+                      <a:alpha val="40000"/>
+                    </a:schemeClr>
+                  </a:outerShdw>
+                </a:effectLst>
+              </a:rPr>
+              <a:t>Rating for the help provided.</a:t>
+            </a:r>
+          </a:p>
+          <a:p>
+            <a:pPr marL="285750" indent="-285750">
+              <a:buFont typeface="Arial" panose="020B0604020202020204" pitchFamily="34" charset="0"/>
+              <a:buChar char="•"/>
+            </a:pPr>
+            <a:r>
+              <a:rPr lang="en-GB" dirty="0">
+                <a:ln w="0"/>
+                <a:solidFill>
+                  <a:schemeClr val="tx1"/>
+                </a:solidFill>
+                <a:effectLst>
+                  <a:outerShdw blurRad="38100" dist="19050" dir="2700000" algn="tl" rotWithShape="0">
+                    <a:schemeClr val="dk1">
+                      <a:alpha val="40000"/>
+                    </a:schemeClr>
+                  </a:outerShdw>
+                </a:effectLst>
+              </a:rPr>
+              <a:t>Liked about the service.</a:t>
+            </a:r>
+          </a:p>
+          <a:p>
+            <a:pPr marL="285750" indent="-285750">
+              <a:buFont typeface="Arial" panose="020B0604020202020204" pitchFamily="34" charset="0"/>
+              <a:buChar char="•"/>
+            </a:pPr>
+            <a:r>
+              <a:rPr lang="en-GB" dirty="0">
+                <a:ln w="0"/>
+                <a:solidFill>
+                  <a:schemeClr val="tx1"/>
+                </a:solidFill>
+                <a:effectLst>
+                  <a:outerShdw blurRad="38100" dist="19050" dir="2700000" algn="tl" rotWithShape="0">
+                    <a:schemeClr val="dk1">
+                      <a:alpha val="40000"/>
+                    </a:schemeClr>
+                  </a:outerShdw>
+                </a:effectLst>
+              </a:rPr>
+              <a:t>Dislikes about the service.</a:t>
+            </a:r>
+          </a:p>
+          <a:p>
+            <a:pPr marL="285750" indent="-285750">
+              <a:buFont typeface="Arial" panose="020B0604020202020204" pitchFamily="34" charset="0"/>
+              <a:buChar char="•"/>
+            </a:pPr>
+            <a:r>
+              <a:rPr lang="en-GB" dirty="0">
+                <a:ln w="0"/>
+                <a:solidFill>
+                  <a:schemeClr val="tx1"/>
+                </a:solidFill>
+                <a:effectLst>
+                  <a:outerShdw blurRad="38100" dist="19050" dir="2700000" algn="tl" rotWithShape="0">
+                    <a:schemeClr val="dk1">
+                      <a:alpha val="40000"/>
+                    </a:schemeClr>
+                  </a:outerShdw>
+                </a:effectLst>
+              </a:rPr>
+              <a:t>Any additional comments.</a:t>
+            </a:r>
+          </a:p>
+        </p:txBody>
+      </p:sp>
+      <p:sp>
+        <p:nvSpPr>
+          <p:cNvPr id="3" name="Arrow: Right 2">
+            <a:extLst>
+              <a:ext uri="{FF2B5EF4-FFF2-40B4-BE49-F238E27FC236}">
+                <a16:creationId xmlns:a16="http://schemas.microsoft.com/office/drawing/2014/main" id="{51F901EE-F079-42E0-B0AA-C58FEEBF5A57}"/>
+              </a:ext>
+            </a:extLst>
+          </p:cNvPr>
+          <p:cNvSpPr/>
+          <p:nvPr/>
+        </p:nvSpPr>
+        <p:spPr>
+          <a:xfrm>
+            <a:off x="5314121" y="3669924"/>
+            <a:ext cx="2385392" cy="484632"/>
+          </a:xfrm>
+          <a:prstGeom prst="rightArrow">
+            <a:avLst/>
+          </a:prstGeom>
+        </p:spPr>
+        <p:style>
+          <a:lnRef idx="2">
+            <a:schemeClr val="accent6"/>
+          </a:lnRef>
+          <a:fillRef idx="1">
+            <a:schemeClr val="lt1"/>
+          </a:fillRef>
+          <a:effectRef idx="0">
+            <a:schemeClr val="accent6"/>
+          </a:effectRef>
+          <a:fontRef idx="minor">
+            <a:schemeClr val="dk1"/>
+          </a:fontRef>
+        </p:style>
+        <p:txBody>
+          <a:bodyPr rtlCol="0" anchor="ctr"/>
+          <a:lstStyle/>
+          <a:p>
             <a:pPr algn="ctr"/>
-            <a:endParaRPr lang="en-IN"/>
-          </a:p>
-        </p:txBody>
-      </p:sp>
-      <p:sp>
-        <p:nvSpPr>
-          <p:cNvPr id="8" name="TextBox 7">
-            <a:extLst>
-              <a:ext uri="{FF2B5EF4-FFF2-40B4-BE49-F238E27FC236}">
-                <a16:creationId xmlns:a16="http://schemas.microsoft.com/office/drawing/2014/main" id="{F5FB7E92-FB55-4088-8344-D1EADBBBC319}"/>
+            <a:endParaRPr lang="en-GB"/>
+          </a:p>
+        </p:txBody>
+      </p:sp>
+      <p:sp>
+        <p:nvSpPr>
+          <p:cNvPr id="4" name="Oval 3">
+            <a:extLst>
+              <a:ext uri="{FF2B5EF4-FFF2-40B4-BE49-F238E27FC236}">
+                <a16:creationId xmlns:a16="http://schemas.microsoft.com/office/drawing/2014/main" id="{CBFBC38E-E233-4280-9C81-E6FD8F833CA5}"/>
+              </a:ext>
+            </a:extLst>
+          </p:cNvPr>
+          <p:cNvSpPr/>
+          <p:nvPr/>
+        </p:nvSpPr>
+        <p:spPr>
+          <a:xfrm>
+            <a:off x="8203095" y="2849217"/>
+            <a:ext cx="2849218" cy="2358887"/>
+          </a:xfrm>
+          <a:prstGeom prst="ellipse">
+            <a:avLst/>
+          </a:prstGeom>
+        </p:spPr>
+        <p:style>
+          <a:lnRef idx="1">
+            <a:schemeClr val="accent1"/>
+          </a:lnRef>
+          <a:fillRef idx="2">
+            <a:schemeClr val="accent1"/>
+          </a:fillRef>
+          <a:effectRef idx="1">
+            <a:schemeClr val="accent1"/>
+          </a:effectRef>
+          <a:fontRef idx="minor">
+            <a:schemeClr val="dk1"/>
+          </a:fontRef>
+        </p:style>
+        <p:txBody>
+          <a:bodyPr rtlCol="0" anchor="ctr">
+            <a:scene3d>
+              <a:camera prst="orthographicFront"/>
+              <a:lightRig rig="soft" dir="t">
+                <a:rot lat="0" lon="0" rev="15600000"/>
+              </a:lightRig>
+            </a:scene3d>
+            <a:sp3d extrusionH="57150" prstMaterial="softEdge">
+              <a:bevelT w="25400" h="38100"/>
+            </a:sp3d>
+          </a:bodyPr>
+          <a:lstStyle/>
+          <a:p>
+            <a:pPr algn="ctr"/>
+            <a:r>
+              <a:rPr lang="en-GB" b="1" dirty="0">
+                <a:ln/>
+                <a:solidFill>
+                  <a:schemeClr val="tx1">
+                    <a:lumMod val="95000"/>
+                    <a:lumOff val="5000"/>
+                  </a:schemeClr>
+                </a:solidFill>
+              </a:rPr>
+              <a:t>CUSTOMER </a:t>
+            </a:r>
+          </a:p>
+          <a:p>
+            <a:pPr algn="ctr"/>
+            <a:r>
+              <a:rPr lang="en-GB" b="1" dirty="0">
+                <a:ln/>
+                <a:solidFill>
+                  <a:schemeClr val="tx1">
+                    <a:lumMod val="95000"/>
+                    <a:lumOff val="5000"/>
+                  </a:schemeClr>
+                </a:solidFill>
+              </a:rPr>
+              <a:t>PORTAL</a:t>
+            </a:r>
+          </a:p>
+        </p:txBody>
+      </p:sp>
+      <p:sp>
+        <p:nvSpPr>
+          <p:cNvPr id="5" name="Rectangle 4">
+            <a:extLst>
+              <a:ext uri="{FF2B5EF4-FFF2-40B4-BE49-F238E27FC236}">
+                <a16:creationId xmlns:a16="http://schemas.microsoft.com/office/drawing/2014/main" id="{36C5C406-2F52-4831-BFCB-C5EAD211CA5E}"/>
+              </a:ext>
+            </a:extLst>
+          </p:cNvPr>
+          <p:cNvSpPr/>
+          <p:nvPr/>
+        </p:nvSpPr>
+        <p:spPr>
+          <a:xfrm>
+            <a:off x="2385391" y="815009"/>
+            <a:ext cx="1656522" cy="921026"/>
+          </a:xfrm>
+          <a:prstGeom prst="rect">
+            <a:avLst/>
+          </a:prstGeom>
+        </p:spPr>
+        <p:style>
+          <a:lnRef idx="2">
+            <a:schemeClr val="accent6"/>
+          </a:lnRef>
+          <a:fillRef idx="1">
+            <a:schemeClr val="lt1"/>
+          </a:fillRef>
+          <a:effectRef idx="0">
+            <a:schemeClr val="accent6"/>
+          </a:effectRef>
+          <a:fontRef idx="minor">
+            <a:schemeClr val="dk1"/>
+          </a:fontRef>
+        </p:style>
+        <p:txBody>
+          <a:bodyPr rtlCol="0" anchor="ctr"/>
+          <a:lstStyle/>
+          <a:p>
+            <a:pPr algn="ctr"/>
+            <a:r>
+              <a:rPr lang="en-GB" dirty="0"/>
+              <a:t>ADMIN  FEEDBACK QUESTIONARE</a:t>
+            </a:r>
+          </a:p>
+        </p:txBody>
+      </p:sp>
+    </p:spTree>
+    <p:extLst>
+      <p:ext uri="{BB962C8B-B14F-4D97-AF65-F5344CB8AC3E}">
+        <p14:creationId xmlns:p14="http://schemas.microsoft.com/office/powerpoint/2010/main" val="453894924"/>
+      </p:ext>
+    </p:extLst>
+  </p:cSld>
+  <p:clrMapOvr>
+    <a:masterClrMapping/>
+  </p:clrMapOvr>
+</p:sld>
+</file>
+
+<file path=ppt/slides/slide12.xml><?xml version="1.0" encoding="utf-8"?>
+<p:sld xmlns:a="http://schemas.openxmlformats.org/drawingml/2006/main" xmlns:r="http://schemas.openxmlformats.org/officeDocument/2006/relationships" xmlns:p="http://schemas.openxmlformats.org/presentationml/2006/main">
+  <p:cSld>
+    <p:bg>
+      <p:bgPr>
+        <a:gradFill>
+          <a:gsLst>
+            <a:gs pos="0">
+              <a:schemeClr val="accent1">
+                <a:lumMod val="5000"/>
+                <a:lumOff val="95000"/>
+              </a:schemeClr>
+            </a:gs>
+            <a:gs pos="74000">
+              <a:schemeClr val="accent1">
+                <a:lumMod val="45000"/>
+                <a:lumOff val="55000"/>
+              </a:schemeClr>
+            </a:gs>
+            <a:gs pos="83000">
+              <a:schemeClr val="accent1">
+                <a:lumMod val="45000"/>
+                <a:lumOff val="55000"/>
+              </a:schemeClr>
+            </a:gs>
+            <a:gs pos="100000">
+              <a:schemeClr val="accent1">
+                <a:lumMod val="30000"/>
+                <a:lumOff val="70000"/>
+              </a:schemeClr>
+            </a:gs>
+          </a:gsLst>
+          <a:lin ang="5400000" scaled="1"/>
+        </a:gradFill>
+        <a:effectLst/>
+      </p:bgPr>
+    </p:bg>
+    <p:spTree>
+      <p:nvGrpSpPr>
+        <p:cNvPr id="1" name=""/>
+        <p:cNvGrpSpPr/>
+        <p:nvPr/>
+      </p:nvGrpSpPr>
+      <p:grpSpPr>
+        <a:xfrm>
+          <a:off x="0" y="0"/>
+          <a:ext cx="0" cy="0"/>
+          <a:chOff x="0" y="0"/>
+          <a:chExt cx="0" cy="0"/>
+        </a:xfrm>
+      </p:grpSpPr>
+      <p:sp>
+        <p:nvSpPr>
+          <p:cNvPr id="2" name="TextBox 1">
+            <a:extLst>
+              <a:ext uri="{FF2B5EF4-FFF2-40B4-BE49-F238E27FC236}">
+                <a16:creationId xmlns:a16="http://schemas.microsoft.com/office/drawing/2014/main" id="{E3B0AB38-46D6-4B8B-A5A9-00C9C31757B9}"/>
               </a:ext>
             </a:extLst>
           </p:cNvPr>
@@ -3792,8 +4095,8 @@
         </p:nvSpPr>
         <p:spPr>
           <a:xfrm>
-            <a:off x="5534024" y="1639371"/>
-            <a:ext cx="1123950" cy="369332"/>
+            <a:off x="4095750" y="2095500"/>
+            <a:ext cx="5276850" cy="769441"/>
           </a:xfrm>
           <a:prstGeom prst="rect">
             <a:avLst/>
@@ -3806,9 +4109,110 @@
           </a:bodyPr>
           <a:lstStyle/>
           <a:p>
+            <a:pPr algn="just"/>
+            <a:r>
+              <a:rPr lang="en-US" sz="4400" dirty="0"/>
+              <a:t>User story-7 &amp; 8 &amp; 9</a:t>
+            </a:r>
+            <a:endParaRPr lang="en-IN" sz="4400" dirty="0"/>
+          </a:p>
+        </p:txBody>
+      </p:sp>
+    </p:spTree>
+    <p:extLst>
+      <p:ext uri="{BB962C8B-B14F-4D97-AF65-F5344CB8AC3E}">
+        <p14:creationId xmlns:p14="http://schemas.microsoft.com/office/powerpoint/2010/main" val="549695351"/>
+      </p:ext>
+    </p:extLst>
+  </p:cSld>
+  <p:clrMapOvr>
+    <a:masterClrMapping/>
+  </p:clrMapOvr>
+</p:sld>
+</file>
+
+<file path=ppt/slides/slide13.xml><?xml version="1.0" encoding="utf-8"?>
+<p:sld xmlns:a="http://schemas.openxmlformats.org/drawingml/2006/main" xmlns:r="http://schemas.openxmlformats.org/officeDocument/2006/relationships" xmlns:p="http://schemas.openxmlformats.org/presentationml/2006/main">
+  <p:cSld>
+    <p:bg>
+      <p:bgPr>
+        <a:gradFill>
+          <a:gsLst>
+            <a:gs pos="0">
+              <a:schemeClr val="accent1">
+                <a:lumMod val="5000"/>
+                <a:lumOff val="95000"/>
+              </a:schemeClr>
+            </a:gs>
+            <a:gs pos="74000">
+              <a:schemeClr val="accent1">
+                <a:lumMod val="45000"/>
+                <a:lumOff val="55000"/>
+              </a:schemeClr>
+            </a:gs>
+            <a:gs pos="83000">
+              <a:schemeClr val="accent1">
+                <a:lumMod val="45000"/>
+                <a:lumOff val="55000"/>
+              </a:schemeClr>
+            </a:gs>
+            <a:gs pos="100000">
+              <a:schemeClr val="accent1">
+                <a:lumMod val="30000"/>
+                <a:lumOff val="70000"/>
+              </a:schemeClr>
+            </a:gs>
+          </a:gsLst>
+          <a:lin ang="5400000" scaled="1"/>
+        </a:gradFill>
+        <a:effectLst/>
+      </p:bgPr>
+    </p:bg>
+    <p:spTree>
+      <p:nvGrpSpPr>
+        <p:cNvPr id="1" name=""/>
+        <p:cNvGrpSpPr/>
+        <p:nvPr/>
+      </p:nvGrpSpPr>
+      <p:grpSpPr>
+        <a:xfrm>
+          <a:off x="0" y="0"/>
+          <a:ext cx="0" cy="0"/>
+          <a:chOff x="0" y="0"/>
+          <a:chExt cx="0" cy="0"/>
+        </a:xfrm>
+      </p:grpSpPr>
+      <p:sp>
+        <p:nvSpPr>
+          <p:cNvPr id="4" name="TextBox 3">
+            <a:extLst>
+              <a:ext uri="{FF2B5EF4-FFF2-40B4-BE49-F238E27FC236}">
+                <a16:creationId xmlns:a16="http://schemas.microsoft.com/office/drawing/2014/main" id="{8622F09F-03C7-40A3-BB06-AC9FBB9C6F94}"/>
+              </a:ext>
+            </a:extLst>
+          </p:cNvPr>
+          <p:cNvSpPr txBox="1"/>
+          <p:nvPr/>
+        </p:nvSpPr>
+        <p:spPr>
+          <a:xfrm>
+            <a:off x="5319710" y="278368"/>
+            <a:ext cx="2324102" cy="369332"/>
+          </a:xfrm>
+          <a:prstGeom prst="rect">
+            <a:avLst/>
+          </a:prstGeom>
+          <a:noFill/>
+        </p:spPr>
+        <p:txBody>
+          <a:bodyPr wrap="square" rtlCol="0">
+            <a:spAutoFit/>
+          </a:bodyPr>
+          <a:lstStyle/>
+          <a:p>
             <a:r>
               <a:rPr lang="en-US" dirty="0"/>
-              <a:t>LOG off</a:t>
+              <a:t>CUSTOMER &amp; SYSTEM</a:t>
             </a:r>
             <a:endParaRPr lang="en-IN" dirty="0"/>
           </a:p>
@@ -3816,10 +4220,10 @@
       </p:sp>
       <p:sp>
         <p:nvSpPr>
-          <p:cNvPr id="9" name="Rectangle: Rounded Corners 8">
-            <a:extLst>
-              <a:ext uri="{FF2B5EF4-FFF2-40B4-BE49-F238E27FC236}">
-                <a16:creationId xmlns:a16="http://schemas.microsoft.com/office/drawing/2014/main" id="{512125F8-43E2-44DC-827D-4A1DA2AA8672}"/>
+          <p:cNvPr id="5" name="Rectangle: Rounded Corners 4">
+            <a:extLst>
+              <a:ext uri="{FF2B5EF4-FFF2-40B4-BE49-F238E27FC236}">
+                <a16:creationId xmlns:a16="http://schemas.microsoft.com/office/drawing/2014/main" id="{AE0DCCE7-E1B9-4C0D-8F09-B721FD1BD576}"/>
               </a:ext>
             </a:extLst>
           </p:cNvPr>
@@ -3828,10 +4232,100 @@
         </p:nvSpPr>
         <p:spPr>
           <a:xfrm>
-            <a:off x="7696200" y="1397019"/>
-            <a:ext cx="2924175" cy="3695700"/>
+            <a:off x="1095375" y="1219200"/>
+            <a:ext cx="3057525" cy="4019550"/>
           </a:xfrm>
           <a:prstGeom prst="roundRect">
+            <a:avLst/>
+          </a:prstGeom>
+        </p:spPr>
+        <p:style>
+          <a:lnRef idx="1">
+            <a:schemeClr val="accent4"/>
+          </a:lnRef>
+          <a:fillRef idx="2">
+            <a:schemeClr val="accent4"/>
+          </a:fillRef>
+          <a:effectRef idx="1">
+            <a:schemeClr val="accent4"/>
+          </a:effectRef>
+          <a:fontRef idx="minor">
+            <a:schemeClr val="dk1"/>
+          </a:fontRef>
+        </p:style>
+        <p:txBody>
+          <a:bodyPr rtlCol="0" anchor="ctr"/>
+          <a:lstStyle/>
+          <a:p>
+            <a:pPr algn="ctr"/>
+            <a:endParaRPr lang="en-IN"/>
+          </a:p>
+        </p:txBody>
+      </p:sp>
+      <p:sp>
+        <p:nvSpPr>
+          <p:cNvPr id="6" name="TextBox 5">
+            <a:extLst>
+              <a:ext uri="{FF2B5EF4-FFF2-40B4-BE49-F238E27FC236}">
+                <a16:creationId xmlns:a16="http://schemas.microsoft.com/office/drawing/2014/main" id="{7BC79213-2B2A-49E0-915C-0D9E3BDE726B}"/>
+              </a:ext>
+            </a:extLst>
+          </p:cNvPr>
+          <p:cNvSpPr txBox="1"/>
+          <p:nvPr/>
+        </p:nvSpPr>
+        <p:spPr>
+          <a:xfrm>
+            <a:off x="1571625" y="1676399"/>
+            <a:ext cx="1724025" cy="3416320"/>
+          </a:xfrm>
+          <a:prstGeom prst="rect">
+            <a:avLst/>
+          </a:prstGeom>
+          <a:noFill/>
+        </p:spPr>
+        <p:txBody>
+          <a:bodyPr wrap="square" rtlCol="0">
+            <a:spAutoFit/>
+          </a:bodyPr>
+          <a:lstStyle/>
+          <a:p>
+            <a:pPr marL="285750" indent="-285750">
+              <a:buFont typeface="Arial" panose="020B0604020202020204" pitchFamily="34" charset="0"/>
+              <a:buChar char="•"/>
+            </a:pPr>
+            <a:r>
+              <a:rPr lang="en-US" dirty="0"/>
+              <a:t>On receiving order when the customer log in again system should trigger a feedback form on received orders</a:t>
+            </a:r>
+          </a:p>
+          <a:p>
+            <a:pPr marL="285750" indent="-285750">
+              <a:buFont typeface="Arial" panose="020B0604020202020204" pitchFamily="34" charset="0"/>
+              <a:buChar char="•"/>
+            </a:pPr>
+            <a:endParaRPr lang="en-IN" dirty="0"/>
+          </a:p>
+        </p:txBody>
+      </p:sp>
+      <p:sp>
+        <p:nvSpPr>
+          <p:cNvPr id="7" name="Oval 6">
+            <a:extLst>
+              <a:ext uri="{FF2B5EF4-FFF2-40B4-BE49-F238E27FC236}">
+                <a16:creationId xmlns:a16="http://schemas.microsoft.com/office/drawing/2014/main" id="{6A4E1230-77B9-44E8-88FD-B775584AF089}"/>
+              </a:ext>
+            </a:extLst>
+          </p:cNvPr>
+          <p:cNvSpPr/>
+          <p:nvPr/>
+        </p:nvSpPr>
+        <p:spPr>
+          <a:xfrm>
+            <a:off x="5186362" y="1219200"/>
+            <a:ext cx="1819275" cy="1209675"/>
+          </a:xfrm>
+          <a:prstGeom prst="ellipse">
             <a:avLst/>
           </a:prstGeom>
         </p:spPr>
@@ -3862,10 +4356,10 @@
       </p:sp>
       <p:sp>
         <p:nvSpPr>
-          <p:cNvPr id="11" name="TextBox 10">
-            <a:extLst>
-              <a:ext uri="{FF2B5EF4-FFF2-40B4-BE49-F238E27FC236}">
-                <a16:creationId xmlns:a16="http://schemas.microsoft.com/office/drawing/2014/main" id="{8A079D37-7EEB-4087-92F3-E158B3F008F1}"/>
+          <p:cNvPr id="8" name="TextBox 7">
+            <a:extLst>
+              <a:ext uri="{FF2B5EF4-FFF2-40B4-BE49-F238E27FC236}">
+                <a16:creationId xmlns:a16="http://schemas.microsoft.com/office/drawing/2014/main" id="{F5FB7E92-FB55-4088-8344-D1EADBBBC319}"/>
               </a:ext>
             </a:extLst>
           </p:cNvPr>
@@ -3874,8 +4368,8 @@
         </p:nvSpPr>
         <p:spPr>
           <a:xfrm>
-            <a:off x="8134350" y="2008703"/>
-            <a:ext cx="1990725" cy="1200329"/>
+            <a:off x="5534024" y="1639371"/>
+            <a:ext cx="1123950" cy="369332"/>
           </a:xfrm>
           <a:prstGeom prst="rect">
             <a:avLst/>
@@ -3890,123 +4384,18 @@
           <a:p>
             <a:r>
               <a:rPr lang="en-US" dirty="0"/>
-              <a:t>After clicking on log off </a:t>
-            </a:r>
-            <a:r>
-              <a:rPr lang="en-US" dirty="0" err="1"/>
-              <a:t>icustomer</a:t>
-            </a:r>
-            <a:r>
-              <a:rPr lang="en-US" dirty="0"/>
-              <a:t> should be disconnected.</a:t>
+              <a:t>LOG off</a:t>
             </a:r>
             <a:endParaRPr lang="en-IN" dirty="0"/>
           </a:p>
         </p:txBody>
       </p:sp>
-    </p:spTree>
-    <p:extLst>
-      <p:ext uri="{BB962C8B-B14F-4D97-AF65-F5344CB8AC3E}">
-        <p14:creationId xmlns:p14="http://schemas.microsoft.com/office/powerpoint/2010/main" val="1595097667"/>
-      </p:ext>
-    </p:extLst>
-  </p:cSld>
-  <p:clrMapOvr>
-    <a:masterClrMapping/>
-  </p:clrMapOvr>
-</p:sld>
-</file>
-
-<file path=ppt/slides/slide13.xml><?xml version="1.0" encoding="utf-8"?>
-<p:sld xmlns:a="http://schemas.openxmlformats.org/drawingml/2006/main" xmlns:r="http://schemas.openxmlformats.org/officeDocument/2006/relationships" xmlns:p="http://schemas.openxmlformats.org/presentationml/2006/main">
-  <p:cSld>
-    <p:spTree>
-      <p:nvGrpSpPr>
-        <p:cNvPr id="1" name=""/>
-        <p:cNvGrpSpPr/>
-        <p:nvPr/>
-      </p:nvGrpSpPr>
-      <p:grpSpPr>
-        <a:xfrm>
-          <a:off x="0" y="0"/>
-          <a:ext cx="0" cy="0"/>
-          <a:chOff x="0" y="0"/>
-          <a:chExt cx="0" cy="0"/>
-        </a:xfrm>
-      </p:grpSpPr>
-      <p:sp>
-        <p:nvSpPr>
-          <p:cNvPr id="3" name="TextBox 2">
-            <a:extLst>
-              <a:ext uri="{FF2B5EF4-FFF2-40B4-BE49-F238E27FC236}">
-                <a16:creationId xmlns:a16="http://schemas.microsoft.com/office/drawing/2014/main" id="{71947E7E-05E9-47C3-83E6-CDFC8D13F696}"/>
-              </a:ext>
-            </a:extLst>
-          </p:cNvPr>
-          <p:cNvSpPr txBox="1"/>
-          <p:nvPr/>
-        </p:nvSpPr>
-        <p:spPr>
-          <a:xfrm>
-            <a:off x="3790950" y="2434709"/>
-            <a:ext cx="6096000" cy="769441"/>
-          </a:xfrm>
-          <a:prstGeom prst="rect">
-            <a:avLst/>
-          </a:prstGeom>
-          <a:noFill/>
-        </p:spPr>
-        <p:txBody>
-          <a:bodyPr wrap="square">
-            <a:spAutoFit/>
-          </a:bodyPr>
-          <a:lstStyle/>
-          <a:p>
-            <a:pPr algn="just"/>
-            <a:r>
-              <a:rPr lang="en-US" sz="4400" dirty="0"/>
-              <a:t>User story-10</a:t>
-            </a:r>
-            <a:endParaRPr lang="en-IN" sz="4400" dirty="0"/>
-          </a:p>
-        </p:txBody>
-      </p:sp>
-    </p:spTree>
-    <p:extLst>
-      <p:ext uri="{BB962C8B-B14F-4D97-AF65-F5344CB8AC3E}">
-        <p14:creationId xmlns:p14="http://schemas.microsoft.com/office/powerpoint/2010/main" val="4208428688"/>
-      </p:ext>
-    </p:extLst>
-  </p:cSld>
-  <p:clrMapOvr>
-    <a:masterClrMapping/>
-  </p:clrMapOvr>
-</p:sld>
-</file>
-
-<file path=ppt/slides/slide14.xml><?xml version="1.0" encoding="utf-8"?>
-<p:sld xmlns:a="http://schemas.openxmlformats.org/drawingml/2006/main" xmlns:r="http://schemas.openxmlformats.org/officeDocument/2006/relationships" xmlns:p="http://schemas.openxmlformats.org/presentationml/2006/main">
-  <p:cSld>
-    <p:spTree>
-      <p:nvGrpSpPr>
-        <p:cNvPr id="1" name=""/>
-        <p:cNvGrpSpPr/>
-        <p:nvPr/>
-      </p:nvGrpSpPr>
-      <p:grpSpPr>
-        <a:xfrm>
-          <a:off x="0" y="0"/>
-          <a:ext cx="0" cy="0"/>
-          <a:chOff x="0" y="0"/>
-          <a:chExt cx="0" cy="0"/>
-        </a:xfrm>
-      </p:grpSpPr>
-      <p:sp>
-        <p:nvSpPr>
-          <p:cNvPr id="2" name="Oval 1">
-            <a:extLst>
-              <a:ext uri="{FF2B5EF4-FFF2-40B4-BE49-F238E27FC236}">
-                <a16:creationId xmlns:a16="http://schemas.microsoft.com/office/drawing/2014/main" id="{B6F6B437-B9C2-4089-9401-2E6F763B5F3C}"/>
+      <p:sp>
+        <p:nvSpPr>
+          <p:cNvPr id="9" name="Rectangle: Rounded Corners 8">
+            <a:extLst>
+              <a:ext uri="{FF2B5EF4-FFF2-40B4-BE49-F238E27FC236}">
+                <a16:creationId xmlns:a16="http://schemas.microsoft.com/office/drawing/2014/main" id="{512125F8-43E2-44DC-827D-4A1DA2AA8672}"/>
               </a:ext>
             </a:extLst>
           </p:cNvPr>
@@ -4015,10 +4404,10 @@
         </p:nvSpPr>
         <p:spPr>
           <a:xfrm>
-            <a:off x="576261" y="503753"/>
-            <a:ext cx="2224089" cy="1067872"/>
-          </a:xfrm>
-          <a:prstGeom prst="ellipse">
+            <a:off x="7696200" y="1397019"/>
+            <a:ext cx="2924175" cy="3695700"/>
+          </a:xfrm>
+          <a:prstGeom prst="roundRect">
             <a:avLst/>
           </a:prstGeom>
         </p:spPr>
@@ -4042,82 +4431,34 @@
           <a:bodyPr rtlCol="0" anchor="ctr"/>
           <a:lstStyle/>
           <a:p>
-            <a:r>
-              <a:rPr lang="en-US" dirty="0"/>
-              <a:t>FORGOT ID</a:t>
-            </a:r>
-            <a:endParaRPr lang="en-IN" dirty="0"/>
-          </a:p>
-        </p:txBody>
-      </p:sp>
-      <p:sp>
-        <p:nvSpPr>
-          <p:cNvPr id="3" name="Rectangle 2">
-            <a:extLst>
-              <a:ext uri="{FF2B5EF4-FFF2-40B4-BE49-F238E27FC236}">
-                <a16:creationId xmlns:a16="http://schemas.microsoft.com/office/drawing/2014/main" id="{4B53C606-1766-46A6-ABBF-7961E074AF45}"/>
-              </a:ext>
-            </a:extLst>
-          </p:cNvPr>
-          <p:cNvSpPr/>
-          <p:nvPr/>
-        </p:nvSpPr>
-        <p:spPr>
-          <a:xfrm>
-            <a:off x="428625" y="1876425"/>
-            <a:ext cx="3543300" cy="4200525"/>
+            <a:pPr algn="ctr"/>
+            <a:endParaRPr lang="en-IN"/>
+          </a:p>
+        </p:txBody>
+      </p:sp>
+      <p:sp>
+        <p:nvSpPr>
+          <p:cNvPr id="11" name="TextBox 10">
+            <a:extLst>
+              <a:ext uri="{FF2B5EF4-FFF2-40B4-BE49-F238E27FC236}">
+                <a16:creationId xmlns:a16="http://schemas.microsoft.com/office/drawing/2014/main" id="{8A079D37-7EEB-4087-92F3-E158B3F008F1}"/>
+              </a:ext>
+            </a:extLst>
+          </p:cNvPr>
+          <p:cNvSpPr txBox="1"/>
+          <p:nvPr/>
+        </p:nvSpPr>
+        <p:spPr>
+          <a:xfrm>
+            <a:off x="8134350" y="2008703"/>
+            <a:ext cx="1990725" cy="1200329"/>
           </a:xfrm>
           <a:prstGeom prst="rect">
             <a:avLst/>
           </a:prstGeom>
-        </p:spPr>
-        <p:style>
-          <a:lnRef idx="2">
-            <a:schemeClr val="accent6"/>
-          </a:lnRef>
-          <a:fillRef idx="1">
-            <a:schemeClr val="lt1"/>
-          </a:fillRef>
-          <a:effectRef idx="0">
-            <a:schemeClr val="accent6"/>
-          </a:effectRef>
-          <a:fontRef idx="minor">
-            <a:schemeClr val="dk1"/>
-          </a:fontRef>
-        </p:style>
-        <p:txBody>
-          <a:bodyPr rtlCol="0" anchor="ctr"/>
-          <a:lstStyle/>
-          <a:p>
-            <a:pPr marL="285750" indent="-285750" algn="ctr">
-              <a:buFont typeface="Arial" panose="020B0604020202020204" pitchFamily="34" charset="0"/>
-              <a:buChar char="•"/>
-            </a:pPr>
-            <a:endParaRPr lang="en-IN"/>
-          </a:p>
-        </p:txBody>
-      </p:sp>
-      <p:sp>
-        <p:nvSpPr>
-          <p:cNvPr id="5" name="TextBox 4">
-            <a:extLst>
-              <a:ext uri="{FF2B5EF4-FFF2-40B4-BE49-F238E27FC236}">
-                <a16:creationId xmlns:a16="http://schemas.microsoft.com/office/drawing/2014/main" id="{9E912535-F987-4A4E-B9AE-F021AA929F00}"/>
-              </a:ext>
-            </a:extLst>
-          </p:cNvPr>
-          <p:cNvSpPr txBox="1"/>
-          <p:nvPr/>
-        </p:nvSpPr>
-        <p:spPr>
-          <a:xfrm>
-            <a:off x="933449" y="2106930"/>
-            <a:ext cx="2390775" cy="3416320"/>
-          </a:xfrm>
-          <a:prstGeom prst="rect">
-            <a:avLst/>
-          </a:prstGeom>
-          <a:noFill/>
+          <a:solidFill>
+            <a:schemeClr val="bg1"/>
+          </a:solidFill>
         </p:spPr>
         <p:txBody>
           <a:bodyPr wrap="square" rtlCol="0">
@@ -4125,106 +4466,185 @@
           </a:bodyPr>
           <a:lstStyle/>
           <a:p>
-            <a:pPr marL="285750" indent="-285750">
-              <a:buFont typeface="Arial" panose="020B0604020202020204" pitchFamily="34" charset="0"/>
-              <a:buChar char="•"/>
-            </a:pPr>
             <a:r>
               <a:rPr lang="en-US" dirty="0"/>
-              <a:t>First ques</a:t>
-            </a:r>
-          </a:p>
-          <a:p>
-            <a:pPr marL="285750" indent="-285750">
-              <a:buFont typeface="Arial" panose="020B0604020202020204" pitchFamily="34" charset="0"/>
-              <a:buChar char="•"/>
-            </a:pPr>
-            <a:r>
-              <a:rPr lang="en-US" dirty="0"/>
-              <a:t>Ans by user</a:t>
-            </a:r>
-          </a:p>
-          <a:p>
-            <a:pPr marL="285750" indent="-285750">
-              <a:buFont typeface="Arial" panose="020B0604020202020204" pitchFamily="34" charset="0"/>
-              <a:buChar char="•"/>
-            </a:pPr>
-            <a:r>
-              <a:rPr lang="en-US" dirty="0"/>
-              <a:t>Second que</a:t>
-            </a:r>
-          </a:p>
-          <a:p>
-            <a:pPr marL="285750" indent="-285750">
-              <a:buFont typeface="Arial" panose="020B0604020202020204" pitchFamily="34" charset="0"/>
-              <a:buChar char="•"/>
-            </a:pPr>
-            <a:r>
-              <a:rPr lang="en-US" dirty="0"/>
-              <a:t>Ans by user</a:t>
-            </a:r>
-          </a:p>
-          <a:p>
-            <a:pPr marL="285750" indent="-285750">
-              <a:buFont typeface="Arial" panose="020B0604020202020204" pitchFamily="34" charset="0"/>
-              <a:buChar char="•"/>
-            </a:pPr>
-            <a:r>
-              <a:rPr lang="en-US" dirty="0"/>
-              <a:t>Third que</a:t>
-            </a:r>
-          </a:p>
-          <a:p>
-            <a:pPr marL="285750" indent="-285750">
-              <a:buFont typeface="Arial" panose="020B0604020202020204" pitchFamily="34" charset="0"/>
-              <a:buChar char="•"/>
-            </a:pPr>
-            <a:r>
-              <a:rPr lang="en-US" dirty="0"/>
-              <a:t>Ans by user</a:t>
-            </a:r>
-          </a:p>
-          <a:p>
-            <a:pPr marL="285750" indent="-285750">
-              <a:buFont typeface="Arial" panose="020B0604020202020204" pitchFamily="34" charset="0"/>
-              <a:buChar char="•"/>
-            </a:pPr>
-            <a:r>
-              <a:rPr lang="en-US" dirty="0"/>
-              <a:t>Contact number</a:t>
-            </a:r>
-            <a:r>
-              <a:rPr lang="en-IN" dirty="0"/>
-              <a:t>/email id</a:t>
-            </a:r>
-          </a:p>
-          <a:p>
-            <a:pPr marL="285750" indent="-285750">
-              <a:buFont typeface="Arial" panose="020B0604020202020204" pitchFamily="34" charset="0"/>
-              <a:buChar char="•"/>
-            </a:pPr>
-            <a:r>
-              <a:rPr lang="en-IN" dirty="0">
-                <a:solidFill>
-                  <a:srgbClr val="FF0000"/>
-                </a:solidFill>
-              </a:rPr>
-              <a:t>After validation the given answers customer can retrieve their id</a:t>
-            </a:r>
-            <a:endParaRPr lang="en-US" dirty="0">
-              <a:solidFill>
-                <a:srgbClr val="FF0000"/>
-              </a:solidFill>
-            </a:endParaRPr>
-          </a:p>
-        </p:txBody>
-      </p:sp>
-      <p:sp>
-        <p:nvSpPr>
-          <p:cNvPr id="6" name="Oval 5">
-            <a:extLst>
-              <a:ext uri="{FF2B5EF4-FFF2-40B4-BE49-F238E27FC236}">
-                <a16:creationId xmlns:a16="http://schemas.microsoft.com/office/drawing/2014/main" id="{B3C7C24F-83FE-486D-B612-374DD7CB2349}"/>
+              <a:t>After clicking on log off , customer should be disconnected.</a:t>
+            </a:r>
+            <a:endParaRPr lang="en-IN" dirty="0"/>
+          </a:p>
+        </p:txBody>
+      </p:sp>
+    </p:spTree>
+    <p:extLst>
+      <p:ext uri="{BB962C8B-B14F-4D97-AF65-F5344CB8AC3E}">
+        <p14:creationId xmlns:p14="http://schemas.microsoft.com/office/powerpoint/2010/main" val="1595097667"/>
+      </p:ext>
+    </p:extLst>
+  </p:cSld>
+  <p:clrMapOvr>
+    <a:masterClrMapping/>
+  </p:clrMapOvr>
+</p:sld>
+</file>
+
+<file path=ppt/slides/slide14.xml><?xml version="1.0" encoding="utf-8"?>
+<p:sld xmlns:a="http://schemas.openxmlformats.org/drawingml/2006/main" xmlns:r="http://schemas.openxmlformats.org/officeDocument/2006/relationships" xmlns:p="http://schemas.openxmlformats.org/presentationml/2006/main">
+  <p:cSld>
+    <p:bg>
+      <p:bgPr>
+        <a:gradFill>
+          <a:gsLst>
+            <a:gs pos="0">
+              <a:schemeClr val="accent1">
+                <a:lumMod val="5000"/>
+                <a:lumOff val="95000"/>
+              </a:schemeClr>
+            </a:gs>
+            <a:gs pos="74000">
+              <a:schemeClr val="accent1">
+                <a:lumMod val="45000"/>
+                <a:lumOff val="55000"/>
+              </a:schemeClr>
+            </a:gs>
+            <a:gs pos="83000">
+              <a:schemeClr val="accent1">
+                <a:lumMod val="45000"/>
+                <a:lumOff val="55000"/>
+              </a:schemeClr>
+            </a:gs>
+            <a:gs pos="100000">
+              <a:schemeClr val="accent1">
+                <a:lumMod val="30000"/>
+                <a:lumOff val="70000"/>
+              </a:schemeClr>
+            </a:gs>
+          </a:gsLst>
+          <a:lin ang="5400000" scaled="1"/>
+        </a:gradFill>
+        <a:effectLst/>
+      </p:bgPr>
+    </p:bg>
+    <p:spTree>
+      <p:nvGrpSpPr>
+        <p:cNvPr id="1" name=""/>
+        <p:cNvGrpSpPr/>
+        <p:nvPr/>
+      </p:nvGrpSpPr>
+      <p:grpSpPr>
+        <a:xfrm>
+          <a:off x="0" y="0"/>
+          <a:ext cx="0" cy="0"/>
+          <a:chOff x="0" y="0"/>
+          <a:chExt cx="0" cy="0"/>
+        </a:xfrm>
+      </p:grpSpPr>
+      <p:sp>
+        <p:nvSpPr>
+          <p:cNvPr id="3" name="TextBox 2">
+            <a:extLst>
+              <a:ext uri="{FF2B5EF4-FFF2-40B4-BE49-F238E27FC236}">
+                <a16:creationId xmlns:a16="http://schemas.microsoft.com/office/drawing/2014/main" id="{71947E7E-05E9-47C3-83E6-CDFC8D13F696}"/>
+              </a:ext>
+            </a:extLst>
+          </p:cNvPr>
+          <p:cNvSpPr txBox="1"/>
+          <p:nvPr/>
+        </p:nvSpPr>
+        <p:spPr>
+          <a:xfrm>
+            <a:off x="3790950" y="2434709"/>
+            <a:ext cx="6096000" cy="769441"/>
+          </a:xfrm>
+          <a:prstGeom prst="rect">
+            <a:avLst/>
+          </a:prstGeom>
+          <a:noFill/>
+        </p:spPr>
+        <p:txBody>
+          <a:bodyPr wrap="square">
+            <a:spAutoFit/>
+          </a:bodyPr>
+          <a:lstStyle/>
+          <a:p>
+            <a:pPr algn="just"/>
+            <a:r>
+              <a:rPr lang="en-US" sz="4400" dirty="0"/>
+              <a:t>User story-10</a:t>
+            </a:r>
+            <a:endParaRPr lang="en-IN" sz="4400" dirty="0"/>
+          </a:p>
+        </p:txBody>
+      </p:sp>
+    </p:spTree>
+    <p:extLst>
+      <p:ext uri="{BB962C8B-B14F-4D97-AF65-F5344CB8AC3E}">
+        <p14:creationId xmlns:p14="http://schemas.microsoft.com/office/powerpoint/2010/main" val="4208428688"/>
+      </p:ext>
+    </p:extLst>
+  </p:cSld>
+  <p:clrMapOvr>
+    <a:masterClrMapping/>
+  </p:clrMapOvr>
+</p:sld>
+</file>
+
+<file path=ppt/slides/slide15.xml><?xml version="1.0" encoding="utf-8"?>
+<p:sld xmlns:a="http://schemas.openxmlformats.org/drawingml/2006/main" xmlns:r="http://schemas.openxmlformats.org/officeDocument/2006/relationships" xmlns:p="http://schemas.openxmlformats.org/presentationml/2006/main">
+  <p:cSld>
+    <p:bg>
+      <p:bgPr>
+        <a:gradFill>
+          <a:gsLst>
+            <a:gs pos="0">
+              <a:schemeClr val="accent1">
+                <a:lumMod val="5000"/>
+                <a:lumOff val="95000"/>
+              </a:schemeClr>
+            </a:gs>
+            <a:gs pos="74000">
+              <a:schemeClr val="accent1">
+                <a:lumMod val="45000"/>
+                <a:lumOff val="55000"/>
+              </a:schemeClr>
+            </a:gs>
+            <a:gs pos="83000">
+              <a:schemeClr val="accent1">
+                <a:lumMod val="45000"/>
+                <a:lumOff val="55000"/>
+              </a:schemeClr>
+            </a:gs>
+            <a:gs pos="100000">
+              <a:schemeClr val="accent1">
+                <a:lumMod val="30000"/>
+                <a:lumOff val="70000"/>
+              </a:schemeClr>
+            </a:gs>
+          </a:gsLst>
+          <a:lin ang="5400000" scaled="1"/>
+        </a:gradFill>
+        <a:effectLst/>
+      </p:bgPr>
+    </p:bg>
+    <p:spTree>
+      <p:nvGrpSpPr>
+        <p:cNvPr id="1" name=""/>
+        <p:cNvGrpSpPr/>
+        <p:nvPr/>
+      </p:nvGrpSpPr>
+      <p:grpSpPr>
+        <a:xfrm>
+          <a:off x="0" y="0"/>
+          <a:ext cx="0" cy="0"/>
+          <a:chOff x="0" y="0"/>
+          <a:chExt cx="0" cy="0"/>
+        </a:xfrm>
+      </p:grpSpPr>
+      <p:sp>
+        <p:nvSpPr>
+          <p:cNvPr id="2" name="Oval 1">
+            <a:extLst>
+              <a:ext uri="{FF2B5EF4-FFF2-40B4-BE49-F238E27FC236}">
+                <a16:creationId xmlns:a16="http://schemas.microsoft.com/office/drawing/2014/main" id="{B6F6B437-B9C2-4089-9401-2E6F763B5F3C}"/>
               </a:ext>
             </a:extLst>
           </p:cNvPr>
@@ -4233,7 +4653,7 @@
         </p:nvSpPr>
         <p:spPr>
           <a:xfrm>
-            <a:off x="8405811" y="503753"/>
+            <a:off x="576261" y="503753"/>
             <a:ext cx="2224089" cy="1067872"/>
           </a:xfrm>
           <a:prstGeom prst="ellipse">
@@ -4262,6 +4682,224 @@
           <a:p>
             <a:r>
               <a:rPr lang="en-US" dirty="0"/>
+              <a:t>FORGOT ID</a:t>
+            </a:r>
+            <a:endParaRPr lang="en-IN" dirty="0"/>
+          </a:p>
+        </p:txBody>
+      </p:sp>
+      <p:sp>
+        <p:nvSpPr>
+          <p:cNvPr id="3" name="Rectangle 2">
+            <a:extLst>
+              <a:ext uri="{FF2B5EF4-FFF2-40B4-BE49-F238E27FC236}">
+                <a16:creationId xmlns:a16="http://schemas.microsoft.com/office/drawing/2014/main" id="{4B53C606-1766-46A6-ABBF-7961E074AF45}"/>
+              </a:ext>
+            </a:extLst>
+          </p:cNvPr>
+          <p:cNvSpPr/>
+          <p:nvPr/>
+        </p:nvSpPr>
+        <p:spPr>
+          <a:xfrm>
+            <a:off x="428625" y="1876425"/>
+            <a:ext cx="3543300" cy="4200525"/>
+          </a:xfrm>
+          <a:prstGeom prst="rect">
+            <a:avLst/>
+          </a:prstGeom>
+        </p:spPr>
+        <p:style>
+          <a:lnRef idx="2">
+            <a:schemeClr val="accent6"/>
+          </a:lnRef>
+          <a:fillRef idx="1">
+            <a:schemeClr val="lt1"/>
+          </a:fillRef>
+          <a:effectRef idx="0">
+            <a:schemeClr val="accent6"/>
+          </a:effectRef>
+          <a:fontRef idx="minor">
+            <a:schemeClr val="dk1"/>
+          </a:fontRef>
+        </p:style>
+        <p:txBody>
+          <a:bodyPr rtlCol="0" anchor="ctr"/>
+          <a:lstStyle/>
+          <a:p>
+            <a:pPr marL="285750" indent="-285750" algn="ctr">
+              <a:buFont typeface="Arial" panose="020B0604020202020204" pitchFamily="34" charset="0"/>
+              <a:buChar char="•"/>
+            </a:pPr>
+            <a:endParaRPr lang="en-IN"/>
+          </a:p>
+        </p:txBody>
+      </p:sp>
+      <p:sp>
+        <p:nvSpPr>
+          <p:cNvPr id="5" name="TextBox 4">
+            <a:extLst>
+              <a:ext uri="{FF2B5EF4-FFF2-40B4-BE49-F238E27FC236}">
+                <a16:creationId xmlns:a16="http://schemas.microsoft.com/office/drawing/2014/main" id="{9E912535-F987-4A4E-B9AE-F021AA929F00}"/>
+              </a:ext>
+            </a:extLst>
+          </p:cNvPr>
+          <p:cNvSpPr txBox="1"/>
+          <p:nvPr/>
+        </p:nvSpPr>
+        <p:spPr>
+          <a:xfrm>
+            <a:off x="933449" y="2106930"/>
+            <a:ext cx="2390775" cy="3416320"/>
+          </a:xfrm>
+          <a:prstGeom prst="rect">
+            <a:avLst/>
+          </a:prstGeom>
+          <a:noFill/>
+        </p:spPr>
+        <p:txBody>
+          <a:bodyPr wrap="square" rtlCol="0">
+            <a:spAutoFit/>
+          </a:bodyPr>
+          <a:lstStyle/>
+          <a:p>
+            <a:pPr marL="285750" indent="-285750">
+              <a:buFont typeface="Arial" panose="020B0604020202020204" pitchFamily="34" charset="0"/>
+              <a:buChar char="•"/>
+            </a:pPr>
+            <a:r>
+              <a:rPr lang="en-US" dirty="0"/>
+              <a:t>First ques</a:t>
+            </a:r>
+          </a:p>
+          <a:p>
+            <a:pPr marL="285750" indent="-285750">
+              <a:buFont typeface="Arial" panose="020B0604020202020204" pitchFamily="34" charset="0"/>
+              <a:buChar char="•"/>
+            </a:pPr>
+            <a:r>
+              <a:rPr lang="en-US" dirty="0"/>
+              <a:t>Ans by user</a:t>
+            </a:r>
+          </a:p>
+          <a:p>
+            <a:pPr marL="285750" indent="-285750">
+              <a:buFont typeface="Arial" panose="020B0604020202020204" pitchFamily="34" charset="0"/>
+              <a:buChar char="•"/>
+            </a:pPr>
+            <a:r>
+              <a:rPr lang="en-US" dirty="0"/>
+              <a:t>Second que</a:t>
+            </a:r>
+          </a:p>
+          <a:p>
+            <a:pPr marL="285750" indent="-285750">
+              <a:buFont typeface="Arial" panose="020B0604020202020204" pitchFamily="34" charset="0"/>
+              <a:buChar char="•"/>
+            </a:pPr>
+            <a:r>
+              <a:rPr lang="en-US" dirty="0"/>
+              <a:t>Ans by user</a:t>
+            </a:r>
+          </a:p>
+          <a:p>
+            <a:pPr marL="285750" indent="-285750">
+              <a:buFont typeface="Arial" panose="020B0604020202020204" pitchFamily="34" charset="0"/>
+              <a:buChar char="•"/>
+            </a:pPr>
+            <a:r>
+              <a:rPr lang="en-US" dirty="0"/>
+              <a:t>Third que</a:t>
+            </a:r>
+          </a:p>
+          <a:p>
+            <a:pPr marL="285750" indent="-285750">
+              <a:buFont typeface="Arial" panose="020B0604020202020204" pitchFamily="34" charset="0"/>
+              <a:buChar char="•"/>
+            </a:pPr>
+            <a:r>
+              <a:rPr lang="en-US" dirty="0"/>
+              <a:t>Ans by user</a:t>
+            </a:r>
+          </a:p>
+          <a:p>
+            <a:pPr marL="285750" indent="-285750">
+              <a:buFont typeface="Arial" panose="020B0604020202020204" pitchFamily="34" charset="0"/>
+              <a:buChar char="•"/>
+            </a:pPr>
+            <a:r>
+              <a:rPr lang="en-US" dirty="0"/>
+              <a:t>Contact number</a:t>
+            </a:r>
+            <a:r>
+              <a:rPr lang="en-IN" dirty="0"/>
+              <a:t>/email id</a:t>
+            </a:r>
+          </a:p>
+          <a:p>
+            <a:pPr marL="285750" indent="-285750">
+              <a:buFont typeface="Arial" panose="020B0604020202020204" pitchFamily="34" charset="0"/>
+              <a:buChar char="•"/>
+            </a:pPr>
+            <a:r>
+              <a:rPr lang="en-IN" dirty="0">
+                <a:solidFill>
+                  <a:srgbClr val="FF0000"/>
+                </a:solidFill>
+              </a:rPr>
+              <a:t>After validation the given answers customer can retrieve their id</a:t>
+            </a:r>
+            <a:endParaRPr lang="en-US" dirty="0">
+              <a:solidFill>
+                <a:srgbClr val="FF0000"/>
+              </a:solidFill>
+            </a:endParaRPr>
+          </a:p>
+        </p:txBody>
+      </p:sp>
+      <p:sp>
+        <p:nvSpPr>
+          <p:cNvPr id="6" name="Oval 5">
+            <a:extLst>
+              <a:ext uri="{FF2B5EF4-FFF2-40B4-BE49-F238E27FC236}">
+                <a16:creationId xmlns:a16="http://schemas.microsoft.com/office/drawing/2014/main" id="{B3C7C24F-83FE-486D-B612-374DD7CB2349}"/>
+              </a:ext>
+            </a:extLst>
+          </p:cNvPr>
+          <p:cNvSpPr/>
+          <p:nvPr/>
+        </p:nvSpPr>
+        <p:spPr>
+          <a:xfrm>
+            <a:off x="8405811" y="503753"/>
+            <a:ext cx="2224089" cy="1067872"/>
+          </a:xfrm>
+          <a:prstGeom prst="ellipse">
+            <a:avLst/>
+          </a:prstGeom>
+        </p:spPr>
+        <p:style>
+          <a:lnRef idx="2">
+            <a:schemeClr val="accent1">
+              <a:shade val="50000"/>
+            </a:schemeClr>
+          </a:lnRef>
+          <a:fillRef idx="1">
+            <a:schemeClr val="accent1"/>
+          </a:fillRef>
+          <a:effectRef idx="0">
+            <a:schemeClr val="accent1"/>
+          </a:effectRef>
+          <a:fontRef idx="minor">
+            <a:schemeClr val="lt1"/>
+          </a:fontRef>
+        </p:style>
+        <p:txBody>
+          <a:bodyPr rtlCol="0" anchor="ctr"/>
+          <a:lstStyle/>
+          <a:p>
+            <a:r>
+              <a:rPr lang="en-US" dirty="0"/>
               <a:t>FORGOT PASSWORD</a:t>
             </a:r>
           </a:p>
@@ -4771,9 +5409,43 @@
 </p:sld>
 </file>
 
-<file path=ppt/slides/slide15.xml><?xml version="1.0" encoding="utf-8"?>
+<file path=ppt/slides/slide16.xml><?xml version="1.0" encoding="utf-8"?>
 <p:sld xmlns:a="http://schemas.openxmlformats.org/drawingml/2006/main" xmlns:r="http://schemas.openxmlformats.org/officeDocument/2006/relationships" xmlns:p="http://schemas.openxmlformats.org/presentationml/2006/main">
   <p:cSld>
+    <p:bg>
+      <p:bgPr>
+        <a:gradFill>
+          <a:gsLst>
+            <a:gs pos="0">
+              <a:schemeClr val="accent1">
+                <a:lumMod val="5000"/>
+                <a:lumOff val="95000"/>
+              </a:schemeClr>
+            </a:gs>
+            <a:gs pos="74000">
+              <a:schemeClr val="accent1">
+                <a:lumMod val="45000"/>
+                <a:lumOff val="55000"/>
+              </a:schemeClr>
+            </a:gs>
+            <a:gs pos="83000">
+              <a:schemeClr val="accent1">
+                <a:lumMod val="45000"/>
+                <a:lumOff val="55000"/>
+              </a:schemeClr>
+            </a:gs>
+            <a:gs pos="100000">
+              <a:schemeClr val="accent1">
+                <a:lumMod val="30000"/>
+                <a:lumOff val="70000"/>
+              </a:schemeClr>
+            </a:gs>
+          </a:gsLst>
+          <a:lin ang="5400000" scaled="1"/>
+        </a:gradFill>
+        <a:effectLst/>
+      </p:bgPr>
+    </p:bg>
     <p:spTree>
       <p:nvGrpSpPr>
         <p:cNvPr id="1" name=""/>
@@ -4838,9 +5510,43 @@
 </p:sld>
 </file>
 
-<file path=ppt/slides/slide16.xml><?xml version="1.0" encoding="utf-8"?>
+<file path=ppt/slides/slide17.xml><?xml version="1.0" encoding="utf-8"?>
 <p:sld xmlns:a="http://schemas.openxmlformats.org/drawingml/2006/main" xmlns:r="http://schemas.openxmlformats.org/officeDocument/2006/relationships" xmlns:p="http://schemas.openxmlformats.org/presentationml/2006/main">
   <p:cSld>
+    <p:bg>
+      <p:bgPr>
+        <a:gradFill>
+          <a:gsLst>
+            <a:gs pos="0">
+              <a:schemeClr val="accent1">
+                <a:lumMod val="5000"/>
+                <a:lumOff val="95000"/>
+              </a:schemeClr>
+            </a:gs>
+            <a:gs pos="74000">
+              <a:schemeClr val="accent1">
+                <a:lumMod val="45000"/>
+                <a:lumOff val="55000"/>
+              </a:schemeClr>
+            </a:gs>
+            <a:gs pos="83000">
+              <a:schemeClr val="accent1">
+                <a:lumMod val="45000"/>
+                <a:lumOff val="55000"/>
+              </a:schemeClr>
+            </a:gs>
+            <a:gs pos="100000">
+              <a:schemeClr val="accent1">
+                <a:lumMod val="30000"/>
+                <a:lumOff val="70000"/>
+              </a:schemeClr>
+            </a:gs>
+          </a:gsLst>
+          <a:lin ang="5400000" scaled="1"/>
+        </a:gradFill>
+        <a:effectLst/>
+      </p:bgPr>
+    </p:bg>
     <p:spTree>
       <p:nvGrpSpPr>
         <p:cNvPr id="1" name=""/>
@@ -5237,9 +5943,43 @@
 </p:sld>
 </file>
 
-<file path=ppt/slides/slide17.xml><?xml version="1.0" encoding="utf-8"?>
+<file path=ppt/slides/slide18.xml><?xml version="1.0" encoding="utf-8"?>
 <p:sld xmlns:a="http://schemas.openxmlformats.org/drawingml/2006/main" xmlns:r="http://schemas.openxmlformats.org/officeDocument/2006/relationships" xmlns:p="http://schemas.openxmlformats.org/presentationml/2006/main">
   <p:cSld>
+    <p:bg>
+      <p:bgPr>
+        <a:gradFill>
+          <a:gsLst>
+            <a:gs pos="0">
+              <a:schemeClr val="accent1">
+                <a:lumMod val="5000"/>
+                <a:lumOff val="95000"/>
+              </a:schemeClr>
+            </a:gs>
+            <a:gs pos="74000">
+              <a:schemeClr val="accent1">
+                <a:lumMod val="45000"/>
+                <a:lumOff val="55000"/>
+              </a:schemeClr>
+            </a:gs>
+            <a:gs pos="83000">
+              <a:schemeClr val="accent1">
+                <a:lumMod val="45000"/>
+                <a:lumOff val="55000"/>
+              </a:schemeClr>
+            </a:gs>
+            <a:gs pos="100000">
+              <a:schemeClr val="accent1">
+                <a:lumMod val="30000"/>
+                <a:lumOff val="70000"/>
+              </a:schemeClr>
+            </a:gs>
+          </a:gsLst>
+          <a:lin ang="5400000" scaled="1"/>
+        </a:gradFill>
+        <a:effectLst/>
+      </p:bgPr>
+    </p:bg>
     <p:spTree>
       <p:nvGrpSpPr>
         <p:cNvPr id="1" name=""/>
@@ -5304,9 +6044,43 @@
 </p:sld>
 </file>
 
-<file path=ppt/slides/slide18.xml><?xml version="1.0" encoding="utf-8"?>
+<file path=ppt/slides/slide19.xml><?xml version="1.0" encoding="utf-8"?>
 <p:sld xmlns:a="http://schemas.openxmlformats.org/drawingml/2006/main" xmlns:r="http://schemas.openxmlformats.org/officeDocument/2006/relationships" xmlns:p="http://schemas.openxmlformats.org/presentationml/2006/main">
   <p:cSld>
+    <p:bg>
+      <p:bgPr>
+        <a:gradFill>
+          <a:gsLst>
+            <a:gs pos="0">
+              <a:schemeClr val="accent1">
+                <a:lumMod val="5000"/>
+                <a:lumOff val="95000"/>
+              </a:schemeClr>
+            </a:gs>
+            <a:gs pos="74000">
+              <a:schemeClr val="accent1">
+                <a:lumMod val="45000"/>
+                <a:lumOff val="55000"/>
+              </a:schemeClr>
+            </a:gs>
+            <a:gs pos="83000">
+              <a:schemeClr val="accent1">
+                <a:lumMod val="45000"/>
+                <a:lumOff val="55000"/>
+              </a:schemeClr>
+            </a:gs>
+            <a:gs pos="100000">
+              <a:schemeClr val="accent1">
+                <a:lumMod val="30000"/>
+                <a:lumOff val="70000"/>
+              </a:schemeClr>
+            </a:gs>
+          </a:gsLst>
+          <a:lin ang="5400000" scaled="1"/>
+        </a:gradFill>
+        <a:effectLst/>
+      </p:bgPr>
+    </p:bg>
     <p:spTree>
       <p:nvGrpSpPr>
         <p:cNvPr id="1" name=""/>
@@ -5943,9 +6717,43 @@
 </p:sld>
 </file>
 
-<file path=ppt/slides/slide19.xml><?xml version="1.0" encoding="utf-8"?>
+<file path=ppt/slides/slide2.xml><?xml version="1.0" encoding="utf-8"?>
 <p:sld xmlns:a="http://schemas.openxmlformats.org/drawingml/2006/main" xmlns:r="http://schemas.openxmlformats.org/officeDocument/2006/relationships" xmlns:p="http://schemas.openxmlformats.org/presentationml/2006/main">
   <p:cSld>
+    <p:bg>
+      <p:bgPr>
+        <a:gradFill>
+          <a:gsLst>
+            <a:gs pos="0">
+              <a:schemeClr val="accent1">
+                <a:lumMod val="5000"/>
+                <a:lumOff val="95000"/>
+              </a:schemeClr>
+            </a:gs>
+            <a:gs pos="74000">
+              <a:schemeClr val="accent1">
+                <a:lumMod val="45000"/>
+                <a:lumOff val="55000"/>
+              </a:schemeClr>
+            </a:gs>
+            <a:gs pos="83000">
+              <a:schemeClr val="accent1">
+                <a:lumMod val="45000"/>
+                <a:lumOff val="55000"/>
+              </a:schemeClr>
+            </a:gs>
+            <a:gs pos="100000">
+              <a:schemeClr val="accent1">
+                <a:lumMod val="30000"/>
+                <a:lumOff val="70000"/>
+              </a:schemeClr>
+            </a:gs>
+          </a:gsLst>
+          <a:lin ang="5400000" scaled="1"/>
+        </a:gradFill>
+        <a:effectLst/>
+      </p:bgPr>
+    </p:bg>
     <p:spTree>
       <p:nvGrpSpPr>
         <p:cNvPr id="1" name=""/>
@@ -5965,7 +6773,7 @@
           <p:cNvPr id="3" name="TextBox 2">
             <a:extLst>
               <a:ext uri="{FF2B5EF4-FFF2-40B4-BE49-F238E27FC236}">
-                <a16:creationId xmlns:a16="http://schemas.microsoft.com/office/drawing/2014/main" id="{864F55A1-8066-46D0-ACEC-0F6B1C786431}"/>
+                <a16:creationId xmlns:a16="http://schemas.microsoft.com/office/drawing/2014/main" id="{5CDA2B72-3C72-409D-8125-90A9282F91D8}"/>
               </a:ext>
             </a:extLst>
           </p:cNvPr>
@@ -5974,8 +6782,8 @@
         </p:nvSpPr>
         <p:spPr>
           <a:xfrm>
-            <a:off x="4629150" y="2729984"/>
-            <a:ext cx="6096000" cy="769441"/>
+            <a:off x="4158322" y="2881386"/>
+            <a:ext cx="4581525" cy="769441"/>
           </a:xfrm>
           <a:prstGeom prst="rect">
             <a:avLst/>
@@ -5983,7 +6791,7 @@
           <a:noFill/>
         </p:spPr>
         <p:txBody>
-          <a:bodyPr wrap="square">
+          <a:bodyPr wrap="square" rtlCol="0">
             <a:spAutoFit/>
           </a:bodyPr>
           <a:lstStyle/>
@@ -5991,7 +6799,7 @@
             <a:pPr algn="just"/>
             <a:r>
               <a:rPr lang="en-US" sz="4400" dirty="0"/>
-              <a:t>User story-15</a:t>
+              <a:t>User Story -1 &amp; 2</a:t>
             </a:r>
             <a:endParaRPr lang="en-IN" sz="4400" dirty="0"/>
           </a:p>
@@ -6000,7 +6808,7 @@
     </p:spTree>
     <p:extLst>
       <p:ext uri="{BB962C8B-B14F-4D97-AF65-F5344CB8AC3E}">
-        <p14:creationId xmlns:p14="http://schemas.microsoft.com/office/powerpoint/2010/main" val="2520328537"/>
+        <p14:creationId xmlns:p14="http://schemas.microsoft.com/office/powerpoint/2010/main" val="2280505428"/>
       </p:ext>
     </p:extLst>
   </p:cSld>
@@ -6010,9 +6818,43 @@
 </p:sld>
 </file>
 
-<file path=ppt/slides/slide2.xml><?xml version="1.0" encoding="utf-8"?>
+<file path=ppt/slides/slide20.xml><?xml version="1.0" encoding="utf-8"?>
 <p:sld xmlns:a="http://schemas.openxmlformats.org/drawingml/2006/main" xmlns:r="http://schemas.openxmlformats.org/officeDocument/2006/relationships" xmlns:p="http://schemas.openxmlformats.org/presentationml/2006/main">
   <p:cSld>
+    <p:bg>
+      <p:bgPr>
+        <a:gradFill>
+          <a:gsLst>
+            <a:gs pos="0">
+              <a:schemeClr val="accent1">
+                <a:lumMod val="5000"/>
+                <a:lumOff val="95000"/>
+              </a:schemeClr>
+            </a:gs>
+            <a:gs pos="74000">
+              <a:schemeClr val="accent1">
+                <a:lumMod val="45000"/>
+                <a:lumOff val="55000"/>
+              </a:schemeClr>
+            </a:gs>
+            <a:gs pos="83000">
+              <a:schemeClr val="accent1">
+                <a:lumMod val="45000"/>
+                <a:lumOff val="55000"/>
+              </a:schemeClr>
+            </a:gs>
+            <a:gs pos="100000">
+              <a:schemeClr val="accent1">
+                <a:lumMod val="30000"/>
+                <a:lumOff val="70000"/>
+              </a:schemeClr>
+            </a:gs>
+          </a:gsLst>
+          <a:lin ang="5400000" scaled="1"/>
+        </a:gradFill>
+        <a:effectLst/>
+      </p:bgPr>
+    </p:bg>
     <p:spTree>
       <p:nvGrpSpPr>
         <p:cNvPr id="1" name=""/>
@@ -6029,617 +6871,45 @@
       </p:grpSpPr>
       <p:sp>
         <p:nvSpPr>
-          <p:cNvPr id="4" name="Rectangle 3">
-            <a:extLst>
-              <a:ext uri="{FF2B5EF4-FFF2-40B4-BE49-F238E27FC236}">
-                <a16:creationId xmlns:a16="http://schemas.microsoft.com/office/drawing/2014/main" id="{0A616A87-1DBB-4988-9CBD-84A387EF6917}"/>
-              </a:ext>
-            </a:extLst>
-          </p:cNvPr>
-          <p:cNvSpPr/>
-          <p:nvPr/>
-        </p:nvSpPr>
-        <p:spPr>
-          <a:xfrm>
-            <a:off x="690559" y="285750"/>
-            <a:ext cx="3724275" cy="3600450"/>
+          <p:cNvPr id="3" name="TextBox 2">
+            <a:extLst>
+              <a:ext uri="{FF2B5EF4-FFF2-40B4-BE49-F238E27FC236}">
+                <a16:creationId xmlns:a16="http://schemas.microsoft.com/office/drawing/2014/main" id="{864F55A1-8066-46D0-ACEC-0F6B1C786431}"/>
+              </a:ext>
+            </a:extLst>
+          </p:cNvPr>
+          <p:cNvSpPr txBox="1"/>
+          <p:nvPr/>
+        </p:nvSpPr>
+        <p:spPr>
+          <a:xfrm>
+            <a:off x="4629150" y="2729984"/>
+            <a:ext cx="6096000" cy="769441"/>
           </a:xfrm>
           <a:prstGeom prst="rect">
             <a:avLst/>
           </a:prstGeom>
-        </p:spPr>
-        <p:style>
-          <a:lnRef idx="2">
-            <a:schemeClr val="accent6"/>
-          </a:lnRef>
-          <a:fillRef idx="1">
-            <a:schemeClr val="lt1"/>
-          </a:fillRef>
-          <a:effectRef idx="0">
-            <a:schemeClr val="accent6"/>
-          </a:effectRef>
-          <a:fontRef idx="minor">
-            <a:schemeClr val="dk1"/>
-          </a:fontRef>
-        </p:style>
-        <p:txBody>
-          <a:bodyPr rtlCol="0" anchor="ctr"/>
-          <a:lstStyle/>
-          <a:p>
-            <a:pPr algn="ctr"/>
-            <a:endParaRPr lang="en-IN"/>
-          </a:p>
-        </p:txBody>
-      </p:sp>
-      <p:sp>
-        <p:nvSpPr>
-          <p:cNvPr id="5" name="Rectangle 4">
-            <a:extLst>
-              <a:ext uri="{FF2B5EF4-FFF2-40B4-BE49-F238E27FC236}">
-                <a16:creationId xmlns:a16="http://schemas.microsoft.com/office/drawing/2014/main" id="{1BB0CAE9-DA5C-4760-896C-78E9A192E1B5}"/>
-              </a:ext>
-            </a:extLst>
-          </p:cNvPr>
-          <p:cNvSpPr/>
-          <p:nvPr/>
-        </p:nvSpPr>
-        <p:spPr>
-          <a:xfrm>
-            <a:off x="2695575" y="514350"/>
-            <a:ext cx="1524000" cy="1133475"/>
-          </a:xfrm>
-          <a:prstGeom prst="rect">
-            <a:avLst/>
-          </a:prstGeom>
-        </p:spPr>
-        <p:style>
-          <a:lnRef idx="2">
-            <a:schemeClr val="accent6"/>
-          </a:lnRef>
-          <a:fillRef idx="1">
-            <a:schemeClr val="lt1"/>
-          </a:fillRef>
-          <a:effectRef idx="0">
-            <a:schemeClr val="accent6"/>
-          </a:effectRef>
-          <a:fontRef idx="minor">
-            <a:schemeClr val="dk1"/>
-          </a:fontRef>
-        </p:style>
-        <p:txBody>
-          <a:bodyPr rtlCol="0" anchor="ctr"/>
-          <a:lstStyle/>
-          <a:p>
-            <a:pPr algn="ctr"/>
-            <a:endParaRPr lang="en-IN"/>
-          </a:p>
-        </p:txBody>
-      </p:sp>
-      <p:sp>
-        <p:nvSpPr>
-          <p:cNvPr id="8" name="TextBox 7">
-            <a:extLst>
-              <a:ext uri="{FF2B5EF4-FFF2-40B4-BE49-F238E27FC236}">
-                <a16:creationId xmlns:a16="http://schemas.microsoft.com/office/drawing/2014/main" id="{BE8CEA2C-9AE4-4AA1-BC88-307D68024A45}"/>
-              </a:ext>
-            </a:extLst>
-          </p:cNvPr>
-          <p:cNvSpPr txBox="1"/>
-          <p:nvPr/>
-        </p:nvSpPr>
-        <p:spPr>
-          <a:xfrm>
-            <a:off x="1781175" y="4057650"/>
-            <a:ext cx="1676400" cy="369332"/>
-          </a:xfrm>
-          <a:prstGeom prst="rect">
-            <a:avLst/>
-          </a:prstGeom>
           <a:noFill/>
         </p:spPr>
         <p:txBody>
-          <a:bodyPr wrap="square" rtlCol="0">
+          <a:bodyPr wrap="square">
             <a:spAutoFit/>
           </a:bodyPr>
           <a:lstStyle/>
           <a:p>
-            <a:r>
-              <a:rPr lang="en-US" dirty="0"/>
-              <a:t>Login</a:t>
-            </a:r>
-            <a:endParaRPr lang="en-IN" dirty="0"/>
-          </a:p>
-        </p:txBody>
-      </p:sp>
-      <p:sp>
-        <p:nvSpPr>
-          <p:cNvPr id="9" name="TextBox 8">
-            <a:extLst>
-              <a:ext uri="{FF2B5EF4-FFF2-40B4-BE49-F238E27FC236}">
-                <a16:creationId xmlns:a16="http://schemas.microsoft.com/office/drawing/2014/main" id="{D102957B-48CA-4CF1-976C-A97611B9F9FD}"/>
-              </a:ext>
-            </a:extLst>
-          </p:cNvPr>
-          <p:cNvSpPr txBox="1"/>
-          <p:nvPr/>
-        </p:nvSpPr>
-        <p:spPr>
-          <a:xfrm>
-            <a:off x="2800349" y="896421"/>
-            <a:ext cx="1676400" cy="369332"/>
-          </a:xfrm>
-          <a:prstGeom prst="rect">
-            <a:avLst/>
-          </a:prstGeom>
-          <a:noFill/>
-        </p:spPr>
-        <p:txBody>
-          <a:bodyPr wrap="square" rtlCol="0">
-            <a:spAutoFit/>
-          </a:bodyPr>
-          <a:lstStyle/>
-          <a:p>
-            <a:r>
-              <a:rPr lang="en-US" dirty="0"/>
-              <a:t>Registration</a:t>
-            </a:r>
-            <a:endParaRPr lang="en-IN" dirty="0"/>
-          </a:p>
-        </p:txBody>
-      </p:sp>
-      <p:sp>
-        <p:nvSpPr>
-          <p:cNvPr id="10" name="TextBox 9">
-            <a:extLst>
-              <a:ext uri="{FF2B5EF4-FFF2-40B4-BE49-F238E27FC236}">
-                <a16:creationId xmlns:a16="http://schemas.microsoft.com/office/drawing/2014/main" id="{3232C4AF-8D8E-4C41-871F-B40402B0EE16}"/>
-              </a:ext>
-            </a:extLst>
-          </p:cNvPr>
-          <p:cNvSpPr txBox="1"/>
-          <p:nvPr/>
-        </p:nvSpPr>
-        <p:spPr>
-          <a:xfrm>
-            <a:off x="2528886" y="1800225"/>
-            <a:ext cx="1581150" cy="923330"/>
-          </a:xfrm>
-          <a:prstGeom prst="rect">
-            <a:avLst/>
-          </a:prstGeom>
-          <a:noFill/>
-        </p:spPr>
-        <p:txBody>
-          <a:bodyPr wrap="square" rtlCol="0">
-            <a:spAutoFit/>
-          </a:bodyPr>
-          <a:lstStyle/>
-          <a:p>
-            <a:r>
-              <a:rPr lang="en-US" dirty="0"/>
-              <a:t>If the user is not having any A/C in it</a:t>
-            </a:r>
-            <a:endParaRPr lang="en-IN" dirty="0"/>
-          </a:p>
-        </p:txBody>
-      </p:sp>
-      <p:cxnSp>
-        <p:nvCxnSpPr>
-          <p:cNvPr id="12" name="Straight Arrow Connector 11">
-            <a:extLst>
-              <a:ext uri="{FF2B5EF4-FFF2-40B4-BE49-F238E27FC236}">
-                <a16:creationId xmlns:a16="http://schemas.microsoft.com/office/drawing/2014/main" id="{1CDBF507-3E7B-4C12-9D32-003551FB4CB8}"/>
-              </a:ext>
-            </a:extLst>
-          </p:cNvPr>
-          <p:cNvCxnSpPr/>
-          <p:nvPr/>
-        </p:nvCxnSpPr>
-        <p:spPr>
-          <a:xfrm>
-            <a:off x="4219575" y="1081087"/>
-            <a:ext cx="790575" cy="0"/>
-          </a:xfrm>
-          <a:prstGeom prst="straightConnector1">
-            <a:avLst/>
-          </a:prstGeom>
-          <a:ln>
-            <a:tailEnd type="triangle"/>
-          </a:ln>
-        </p:spPr>
-        <p:style>
-          <a:lnRef idx="1">
-            <a:schemeClr val="accent1"/>
-          </a:lnRef>
-          <a:fillRef idx="0">
-            <a:schemeClr val="accent1"/>
-          </a:fillRef>
-          <a:effectRef idx="0">
-            <a:schemeClr val="accent1"/>
-          </a:effectRef>
-          <a:fontRef idx="minor">
-            <a:schemeClr val="tx1"/>
-          </a:fontRef>
-        </p:style>
-      </p:cxnSp>
-      <p:sp>
-        <p:nvSpPr>
-          <p:cNvPr id="13" name="Rectangle: Rounded Corners 12">
-            <a:extLst>
-              <a:ext uri="{FF2B5EF4-FFF2-40B4-BE49-F238E27FC236}">
-                <a16:creationId xmlns:a16="http://schemas.microsoft.com/office/drawing/2014/main" id="{A4E7373D-665A-46D7-9251-146918C00325}"/>
-              </a:ext>
-            </a:extLst>
-          </p:cNvPr>
-          <p:cNvSpPr/>
-          <p:nvPr/>
-        </p:nvSpPr>
-        <p:spPr>
-          <a:xfrm>
-            <a:off x="5029200" y="693571"/>
-            <a:ext cx="1438275" cy="904872"/>
-          </a:xfrm>
-          <a:prstGeom prst="roundRect">
-            <a:avLst/>
-          </a:prstGeom>
-        </p:spPr>
-        <p:style>
-          <a:lnRef idx="2">
-            <a:schemeClr val="accent6"/>
-          </a:lnRef>
-          <a:fillRef idx="1">
-            <a:schemeClr val="lt1"/>
-          </a:fillRef>
-          <a:effectRef idx="0">
-            <a:schemeClr val="accent6"/>
-          </a:effectRef>
-          <a:fontRef idx="minor">
-            <a:schemeClr val="dk1"/>
-          </a:fontRef>
-        </p:style>
-        <p:txBody>
-          <a:bodyPr rtlCol="0" anchor="ctr"/>
-          <a:lstStyle/>
-          <a:p>
-            <a:pPr algn="ctr"/>
-            <a:endParaRPr lang="en-IN"/>
-          </a:p>
-        </p:txBody>
-      </p:sp>
-      <p:sp>
-        <p:nvSpPr>
-          <p:cNvPr id="14" name="TextBox 13">
-            <a:extLst>
-              <a:ext uri="{FF2B5EF4-FFF2-40B4-BE49-F238E27FC236}">
-                <a16:creationId xmlns:a16="http://schemas.microsoft.com/office/drawing/2014/main" id="{0844F2D0-BA0E-45E1-ACC4-13BBF9B6C2C0}"/>
-              </a:ext>
-            </a:extLst>
-          </p:cNvPr>
-          <p:cNvSpPr txBox="1"/>
-          <p:nvPr/>
-        </p:nvSpPr>
-        <p:spPr>
-          <a:xfrm>
-            <a:off x="5143500" y="822842"/>
-            <a:ext cx="1285876" cy="369332"/>
-          </a:xfrm>
-          <a:prstGeom prst="rect">
-            <a:avLst/>
-          </a:prstGeom>
-          <a:noFill/>
-        </p:spPr>
-        <p:txBody>
-          <a:bodyPr wrap="square" rtlCol="0">
-            <a:spAutoFit/>
-          </a:bodyPr>
-          <a:lstStyle/>
-          <a:p>
-            <a:r>
-              <a:rPr lang="en-US" dirty="0"/>
-              <a:t>USER DB</a:t>
-            </a:r>
-            <a:endParaRPr lang="en-IN" dirty="0"/>
-          </a:p>
-        </p:txBody>
-      </p:sp>
-      <p:sp>
-        <p:nvSpPr>
-          <p:cNvPr id="15" name="Oval 14">
-            <a:extLst>
-              <a:ext uri="{FF2B5EF4-FFF2-40B4-BE49-F238E27FC236}">
-                <a16:creationId xmlns:a16="http://schemas.microsoft.com/office/drawing/2014/main" id="{C8886D43-B579-4774-9D0A-A317F8EC32D2}"/>
-              </a:ext>
-            </a:extLst>
-          </p:cNvPr>
-          <p:cNvSpPr/>
-          <p:nvPr/>
-        </p:nvSpPr>
-        <p:spPr>
-          <a:xfrm>
-            <a:off x="10629900" y="285750"/>
-            <a:ext cx="1438275" cy="904872"/>
-          </a:xfrm>
-          <a:prstGeom prst="ellipse">
-            <a:avLst/>
-          </a:prstGeom>
-        </p:spPr>
-        <p:style>
-          <a:lnRef idx="2">
-            <a:schemeClr val="accent6"/>
-          </a:lnRef>
-          <a:fillRef idx="1">
-            <a:schemeClr val="lt1"/>
-          </a:fillRef>
-          <a:effectRef idx="0">
-            <a:schemeClr val="accent6"/>
-          </a:effectRef>
-          <a:fontRef idx="minor">
-            <a:schemeClr val="dk1"/>
-          </a:fontRef>
-        </p:style>
-        <p:txBody>
-          <a:bodyPr rtlCol="0" anchor="ctr"/>
-          <a:lstStyle/>
-          <a:p>
-            <a:pPr algn="ctr"/>
-            <a:endParaRPr lang="en-IN"/>
-          </a:p>
-        </p:txBody>
-      </p:sp>
-      <p:sp>
-        <p:nvSpPr>
-          <p:cNvPr id="16" name="TextBox 15">
-            <a:extLst>
-              <a:ext uri="{FF2B5EF4-FFF2-40B4-BE49-F238E27FC236}">
-                <a16:creationId xmlns:a16="http://schemas.microsoft.com/office/drawing/2014/main" id="{7C28318D-0FFD-48B4-A139-64AACE3CEEF0}"/>
-              </a:ext>
-            </a:extLst>
-          </p:cNvPr>
-          <p:cNvSpPr txBox="1"/>
-          <p:nvPr/>
-        </p:nvSpPr>
-        <p:spPr>
-          <a:xfrm>
-            <a:off x="10953750" y="553520"/>
-            <a:ext cx="933450" cy="646331"/>
-          </a:xfrm>
-          <a:prstGeom prst="rect">
-            <a:avLst/>
-          </a:prstGeom>
-          <a:noFill/>
-        </p:spPr>
-        <p:txBody>
-          <a:bodyPr wrap="square" rtlCol="0">
-            <a:spAutoFit/>
-          </a:bodyPr>
-          <a:lstStyle/>
-          <a:p>
-            <a:r>
-              <a:rPr lang="en-US" dirty="0"/>
-              <a:t>ADMIN</a:t>
-            </a:r>
-          </a:p>
-          <a:p>
-            <a:r>
-              <a:rPr lang="en-US" dirty="0"/>
-              <a:t>Log IN</a:t>
-            </a:r>
-            <a:endParaRPr lang="en-IN" dirty="0"/>
-          </a:p>
-        </p:txBody>
-      </p:sp>
-      <p:cxnSp>
-        <p:nvCxnSpPr>
-          <p:cNvPr id="20" name="Straight Arrow Connector 19">
-            <a:extLst>
-              <a:ext uri="{FF2B5EF4-FFF2-40B4-BE49-F238E27FC236}">
-                <a16:creationId xmlns:a16="http://schemas.microsoft.com/office/drawing/2014/main" id="{653669E7-8557-414B-B986-C35E2B73593B}"/>
-              </a:ext>
-            </a:extLst>
-          </p:cNvPr>
-          <p:cNvCxnSpPr>
-            <a:stCxn id="15" idx="2"/>
-            <a:endCxn id="13" idx="3"/>
-          </p:cNvCxnSpPr>
-          <p:nvPr/>
-        </p:nvCxnSpPr>
-        <p:spPr>
-          <a:xfrm flipH="1">
-            <a:off x="6467475" y="738186"/>
-            <a:ext cx="4162425" cy="407821"/>
-          </a:xfrm>
-          <a:prstGeom prst="straightConnector1">
-            <a:avLst/>
-          </a:prstGeom>
-          <a:ln>
-            <a:tailEnd type="triangle"/>
-          </a:ln>
-        </p:spPr>
-        <p:style>
-          <a:lnRef idx="1">
-            <a:schemeClr val="accent1"/>
-          </a:lnRef>
-          <a:fillRef idx="0">
-            <a:schemeClr val="accent1"/>
-          </a:fillRef>
-          <a:effectRef idx="0">
-            <a:schemeClr val="accent1"/>
-          </a:effectRef>
-          <a:fontRef idx="minor">
-            <a:schemeClr val="tx1"/>
-          </a:fontRef>
-        </p:style>
-      </p:cxnSp>
-      <p:sp>
-        <p:nvSpPr>
-          <p:cNvPr id="21" name="Oval 20">
-            <a:extLst>
-              <a:ext uri="{FF2B5EF4-FFF2-40B4-BE49-F238E27FC236}">
-                <a16:creationId xmlns:a16="http://schemas.microsoft.com/office/drawing/2014/main" id="{EF437ED1-CDBA-4C88-A26E-602252C01D53}"/>
-              </a:ext>
-            </a:extLst>
-          </p:cNvPr>
-          <p:cNvSpPr/>
-          <p:nvPr/>
-        </p:nvSpPr>
-        <p:spPr>
-          <a:xfrm>
-            <a:off x="1233486" y="2827853"/>
-            <a:ext cx="2224089" cy="1067872"/>
-          </a:xfrm>
-          <a:prstGeom prst="ellipse">
-            <a:avLst/>
-          </a:prstGeom>
-        </p:spPr>
-        <p:style>
-          <a:lnRef idx="2">
-            <a:schemeClr val="accent1">
-              <a:shade val="50000"/>
-            </a:schemeClr>
-          </a:lnRef>
-          <a:fillRef idx="1">
-            <a:schemeClr val="accent1"/>
-          </a:fillRef>
-          <a:effectRef idx="0">
-            <a:schemeClr val="accent1"/>
-          </a:effectRef>
-          <a:fontRef idx="minor">
-            <a:schemeClr val="lt1"/>
-          </a:fontRef>
-        </p:style>
-        <p:txBody>
-          <a:bodyPr rtlCol="0" anchor="ctr"/>
-          <a:lstStyle/>
-          <a:p>
-            <a:pPr algn="ctr"/>
-            <a:endParaRPr lang="en-IN"/>
-          </a:p>
-        </p:txBody>
-      </p:sp>
-      <p:sp>
-        <p:nvSpPr>
-          <p:cNvPr id="22" name="TextBox 21">
-            <a:extLst>
-              <a:ext uri="{FF2B5EF4-FFF2-40B4-BE49-F238E27FC236}">
-                <a16:creationId xmlns:a16="http://schemas.microsoft.com/office/drawing/2014/main" id="{52425DCF-1FB9-49D1-BF7C-F9A3042B9B21}"/>
-              </a:ext>
-            </a:extLst>
-          </p:cNvPr>
-          <p:cNvSpPr txBox="1"/>
-          <p:nvPr/>
-        </p:nvSpPr>
-        <p:spPr>
-          <a:xfrm>
-            <a:off x="1481140" y="3167598"/>
-            <a:ext cx="2419350" cy="646331"/>
-          </a:xfrm>
-          <a:prstGeom prst="rect">
-            <a:avLst/>
-          </a:prstGeom>
-          <a:noFill/>
-        </p:spPr>
-        <p:txBody>
-          <a:bodyPr wrap="square" rtlCol="0">
-            <a:spAutoFit/>
-          </a:bodyPr>
-          <a:lstStyle/>
-          <a:p>
-            <a:r>
-              <a:rPr lang="en-US" dirty="0"/>
-              <a:t>FORGOT PASSWORD</a:t>
-            </a:r>
-          </a:p>
-          <a:p>
-            <a:r>
-              <a:rPr lang="en-US" dirty="0"/>
-              <a:t>&amp; FORGOT ID</a:t>
-            </a:r>
-            <a:endParaRPr lang="en-IN" dirty="0"/>
-          </a:p>
-        </p:txBody>
-      </p:sp>
-      <p:cxnSp>
-        <p:nvCxnSpPr>
-          <p:cNvPr id="24" name="Straight Arrow Connector 23">
-            <a:extLst>
-              <a:ext uri="{FF2B5EF4-FFF2-40B4-BE49-F238E27FC236}">
-                <a16:creationId xmlns:a16="http://schemas.microsoft.com/office/drawing/2014/main" id="{2BF8DB7A-B744-4BFB-810B-F914E59D8763}"/>
-              </a:ext>
-            </a:extLst>
-          </p:cNvPr>
-          <p:cNvCxnSpPr/>
-          <p:nvPr/>
-        </p:nvCxnSpPr>
-        <p:spPr>
-          <a:xfrm flipV="1">
-            <a:off x="7962900" y="1247775"/>
-            <a:ext cx="0" cy="17977"/>
-          </a:xfrm>
-          <a:prstGeom prst="straightConnector1">
-            <a:avLst/>
-          </a:prstGeom>
-          <a:ln>
-            <a:tailEnd type="triangle"/>
-          </a:ln>
-        </p:spPr>
-        <p:style>
-          <a:lnRef idx="1">
-            <a:schemeClr val="accent1"/>
-          </a:lnRef>
-          <a:fillRef idx="0">
-            <a:schemeClr val="accent1"/>
-          </a:fillRef>
-          <a:effectRef idx="0">
-            <a:schemeClr val="accent1"/>
-          </a:effectRef>
-          <a:fontRef idx="minor">
-            <a:schemeClr val="tx1"/>
-          </a:fontRef>
-        </p:style>
-      </p:cxnSp>
-      <p:cxnSp>
-        <p:nvCxnSpPr>
-          <p:cNvPr id="29" name="Straight Arrow Connector 28">
-            <a:extLst>
-              <a:ext uri="{FF2B5EF4-FFF2-40B4-BE49-F238E27FC236}">
-                <a16:creationId xmlns:a16="http://schemas.microsoft.com/office/drawing/2014/main" id="{D12F07E0-BC2B-4961-A56D-942EA83C3E44}"/>
-              </a:ext>
-            </a:extLst>
-          </p:cNvPr>
-          <p:cNvCxnSpPr/>
-          <p:nvPr/>
-        </p:nvCxnSpPr>
-        <p:spPr>
-          <a:xfrm flipV="1">
-            <a:off x="3319461" y="1598443"/>
-            <a:ext cx="1824039" cy="1569155"/>
-          </a:xfrm>
-          <a:prstGeom prst="straightConnector1">
-            <a:avLst/>
-          </a:prstGeom>
-          <a:ln>
-            <a:tailEnd type="triangle"/>
-          </a:ln>
-        </p:spPr>
-        <p:style>
-          <a:lnRef idx="1">
-            <a:schemeClr val="accent1"/>
-          </a:lnRef>
-          <a:fillRef idx="0">
-            <a:schemeClr val="accent1"/>
-          </a:fillRef>
-          <a:effectRef idx="0">
-            <a:schemeClr val="accent1"/>
-          </a:effectRef>
-          <a:fontRef idx="minor">
-            <a:schemeClr val="tx1"/>
-          </a:fontRef>
-        </p:style>
-      </p:cxnSp>
+            <a:pPr algn="just"/>
+            <a:r>
+              <a:rPr lang="en-US" sz="4400" dirty="0"/>
+              <a:t>User story-15</a:t>
+            </a:r>
+            <a:endParaRPr lang="en-IN" sz="4400" dirty="0"/>
+          </a:p>
+        </p:txBody>
+      </p:sp>
     </p:spTree>
     <p:extLst>
       <p:ext uri="{BB962C8B-B14F-4D97-AF65-F5344CB8AC3E}">
-        <p14:creationId xmlns:p14="http://schemas.microsoft.com/office/powerpoint/2010/main" val="543638352"/>
+        <p14:creationId xmlns:p14="http://schemas.microsoft.com/office/powerpoint/2010/main" val="2520328537"/>
       </p:ext>
     </p:extLst>
   </p:cSld>
@@ -6649,9 +6919,43 @@
 </p:sld>
 </file>
 
-<file path=ppt/slides/slide20.xml><?xml version="1.0" encoding="utf-8"?>
+<file path=ppt/slides/slide21.xml><?xml version="1.0" encoding="utf-8"?>
 <p:sld xmlns:a="http://schemas.openxmlformats.org/drawingml/2006/main" xmlns:r="http://schemas.openxmlformats.org/officeDocument/2006/relationships" xmlns:p="http://schemas.openxmlformats.org/presentationml/2006/main">
   <p:cSld>
+    <p:bg>
+      <p:bgPr>
+        <a:gradFill>
+          <a:gsLst>
+            <a:gs pos="0">
+              <a:schemeClr val="accent1">
+                <a:lumMod val="5000"/>
+                <a:lumOff val="95000"/>
+              </a:schemeClr>
+            </a:gs>
+            <a:gs pos="74000">
+              <a:schemeClr val="accent1">
+                <a:lumMod val="45000"/>
+                <a:lumOff val="55000"/>
+              </a:schemeClr>
+            </a:gs>
+            <a:gs pos="83000">
+              <a:schemeClr val="accent1">
+                <a:lumMod val="45000"/>
+                <a:lumOff val="55000"/>
+              </a:schemeClr>
+            </a:gs>
+            <a:gs pos="100000">
+              <a:schemeClr val="accent1">
+                <a:lumMod val="30000"/>
+                <a:lumOff val="70000"/>
+              </a:schemeClr>
+            </a:gs>
+          </a:gsLst>
+          <a:lin ang="5400000" scaled="1"/>
+        </a:gradFill>
+        <a:effectLst/>
+      </p:bgPr>
+    </p:bg>
     <p:spTree>
       <p:nvGrpSpPr>
         <p:cNvPr id="1" name=""/>
@@ -7196,9 +7500,43 @@
 </p:sld>
 </file>
 
-<file path=ppt/slides/slide21.xml><?xml version="1.0" encoding="utf-8"?>
+<file path=ppt/slides/slide22.xml><?xml version="1.0" encoding="utf-8"?>
 <p:sld xmlns:a="http://schemas.openxmlformats.org/drawingml/2006/main" xmlns:r="http://schemas.openxmlformats.org/officeDocument/2006/relationships" xmlns:p="http://schemas.openxmlformats.org/presentationml/2006/main">
   <p:cSld>
+    <p:bg>
+      <p:bgPr>
+        <a:gradFill>
+          <a:gsLst>
+            <a:gs pos="0">
+              <a:schemeClr val="accent1">
+                <a:lumMod val="5000"/>
+                <a:lumOff val="95000"/>
+              </a:schemeClr>
+            </a:gs>
+            <a:gs pos="74000">
+              <a:schemeClr val="accent1">
+                <a:lumMod val="45000"/>
+                <a:lumOff val="55000"/>
+              </a:schemeClr>
+            </a:gs>
+            <a:gs pos="83000">
+              <a:schemeClr val="accent1">
+                <a:lumMod val="45000"/>
+                <a:lumOff val="55000"/>
+              </a:schemeClr>
+            </a:gs>
+            <a:gs pos="100000">
+              <a:schemeClr val="accent1">
+                <a:lumMod val="30000"/>
+                <a:lumOff val="70000"/>
+              </a:schemeClr>
+            </a:gs>
+          </a:gsLst>
+          <a:lin ang="5400000" scaled="1"/>
+        </a:gradFill>
+        <a:effectLst/>
+      </p:bgPr>
+    </p:bg>
     <p:spTree>
       <p:nvGrpSpPr>
         <p:cNvPr id="1" name=""/>
@@ -7263,9 +7601,43 @@
 </p:sld>
 </file>
 
-<file path=ppt/slides/slide22.xml><?xml version="1.0" encoding="utf-8"?>
+<file path=ppt/slides/slide23.xml><?xml version="1.0" encoding="utf-8"?>
 <p:sld xmlns:a="http://schemas.openxmlformats.org/drawingml/2006/main" xmlns:r="http://schemas.openxmlformats.org/officeDocument/2006/relationships" xmlns:p="http://schemas.openxmlformats.org/presentationml/2006/main">
   <p:cSld>
+    <p:bg>
+      <p:bgPr>
+        <a:gradFill>
+          <a:gsLst>
+            <a:gs pos="0">
+              <a:schemeClr val="accent1">
+                <a:lumMod val="5000"/>
+                <a:lumOff val="95000"/>
+              </a:schemeClr>
+            </a:gs>
+            <a:gs pos="74000">
+              <a:schemeClr val="accent1">
+                <a:lumMod val="45000"/>
+                <a:lumOff val="55000"/>
+              </a:schemeClr>
+            </a:gs>
+            <a:gs pos="83000">
+              <a:schemeClr val="accent1">
+                <a:lumMod val="45000"/>
+                <a:lumOff val="55000"/>
+              </a:schemeClr>
+            </a:gs>
+            <a:gs pos="100000">
+              <a:schemeClr val="accent1">
+                <a:lumMod val="30000"/>
+                <a:lumOff val="70000"/>
+              </a:schemeClr>
+            </a:gs>
+          </a:gsLst>
+          <a:lin ang="5400000" scaled="1"/>
+        </a:gradFill>
+        <a:effectLst/>
+      </p:bgPr>
+    </p:bg>
     <p:spTree>
       <p:nvGrpSpPr>
         <p:cNvPr id="1" name=""/>
@@ -7633,9 +8005,43 @@
 </p:sld>
 </file>
 
-<file path=ppt/slides/slide23.xml><?xml version="1.0" encoding="utf-8"?>
+<file path=ppt/slides/slide24.xml><?xml version="1.0" encoding="utf-8"?>
 <p:sld xmlns:a="http://schemas.openxmlformats.org/drawingml/2006/main" xmlns:r="http://schemas.openxmlformats.org/officeDocument/2006/relationships" xmlns:p="http://schemas.openxmlformats.org/presentationml/2006/main">
   <p:cSld>
+    <p:bg>
+      <p:bgPr>
+        <a:gradFill>
+          <a:gsLst>
+            <a:gs pos="0">
+              <a:schemeClr val="accent1">
+                <a:lumMod val="5000"/>
+                <a:lumOff val="95000"/>
+              </a:schemeClr>
+            </a:gs>
+            <a:gs pos="74000">
+              <a:schemeClr val="accent1">
+                <a:lumMod val="45000"/>
+                <a:lumOff val="55000"/>
+              </a:schemeClr>
+            </a:gs>
+            <a:gs pos="83000">
+              <a:schemeClr val="accent1">
+                <a:lumMod val="45000"/>
+                <a:lumOff val="55000"/>
+              </a:schemeClr>
+            </a:gs>
+            <a:gs pos="100000">
+              <a:schemeClr val="accent1">
+                <a:lumMod val="30000"/>
+                <a:lumOff val="70000"/>
+              </a:schemeClr>
+            </a:gs>
+          </a:gsLst>
+          <a:lin ang="5400000" scaled="1"/>
+        </a:gradFill>
+        <a:effectLst/>
+      </p:bgPr>
+    </p:bg>
     <p:spTree>
       <p:nvGrpSpPr>
         <p:cNvPr id="1" name=""/>
@@ -7700,9 +8106,43 @@
 </p:sld>
 </file>
 
-<file path=ppt/slides/slide24.xml><?xml version="1.0" encoding="utf-8"?>
+<file path=ppt/slides/slide25.xml><?xml version="1.0" encoding="utf-8"?>
 <p:sld xmlns:a="http://schemas.openxmlformats.org/drawingml/2006/main" xmlns:r="http://schemas.openxmlformats.org/officeDocument/2006/relationships" xmlns:p="http://schemas.openxmlformats.org/presentationml/2006/main">
   <p:cSld>
+    <p:bg>
+      <p:bgPr>
+        <a:gradFill>
+          <a:gsLst>
+            <a:gs pos="0">
+              <a:schemeClr val="accent1">
+                <a:lumMod val="5000"/>
+                <a:lumOff val="95000"/>
+              </a:schemeClr>
+            </a:gs>
+            <a:gs pos="74000">
+              <a:schemeClr val="accent1">
+                <a:lumMod val="45000"/>
+                <a:lumOff val="55000"/>
+              </a:schemeClr>
+            </a:gs>
+            <a:gs pos="83000">
+              <a:schemeClr val="accent1">
+                <a:lumMod val="45000"/>
+                <a:lumOff val="55000"/>
+              </a:schemeClr>
+            </a:gs>
+            <a:gs pos="100000">
+              <a:schemeClr val="accent1">
+                <a:lumMod val="30000"/>
+                <a:lumOff val="70000"/>
+              </a:schemeClr>
+            </a:gs>
+          </a:gsLst>
+          <a:lin ang="5400000" scaled="1"/>
+        </a:gradFill>
+        <a:effectLst/>
+      </p:bgPr>
+    </p:bg>
     <p:spTree>
       <p:nvGrpSpPr>
         <p:cNvPr id="1" name=""/>
@@ -7719,6 +8159,315 @@
       </p:grpSpPr>
       <p:sp>
         <p:nvSpPr>
+          <p:cNvPr id="2" name="Rectangle 1">
+            <a:extLst>
+              <a:ext uri="{FF2B5EF4-FFF2-40B4-BE49-F238E27FC236}">
+                <a16:creationId xmlns:a16="http://schemas.microsoft.com/office/drawing/2014/main" id="{85B0F1E2-A1E6-4BDF-B8B1-2C15D186CD15}"/>
+              </a:ext>
+            </a:extLst>
+          </p:cNvPr>
+          <p:cNvSpPr/>
+          <p:nvPr/>
+        </p:nvSpPr>
+        <p:spPr>
+          <a:xfrm>
+            <a:off x="5936973" y="1961321"/>
+            <a:ext cx="5751443" cy="3167269"/>
+          </a:xfrm>
+          <a:prstGeom prst="rect">
+            <a:avLst/>
+          </a:prstGeom>
+        </p:spPr>
+        <p:style>
+          <a:lnRef idx="2">
+            <a:schemeClr val="accent1">
+              <a:shade val="50000"/>
+            </a:schemeClr>
+          </a:lnRef>
+          <a:fillRef idx="1">
+            <a:schemeClr val="accent1"/>
+          </a:fillRef>
+          <a:effectRef idx="0">
+            <a:schemeClr val="accent1"/>
+          </a:effectRef>
+          <a:fontRef idx="minor">
+            <a:schemeClr val="lt1"/>
+          </a:fontRef>
+        </p:style>
+        <p:txBody>
+          <a:bodyPr rtlCol="0" anchor="ctr"/>
+          <a:lstStyle/>
+          <a:p>
+            <a:pPr marL="285750" indent="-285750" algn="ctr">
+              <a:buFont typeface="Arial" panose="020B0604020202020204" pitchFamily="34" charset="0"/>
+              <a:buChar char="•"/>
+            </a:pPr>
+            <a:r>
+              <a:rPr lang="en-GB" dirty="0"/>
+              <a:t>Customer should view all the details of tailor.</a:t>
+            </a:r>
+          </a:p>
+          <a:p>
+            <a:pPr marL="285750" indent="-285750" algn="ctr">
+              <a:buFont typeface="Arial" panose="020B0604020202020204" pitchFamily="34" charset="0"/>
+              <a:buChar char="•"/>
+            </a:pPr>
+            <a:r>
+              <a:rPr lang="en-GB" dirty="0"/>
+              <a:t>Customer should view patterns uploaded by the tailor and cost for each pattern.</a:t>
+            </a:r>
+          </a:p>
+          <a:p>
+            <a:pPr marL="285750" indent="-285750" algn="ctr">
+              <a:buFont typeface="Arial" panose="020B0604020202020204" pitchFamily="34" charset="0"/>
+              <a:buChar char="•"/>
+            </a:pPr>
+            <a:r>
+              <a:rPr lang="en-GB" dirty="0"/>
+              <a:t>Customer should also be able to view the reviews or comments about the tailor if there are any.</a:t>
+            </a:r>
+          </a:p>
+        </p:txBody>
+      </p:sp>
+      <p:sp>
+        <p:nvSpPr>
+          <p:cNvPr id="3" name="Rectangle: Top Corners One Rounded and One Snipped 2">
+            <a:extLst>
+              <a:ext uri="{FF2B5EF4-FFF2-40B4-BE49-F238E27FC236}">
+                <a16:creationId xmlns:a16="http://schemas.microsoft.com/office/drawing/2014/main" id="{3267BD89-A486-4A62-93B7-514FB8231B79}"/>
+              </a:ext>
+            </a:extLst>
+          </p:cNvPr>
+          <p:cNvSpPr/>
+          <p:nvPr/>
+        </p:nvSpPr>
+        <p:spPr>
+          <a:xfrm>
+            <a:off x="3657600" y="675861"/>
+            <a:ext cx="3472070" cy="987288"/>
+          </a:xfrm>
+          <a:prstGeom prst="snipRoundRect">
+            <a:avLst/>
+          </a:prstGeom>
+        </p:spPr>
+        <p:style>
+          <a:lnRef idx="2">
+            <a:schemeClr val="accent3">
+              <a:shade val="50000"/>
+            </a:schemeClr>
+          </a:lnRef>
+          <a:fillRef idx="1">
+            <a:schemeClr val="accent3"/>
+          </a:fillRef>
+          <a:effectRef idx="0">
+            <a:schemeClr val="accent3"/>
+          </a:effectRef>
+          <a:fontRef idx="minor">
+            <a:schemeClr val="lt1"/>
+          </a:fontRef>
+        </p:style>
+        <p:txBody>
+          <a:bodyPr rtlCol="0" anchor="ctr"/>
+          <a:lstStyle/>
+          <a:p>
+            <a:pPr algn="ctr"/>
+            <a:r>
+              <a:rPr lang="en-GB" dirty="0">
+                <a:ln w="0"/>
+                <a:solidFill>
+                  <a:schemeClr val="accent1"/>
+                </a:solidFill>
+                <a:effectLst>
+                  <a:outerShdw blurRad="38100" dist="25400" dir="5400000" algn="ctr" rotWithShape="0">
+                    <a:srgbClr val="6E747A">
+                      <a:alpha val="43000"/>
+                    </a:srgbClr>
+                  </a:outerShdw>
+                </a:effectLst>
+              </a:rPr>
+              <a:t>CUSTOMER PORTAL</a:t>
+            </a:r>
+          </a:p>
+        </p:txBody>
+      </p:sp>
+      <p:sp>
+        <p:nvSpPr>
+          <p:cNvPr id="4" name="Oval 3">
+            <a:extLst>
+              <a:ext uri="{FF2B5EF4-FFF2-40B4-BE49-F238E27FC236}">
+                <a16:creationId xmlns:a16="http://schemas.microsoft.com/office/drawing/2014/main" id="{FCB89D63-12CA-45AD-9585-52FE01649386}"/>
+              </a:ext>
+            </a:extLst>
+          </p:cNvPr>
+          <p:cNvSpPr/>
+          <p:nvPr/>
+        </p:nvSpPr>
+        <p:spPr>
+          <a:xfrm>
+            <a:off x="689113" y="2451652"/>
+            <a:ext cx="1842052" cy="2146852"/>
+          </a:xfrm>
+          <a:prstGeom prst="ellipse">
+            <a:avLst/>
+          </a:prstGeom>
+        </p:spPr>
+        <p:style>
+          <a:lnRef idx="2">
+            <a:schemeClr val="dk1">
+              <a:shade val="50000"/>
+            </a:schemeClr>
+          </a:lnRef>
+          <a:fillRef idx="1">
+            <a:schemeClr val="dk1"/>
+          </a:fillRef>
+          <a:effectRef idx="0">
+            <a:schemeClr val="dk1"/>
+          </a:effectRef>
+          <a:fontRef idx="minor">
+            <a:schemeClr val="lt1"/>
+          </a:fontRef>
+        </p:style>
+        <p:txBody>
+          <a:bodyPr rtlCol="0" anchor="ctr"/>
+          <a:lstStyle/>
+          <a:p>
+            <a:pPr algn="ctr"/>
+            <a:r>
+              <a:rPr lang="en-GB" b="1" dirty="0">
+                <a:ln w="10160">
+                  <a:solidFill>
+                    <a:schemeClr val="accent5"/>
+                  </a:solidFill>
+                  <a:prstDash val="solid"/>
+                </a:ln>
+                <a:solidFill>
+                  <a:srgbClr val="FFFFFF"/>
+                </a:solidFill>
+                <a:effectLst>
+                  <a:outerShdw blurRad="38100" dist="22860" dir="5400000" algn="tl" rotWithShape="0">
+                    <a:srgbClr val="000000">
+                      <a:alpha val="30000"/>
+                    </a:srgbClr>
+                  </a:outerShdw>
+                </a:effectLst>
+              </a:rPr>
+              <a:t>ON CLICKING TAILOR ID</a:t>
+            </a:r>
+          </a:p>
+        </p:txBody>
+      </p:sp>
+      <p:sp>
+        <p:nvSpPr>
+          <p:cNvPr id="5" name="Arrow: Right 4">
+            <a:extLst>
+              <a:ext uri="{FF2B5EF4-FFF2-40B4-BE49-F238E27FC236}">
+                <a16:creationId xmlns:a16="http://schemas.microsoft.com/office/drawing/2014/main" id="{F9535F58-B40E-4DDF-B950-C1804F4A2B09}"/>
+              </a:ext>
+            </a:extLst>
+          </p:cNvPr>
+          <p:cNvSpPr/>
+          <p:nvPr/>
+        </p:nvSpPr>
+        <p:spPr>
+          <a:xfrm>
+            <a:off x="2822713" y="3154017"/>
+            <a:ext cx="2862470" cy="987288"/>
+          </a:xfrm>
+          <a:prstGeom prst="rightArrow">
+            <a:avLst/>
+          </a:prstGeom>
+        </p:spPr>
+        <p:style>
+          <a:lnRef idx="2">
+            <a:schemeClr val="accent1">
+              <a:shade val="50000"/>
+            </a:schemeClr>
+          </a:lnRef>
+          <a:fillRef idx="1">
+            <a:schemeClr val="accent1"/>
+          </a:fillRef>
+          <a:effectRef idx="0">
+            <a:schemeClr val="accent1"/>
+          </a:effectRef>
+          <a:fontRef idx="minor">
+            <a:schemeClr val="lt1"/>
+          </a:fontRef>
+        </p:style>
+        <p:txBody>
+          <a:bodyPr rtlCol="0" anchor="ctr"/>
+          <a:lstStyle/>
+          <a:p>
+            <a:pPr algn="ctr"/>
+            <a:endParaRPr lang="en-GB"/>
+          </a:p>
+        </p:txBody>
+      </p:sp>
+    </p:spTree>
+    <p:extLst>
+      <p:ext uri="{BB962C8B-B14F-4D97-AF65-F5344CB8AC3E}">
+        <p14:creationId xmlns:p14="http://schemas.microsoft.com/office/powerpoint/2010/main" val="3725869335"/>
+      </p:ext>
+    </p:extLst>
+  </p:cSld>
+  <p:clrMapOvr>
+    <a:masterClrMapping/>
+  </p:clrMapOvr>
+</p:sld>
+</file>
+
+<file path=ppt/slides/slide26.xml><?xml version="1.0" encoding="utf-8"?>
+<p:sld xmlns:a="http://schemas.openxmlformats.org/drawingml/2006/main" xmlns:r="http://schemas.openxmlformats.org/officeDocument/2006/relationships" xmlns:p="http://schemas.openxmlformats.org/presentationml/2006/main">
+  <p:cSld>
+    <p:bg>
+      <p:bgPr>
+        <a:gradFill>
+          <a:gsLst>
+            <a:gs pos="0">
+              <a:schemeClr val="accent1">
+                <a:lumMod val="5000"/>
+                <a:lumOff val="95000"/>
+              </a:schemeClr>
+            </a:gs>
+            <a:gs pos="74000">
+              <a:schemeClr val="accent1">
+                <a:lumMod val="45000"/>
+                <a:lumOff val="55000"/>
+              </a:schemeClr>
+            </a:gs>
+            <a:gs pos="83000">
+              <a:schemeClr val="accent1">
+                <a:lumMod val="45000"/>
+                <a:lumOff val="55000"/>
+              </a:schemeClr>
+            </a:gs>
+            <a:gs pos="100000">
+              <a:schemeClr val="accent1">
+                <a:lumMod val="30000"/>
+                <a:lumOff val="70000"/>
+              </a:schemeClr>
+            </a:gs>
+          </a:gsLst>
+          <a:lin ang="5400000" scaled="1"/>
+        </a:gradFill>
+        <a:effectLst/>
+      </p:bgPr>
+    </p:bg>
+    <p:spTree>
+      <p:nvGrpSpPr>
+        <p:cNvPr id="1" name=""/>
+        <p:cNvGrpSpPr/>
+        <p:nvPr/>
+      </p:nvGrpSpPr>
+      <p:grpSpPr>
+        <a:xfrm>
+          <a:off x="0" y="0"/>
+          <a:ext cx="0" cy="0"/>
+          <a:chOff x="0" y="0"/>
+          <a:chExt cx="0" cy="0"/>
+        </a:xfrm>
+      </p:grpSpPr>
+      <p:sp>
+        <p:nvSpPr>
           <p:cNvPr id="3" name="TextBox 2">
             <a:extLst>
               <a:ext uri="{FF2B5EF4-FFF2-40B4-BE49-F238E27FC236}">
@@ -7767,9 +8516,43 @@
 </p:sld>
 </file>
 
-<file path=ppt/slides/slide25.xml><?xml version="1.0" encoding="utf-8"?>
+<file path=ppt/slides/slide27.xml><?xml version="1.0" encoding="utf-8"?>
 <p:sld xmlns:a="http://schemas.openxmlformats.org/drawingml/2006/main" xmlns:r="http://schemas.openxmlformats.org/officeDocument/2006/relationships" xmlns:p="http://schemas.openxmlformats.org/presentationml/2006/main">
   <p:cSld>
+    <p:bg>
+      <p:bgPr>
+        <a:gradFill>
+          <a:gsLst>
+            <a:gs pos="0">
+              <a:schemeClr val="accent1">
+                <a:lumMod val="5000"/>
+                <a:lumOff val="95000"/>
+              </a:schemeClr>
+            </a:gs>
+            <a:gs pos="74000">
+              <a:schemeClr val="accent1">
+                <a:lumMod val="45000"/>
+                <a:lumOff val="55000"/>
+              </a:schemeClr>
+            </a:gs>
+            <a:gs pos="83000">
+              <a:schemeClr val="accent1">
+                <a:lumMod val="45000"/>
+                <a:lumOff val="55000"/>
+              </a:schemeClr>
+            </a:gs>
+            <a:gs pos="100000">
+              <a:schemeClr val="accent1">
+                <a:lumMod val="30000"/>
+                <a:lumOff val="70000"/>
+              </a:schemeClr>
+            </a:gs>
+          </a:gsLst>
+          <a:lin ang="5400000" scaled="1"/>
+        </a:gradFill>
+        <a:effectLst/>
+      </p:bgPr>
+    </p:bg>
     <p:spTree>
       <p:nvGrpSpPr>
         <p:cNvPr id="1" name=""/>
@@ -8171,9 +8954,43 @@
 </p:sld>
 </file>
 
-<file path=ppt/slides/slide26.xml><?xml version="1.0" encoding="utf-8"?>
+<file path=ppt/slides/slide28.xml><?xml version="1.0" encoding="utf-8"?>
 <p:sld xmlns:a="http://schemas.openxmlformats.org/drawingml/2006/main" xmlns:r="http://schemas.openxmlformats.org/officeDocument/2006/relationships" xmlns:p="http://schemas.openxmlformats.org/presentationml/2006/main">
   <p:cSld>
+    <p:bg>
+      <p:bgPr>
+        <a:gradFill>
+          <a:gsLst>
+            <a:gs pos="0">
+              <a:schemeClr val="accent1">
+                <a:lumMod val="5000"/>
+                <a:lumOff val="95000"/>
+              </a:schemeClr>
+            </a:gs>
+            <a:gs pos="74000">
+              <a:schemeClr val="accent1">
+                <a:lumMod val="45000"/>
+                <a:lumOff val="55000"/>
+              </a:schemeClr>
+            </a:gs>
+            <a:gs pos="83000">
+              <a:schemeClr val="accent1">
+                <a:lumMod val="45000"/>
+                <a:lumOff val="55000"/>
+              </a:schemeClr>
+            </a:gs>
+            <a:gs pos="100000">
+              <a:schemeClr val="accent1">
+                <a:lumMod val="30000"/>
+                <a:lumOff val="70000"/>
+              </a:schemeClr>
+            </a:gs>
+          </a:gsLst>
+          <a:lin ang="5400000" scaled="1"/>
+        </a:gradFill>
+        <a:effectLst/>
+      </p:bgPr>
+    </p:bg>
     <p:spTree>
       <p:nvGrpSpPr>
         <p:cNvPr id="1" name=""/>
@@ -8238,9 +9055,43 @@
 </p:sld>
 </file>
 
-<file path=ppt/slides/slide27.xml><?xml version="1.0" encoding="utf-8"?>
+<file path=ppt/slides/slide29.xml><?xml version="1.0" encoding="utf-8"?>
 <p:sld xmlns:a="http://schemas.openxmlformats.org/drawingml/2006/main" xmlns:r="http://schemas.openxmlformats.org/officeDocument/2006/relationships" xmlns:p="http://schemas.openxmlformats.org/presentationml/2006/main">
   <p:cSld>
+    <p:bg>
+      <p:bgPr>
+        <a:gradFill>
+          <a:gsLst>
+            <a:gs pos="0">
+              <a:schemeClr val="accent1">
+                <a:lumMod val="5000"/>
+                <a:lumOff val="95000"/>
+              </a:schemeClr>
+            </a:gs>
+            <a:gs pos="74000">
+              <a:schemeClr val="accent1">
+                <a:lumMod val="45000"/>
+                <a:lumOff val="55000"/>
+              </a:schemeClr>
+            </a:gs>
+            <a:gs pos="83000">
+              <a:schemeClr val="accent1">
+                <a:lumMod val="45000"/>
+                <a:lumOff val="55000"/>
+              </a:schemeClr>
+            </a:gs>
+            <a:gs pos="100000">
+              <a:schemeClr val="accent1">
+                <a:lumMod val="30000"/>
+                <a:lumOff val="70000"/>
+              </a:schemeClr>
+            </a:gs>
+          </a:gsLst>
+          <a:lin ang="5400000" scaled="1"/>
+        </a:gradFill>
+        <a:effectLst/>
+      </p:bgPr>
+    </p:bg>
     <p:spTree>
       <p:nvGrpSpPr>
         <p:cNvPr id="1" name=""/>
@@ -8638,9 +9489,43 @@
 </p:sld>
 </file>
 
-<file path=ppt/slides/slide28.xml><?xml version="1.0" encoding="utf-8"?>
+<file path=ppt/slides/slide3.xml><?xml version="1.0" encoding="utf-8"?>
 <p:sld xmlns:a="http://schemas.openxmlformats.org/drawingml/2006/main" xmlns:r="http://schemas.openxmlformats.org/officeDocument/2006/relationships" xmlns:p="http://schemas.openxmlformats.org/presentationml/2006/main">
   <p:cSld>
+    <p:bg>
+      <p:bgPr>
+        <a:gradFill>
+          <a:gsLst>
+            <a:gs pos="0">
+              <a:schemeClr val="accent1">
+                <a:lumMod val="5000"/>
+                <a:lumOff val="95000"/>
+              </a:schemeClr>
+            </a:gs>
+            <a:gs pos="74000">
+              <a:schemeClr val="accent1">
+                <a:lumMod val="45000"/>
+                <a:lumOff val="55000"/>
+              </a:schemeClr>
+            </a:gs>
+            <a:gs pos="83000">
+              <a:schemeClr val="accent1">
+                <a:lumMod val="45000"/>
+                <a:lumOff val="55000"/>
+              </a:schemeClr>
+            </a:gs>
+            <a:gs pos="100000">
+              <a:schemeClr val="accent1">
+                <a:lumMod val="30000"/>
+                <a:lumOff val="70000"/>
+              </a:schemeClr>
+            </a:gs>
+          </a:gsLst>
+          <a:lin ang="5400000" scaled="1"/>
+        </a:gradFill>
+        <a:effectLst/>
+      </p:bgPr>
+    </p:bg>
     <p:spTree>
       <p:nvGrpSpPr>
         <p:cNvPr id="1" name=""/>
@@ -8657,174 +9542,10 @@
       </p:grpSpPr>
       <p:sp>
         <p:nvSpPr>
-          <p:cNvPr id="3" name="TextBox 2">
-            <a:extLst>
-              <a:ext uri="{FF2B5EF4-FFF2-40B4-BE49-F238E27FC236}">
-                <a16:creationId xmlns:a16="http://schemas.microsoft.com/office/drawing/2014/main" id="{75C0224E-1290-49C5-8C2B-32F4C8215AAB}"/>
-              </a:ext>
-            </a:extLst>
-          </p:cNvPr>
-          <p:cNvSpPr txBox="1"/>
-          <p:nvPr/>
-        </p:nvSpPr>
-        <p:spPr>
-          <a:xfrm>
-            <a:off x="4438650" y="2491859"/>
-            <a:ext cx="6096000" cy="769441"/>
-          </a:xfrm>
-          <a:prstGeom prst="rect">
-            <a:avLst/>
-          </a:prstGeom>
-          <a:noFill/>
-        </p:spPr>
-        <p:txBody>
-          <a:bodyPr wrap="square">
-            <a:spAutoFit/>
-          </a:bodyPr>
-          <a:lstStyle/>
-          <a:p>
-            <a:pPr algn="just"/>
-            <a:r>
-              <a:rPr lang="en-US" sz="4400" dirty="0"/>
-              <a:t>User story-21</a:t>
-            </a:r>
-            <a:endParaRPr lang="en-IN" sz="4400" dirty="0"/>
-          </a:p>
-        </p:txBody>
-      </p:sp>
-    </p:spTree>
-    <p:extLst>
-      <p:ext uri="{BB962C8B-B14F-4D97-AF65-F5344CB8AC3E}">
-        <p14:creationId xmlns:p14="http://schemas.microsoft.com/office/powerpoint/2010/main" val="1579209296"/>
-      </p:ext>
-    </p:extLst>
-  </p:cSld>
-  <p:clrMapOvr>
-    <a:masterClrMapping/>
-  </p:clrMapOvr>
-</p:sld>
-</file>
-
-<file path=ppt/slides/slide29.xml><?xml version="1.0" encoding="utf-8"?>
-<p:sld xmlns:a="http://schemas.openxmlformats.org/drawingml/2006/main" xmlns:r="http://schemas.openxmlformats.org/officeDocument/2006/relationships" xmlns:p="http://schemas.openxmlformats.org/presentationml/2006/main">
-  <p:cSld>
-    <p:spTree>
-      <p:nvGrpSpPr>
-        <p:cNvPr id="1" name=""/>
-        <p:cNvGrpSpPr/>
-        <p:nvPr/>
-      </p:nvGrpSpPr>
-      <p:grpSpPr>
-        <a:xfrm>
-          <a:off x="0" y="0"/>
-          <a:ext cx="0" cy="0"/>
-          <a:chOff x="0" y="0"/>
-          <a:chExt cx="0" cy="0"/>
-        </a:xfrm>
-      </p:grpSpPr>
-    </p:spTree>
-    <p:extLst>
-      <p:ext uri="{BB962C8B-B14F-4D97-AF65-F5344CB8AC3E}">
-        <p14:creationId xmlns:p14="http://schemas.microsoft.com/office/powerpoint/2010/main" val="2358523451"/>
-      </p:ext>
-    </p:extLst>
-  </p:cSld>
-  <p:clrMapOvr>
-    <a:masterClrMapping/>
-  </p:clrMapOvr>
-</p:sld>
-</file>
-
-<file path=ppt/slides/slide3.xml><?xml version="1.0" encoding="utf-8"?>
-<p:sld xmlns:a="http://schemas.openxmlformats.org/drawingml/2006/main" xmlns:r="http://schemas.openxmlformats.org/officeDocument/2006/relationships" xmlns:p="http://schemas.openxmlformats.org/presentationml/2006/main">
-  <p:cSld>
-    <p:spTree>
-      <p:nvGrpSpPr>
-        <p:cNvPr id="1" name=""/>
-        <p:cNvGrpSpPr/>
-        <p:nvPr/>
-      </p:nvGrpSpPr>
-      <p:grpSpPr>
-        <a:xfrm>
-          <a:off x="0" y="0"/>
-          <a:ext cx="0" cy="0"/>
-          <a:chOff x="0" y="0"/>
-          <a:chExt cx="0" cy="0"/>
-        </a:xfrm>
-      </p:grpSpPr>
-      <p:sp>
-        <p:nvSpPr>
-          <p:cNvPr id="2" name="TextBox 1">
-            <a:extLst>
-              <a:ext uri="{FF2B5EF4-FFF2-40B4-BE49-F238E27FC236}">
-                <a16:creationId xmlns:a16="http://schemas.microsoft.com/office/drawing/2014/main" id="{7D2C228A-50DF-4BFF-BA89-AE990C76CE10}"/>
-              </a:ext>
-            </a:extLst>
-          </p:cNvPr>
-          <p:cNvSpPr txBox="1"/>
-          <p:nvPr/>
-        </p:nvSpPr>
-        <p:spPr>
-          <a:xfrm>
-            <a:off x="3943350" y="2181225"/>
-            <a:ext cx="4581525" cy="769441"/>
-          </a:xfrm>
-          <a:prstGeom prst="rect">
-            <a:avLst/>
-          </a:prstGeom>
-          <a:noFill/>
-        </p:spPr>
-        <p:txBody>
-          <a:bodyPr wrap="square" rtlCol="0">
-            <a:spAutoFit/>
-          </a:bodyPr>
-          <a:lstStyle/>
-          <a:p>
-            <a:pPr algn="just"/>
-            <a:r>
-              <a:rPr lang="en-US" sz="4400" dirty="0"/>
-              <a:t>User Story -3</a:t>
-            </a:r>
-            <a:endParaRPr lang="en-IN" sz="4400" dirty="0"/>
-          </a:p>
-        </p:txBody>
-      </p:sp>
-    </p:spTree>
-    <p:extLst>
-      <p:ext uri="{BB962C8B-B14F-4D97-AF65-F5344CB8AC3E}">
-        <p14:creationId xmlns:p14="http://schemas.microsoft.com/office/powerpoint/2010/main" val="63860665"/>
-      </p:ext>
-    </p:extLst>
-  </p:cSld>
-  <p:clrMapOvr>
-    <a:masterClrMapping/>
-  </p:clrMapOvr>
-</p:sld>
-</file>
-
-<file path=ppt/slides/slide4.xml><?xml version="1.0" encoding="utf-8"?>
-<p:sld xmlns:a="http://schemas.openxmlformats.org/drawingml/2006/main" xmlns:r="http://schemas.openxmlformats.org/officeDocument/2006/relationships" xmlns:p="http://schemas.openxmlformats.org/presentationml/2006/main">
-  <p:cSld>
-    <p:spTree>
-      <p:nvGrpSpPr>
-        <p:cNvPr id="1" name=""/>
-        <p:cNvGrpSpPr/>
-        <p:nvPr/>
-      </p:nvGrpSpPr>
-      <p:grpSpPr>
-        <a:xfrm>
-          <a:off x="0" y="0"/>
-          <a:ext cx="0" cy="0"/>
-          <a:chOff x="0" y="0"/>
-          <a:chExt cx="0" cy="0"/>
-        </a:xfrm>
-      </p:grpSpPr>
-      <p:sp>
-        <p:nvSpPr>
-          <p:cNvPr id="2" name="Rectangle 1">
-            <a:extLst>
-              <a:ext uri="{FF2B5EF4-FFF2-40B4-BE49-F238E27FC236}">
-                <a16:creationId xmlns:a16="http://schemas.microsoft.com/office/drawing/2014/main" id="{8C7E9D7A-807E-4CDD-901E-68BE672E3D7C}"/>
+          <p:cNvPr id="4" name="Rectangle 3">
+            <a:extLst>
+              <a:ext uri="{FF2B5EF4-FFF2-40B4-BE49-F238E27FC236}">
+                <a16:creationId xmlns:a16="http://schemas.microsoft.com/office/drawing/2014/main" id="{0A616A87-1DBB-4988-9CBD-84A387EF6917}"/>
               </a:ext>
             </a:extLst>
           </p:cNvPr>
@@ -8833,8 +9554,8 @@
         </p:nvSpPr>
         <p:spPr>
           <a:xfrm>
-            <a:off x="3876675" y="1333500"/>
-            <a:ext cx="4000500" cy="3286125"/>
+            <a:off x="690561" y="1051387"/>
+            <a:ext cx="3724275" cy="3600450"/>
           </a:xfrm>
           <a:prstGeom prst="rect">
             <a:avLst/>
@@ -8865,83 +9586,22 @@
       </p:sp>
       <p:sp>
         <p:nvSpPr>
-          <p:cNvPr id="3" name="TextBox 2">
-            <a:extLst>
-              <a:ext uri="{FF2B5EF4-FFF2-40B4-BE49-F238E27FC236}">
-                <a16:creationId xmlns:a16="http://schemas.microsoft.com/office/drawing/2014/main" id="{08894B00-E9F6-4BFE-9DB7-3EA666652C08}"/>
-              </a:ext>
-            </a:extLst>
-          </p:cNvPr>
-          <p:cNvSpPr txBox="1"/>
-          <p:nvPr/>
-        </p:nvSpPr>
-        <p:spPr>
-          <a:xfrm>
-            <a:off x="4124325" y="2343150"/>
-            <a:ext cx="3533775" cy="2123658"/>
+          <p:cNvPr id="5" name="Rectangle 4">
+            <a:extLst>
+              <a:ext uri="{FF2B5EF4-FFF2-40B4-BE49-F238E27FC236}">
+                <a16:creationId xmlns:a16="http://schemas.microsoft.com/office/drawing/2014/main" id="{1BB0CAE9-DA5C-4760-896C-78E9A192E1B5}"/>
+              </a:ext>
+            </a:extLst>
+          </p:cNvPr>
+          <p:cNvSpPr/>
+          <p:nvPr/>
+        </p:nvSpPr>
+        <p:spPr>
+          <a:xfrm>
+            <a:off x="2324100" y="1123950"/>
+            <a:ext cx="1524000" cy="1133475"/>
           </a:xfrm>
           <a:prstGeom prst="rect">
-            <a:avLst/>
-          </a:prstGeom>
-          <a:noFill/>
-        </p:spPr>
-        <p:txBody>
-          <a:bodyPr wrap="square" rtlCol="0">
-            <a:spAutoFit/>
-          </a:bodyPr>
-          <a:lstStyle/>
-          <a:p>
-            <a:r>
-              <a:rPr lang="en-US" sz="2800" dirty="0">
-                <a:solidFill>
-                  <a:schemeClr val="accent1"/>
-                </a:solidFill>
-              </a:rPr>
-              <a:t>ADMIN LOG IN WITH Email &amp;password</a:t>
-            </a:r>
-          </a:p>
-          <a:p>
-            <a:endParaRPr lang="en-US" sz="2800" dirty="0">
-              <a:solidFill>
-                <a:schemeClr val="accent1"/>
-              </a:solidFill>
-            </a:endParaRPr>
-          </a:p>
-          <a:p>
-            <a:r>
-              <a:rPr lang="en-US" sz="2400" dirty="0">
-                <a:solidFill>
-                  <a:srgbClr val="FF0000"/>
-                </a:solidFill>
-              </a:rPr>
-              <a:t>With validation with user DB</a:t>
-            </a:r>
-            <a:endParaRPr lang="en-IN" sz="2400" dirty="0">
-              <a:solidFill>
-                <a:srgbClr val="FF0000"/>
-              </a:solidFill>
-            </a:endParaRPr>
-          </a:p>
-        </p:txBody>
-      </p:sp>
-      <p:sp>
-        <p:nvSpPr>
-          <p:cNvPr id="5" name="Rectangle: Rounded Corners 4">
-            <a:extLst>
-              <a:ext uri="{FF2B5EF4-FFF2-40B4-BE49-F238E27FC236}">
-                <a16:creationId xmlns:a16="http://schemas.microsoft.com/office/drawing/2014/main" id="{320B33A7-436A-4ECA-93E9-AE8510899222}"/>
-              </a:ext>
-            </a:extLst>
-          </p:cNvPr>
-          <p:cNvSpPr/>
-          <p:nvPr/>
-        </p:nvSpPr>
-        <p:spPr>
-          <a:xfrm>
-            <a:off x="9601200" y="2169946"/>
-            <a:ext cx="1438275" cy="904872"/>
-          </a:xfrm>
-          <a:prstGeom prst="roundRect">
             <a:avLst/>
           </a:prstGeom>
         </p:spPr>
@@ -8963,9 +9623,114 @@
           <a:bodyPr rtlCol="0" anchor="ctr"/>
           <a:lstStyle/>
           <a:p>
+            <a:pPr algn="ctr"/>
+            <a:endParaRPr lang="en-IN"/>
+          </a:p>
+        </p:txBody>
+      </p:sp>
+      <p:sp>
+        <p:nvSpPr>
+          <p:cNvPr id="8" name="TextBox 7">
+            <a:extLst>
+              <a:ext uri="{FF2B5EF4-FFF2-40B4-BE49-F238E27FC236}">
+                <a16:creationId xmlns:a16="http://schemas.microsoft.com/office/drawing/2014/main" id="{BE8CEA2C-9AE4-4AA1-BC88-307D68024A45}"/>
+              </a:ext>
+            </a:extLst>
+          </p:cNvPr>
+          <p:cNvSpPr txBox="1"/>
+          <p:nvPr/>
+        </p:nvSpPr>
+        <p:spPr>
+          <a:xfrm>
+            <a:off x="1781175" y="4057650"/>
+            <a:ext cx="1676400" cy="369332"/>
+          </a:xfrm>
+          <a:prstGeom prst="rect">
+            <a:avLst/>
+          </a:prstGeom>
+          <a:noFill/>
+        </p:spPr>
+        <p:txBody>
+          <a:bodyPr wrap="square" rtlCol="0">
+            <a:spAutoFit/>
+          </a:bodyPr>
+          <a:lstStyle/>
+          <a:p>
             <a:r>
               <a:rPr lang="en-US" dirty="0"/>
-              <a:t> USER DB</a:t>
+              <a:t>Login</a:t>
+            </a:r>
+            <a:endParaRPr lang="en-IN" dirty="0"/>
+          </a:p>
+        </p:txBody>
+      </p:sp>
+      <p:sp>
+        <p:nvSpPr>
+          <p:cNvPr id="9" name="TextBox 8">
+            <a:extLst>
+              <a:ext uri="{FF2B5EF4-FFF2-40B4-BE49-F238E27FC236}">
+                <a16:creationId xmlns:a16="http://schemas.microsoft.com/office/drawing/2014/main" id="{D102957B-48CA-4CF1-976C-A97611B9F9FD}"/>
+              </a:ext>
+            </a:extLst>
+          </p:cNvPr>
+          <p:cNvSpPr txBox="1"/>
+          <p:nvPr/>
+        </p:nvSpPr>
+        <p:spPr>
+          <a:xfrm>
+            <a:off x="2428874" y="1506021"/>
+            <a:ext cx="1676400" cy="369332"/>
+          </a:xfrm>
+          <a:prstGeom prst="rect">
+            <a:avLst/>
+          </a:prstGeom>
+          <a:noFill/>
+        </p:spPr>
+        <p:txBody>
+          <a:bodyPr wrap="square" rtlCol="0">
+            <a:spAutoFit/>
+          </a:bodyPr>
+          <a:lstStyle/>
+          <a:p>
+            <a:r>
+              <a:rPr lang="en-US" dirty="0"/>
+              <a:t>Registration</a:t>
+            </a:r>
+            <a:endParaRPr lang="en-IN" dirty="0"/>
+          </a:p>
+        </p:txBody>
+      </p:sp>
+      <p:sp>
+        <p:nvSpPr>
+          <p:cNvPr id="10" name="TextBox 9">
+            <a:extLst>
+              <a:ext uri="{FF2B5EF4-FFF2-40B4-BE49-F238E27FC236}">
+                <a16:creationId xmlns:a16="http://schemas.microsoft.com/office/drawing/2014/main" id="{3232C4AF-8D8E-4C41-871F-B40402B0EE16}"/>
+              </a:ext>
+            </a:extLst>
+          </p:cNvPr>
+          <p:cNvSpPr txBox="1"/>
+          <p:nvPr/>
+        </p:nvSpPr>
+        <p:spPr>
+          <a:xfrm>
+            <a:off x="2157411" y="2409825"/>
+            <a:ext cx="1581150" cy="923330"/>
+          </a:xfrm>
+          <a:prstGeom prst="rect">
+            <a:avLst/>
+          </a:prstGeom>
+          <a:noFill/>
+        </p:spPr>
+        <p:txBody>
+          <a:bodyPr wrap="square" rtlCol="0">
+            <a:spAutoFit/>
+          </a:bodyPr>
+          <a:lstStyle/>
+          <a:p>
+            <a:r>
+              <a:rPr lang="en-US" dirty="0"/>
+              <a:t>If the user is not having any A/C in it</a:t>
             </a:r>
             <a:endParaRPr lang="en-IN" dirty="0"/>
           </a:p>
@@ -8973,23 +9738,20 @@
       </p:sp>
       <p:cxnSp>
         <p:nvCxnSpPr>
-          <p:cNvPr id="7" name="Straight Arrow Connector 6">
-            <a:extLst>
-              <a:ext uri="{FF2B5EF4-FFF2-40B4-BE49-F238E27FC236}">
-                <a16:creationId xmlns:a16="http://schemas.microsoft.com/office/drawing/2014/main" id="{56B3BADD-E6D6-4978-BF96-9265FCBECAB7}"/>
-              </a:ext>
-            </a:extLst>
-          </p:cNvPr>
-          <p:cNvCxnSpPr>
-            <a:stCxn id="5" idx="1"/>
-            <a:endCxn id="2" idx="3"/>
-          </p:cNvCxnSpPr>
+          <p:cNvPr id="12" name="Straight Arrow Connector 11">
+            <a:extLst>
+              <a:ext uri="{FF2B5EF4-FFF2-40B4-BE49-F238E27FC236}">
+                <a16:creationId xmlns:a16="http://schemas.microsoft.com/office/drawing/2014/main" id="{1CDBF507-3E7B-4C12-9D32-003551FB4CB8}"/>
+              </a:ext>
+            </a:extLst>
+          </p:cNvPr>
+          <p:cNvCxnSpPr/>
           <p:nvPr/>
         </p:nvCxnSpPr>
         <p:spPr>
-          <a:xfrm flipH="1">
-            <a:off x="7877175" y="2622382"/>
-            <a:ext cx="1724025" cy="354181"/>
+          <a:xfrm>
+            <a:off x="3848100" y="1690687"/>
+            <a:ext cx="790575" cy="0"/>
           </a:xfrm>
           <a:prstGeom prst="straightConnector1">
             <a:avLst/>
@@ -9015,10 +9777,54 @@
       </p:cxnSp>
       <p:sp>
         <p:nvSpPr>
-          <p:cNvPr id="8" name="TextBox 7">
-            <a:extLst>
-              <a:ext uri="{FF2B5EF4-FFF2-40B4-BE49-F238E27FC236}">
-                <a16:creationId xmlns:a16="http://schemas.microsoft.com/office/drawing/2014/main" id="{6F45AD36-4564-4179-B714-AEAE75FECB2C}"/>
+          <p:cNvPr id="13" name="Rectangle: Rounded Corners 12">
+            <a:extLst>
+              <a:ext uri="{FF2B5EF4-FFF2-40B4-BE49-F238E27FC236}">
+                <a16:creationId xmlns:a16="http://schemas.microsoft.com/office/drawing/2014/main" id="{A4E7373D-665A-46D7-9251-146918C00325}"/>
+              </a:ext>
+            </a:extLst>
+          </p:cNvPr>
+          <p:cNvSpPr/>
+          <p:nvPr/>
+        </p:nvSpPr>
+        <p:spPr>
+          <a:xfrm>
+            <a:off x="4657725" y="1303171"/>
+            <a:ext cx="1438275" cy="904872"/>
+          </a:xfrm>
+          <a:prstGeom prst="roundRect">
+            <a:avLst/>
+          </a:prstGeom>
+        </p:spPr>
+        <p:style>
+          <a:lnRef idx="2">
+            <a:schemeClr val="accent6"/>
+          </a:lnRef>
+          <a:fillRef idx="1">
+            <a:schemeClr val="lt1"/>
+          </a:fillRef>
+          <a:effectRef idx="0">
+            <a:schemeClr val="accent6"/>
+          </a:effectRef>
+          <a:fontRef idx="minor">
+            <a:schemeClr val="dk1"/>
+          </a:fontRef>
+        </p:style>
+        <p:txBody>
+          <a:bodyPr rtlCol="0" anchor="ctr"/>
+          <a:lstStyle/>
+          <a:p>
+            <a:pPr algn="ctr"/>
+            <a:endParaRPr lang="en-IN"/>
+          </a:p>
+        </p:txBody>
+      </p:sp>
+      <p:sp>
+        <p:nvSpPr>
+          <p:cNvPr id="14" name="TextBox 13">
+            <a:extLst>
+              <a:ext uri="{FF2B5EF4-FFF2-40B4-BE49-F238E27FC236}">
+                <a16:creationId xmlns:a16="http://schemas.microsoft.com/office/drawing/2014/main" id="{0844F2D0-BA0E-45E1-ACC4-13BBF9B6C2C0}"/>
               </a:ext>
             </a:extLst>
           </p:cNvPr>
@@ -9026,9 +9832,9 @@
           <p:nvPr/>
         </p:nvSpPr>
         <p:spPr>
-          <a:xfrm flipH="1">
-            <a:off x="5341621" y="171450"/>
-            <a:ext cx="1344930" cy="461665"/>
+          <a:xfrm>
+            <a:off x="4772025" y="1432442"/>
+            <a:ext cx="1285876" cy="369332"/>
           </a:xfrm>
           <a:prstGeom prst="rect">
             <a:avLst/>
@@ -9042,17 +9848,370 @@
           <a:lstStyle/>
           <a:p>
             <a:r>
-              <a:rPr lang="en-US" sz="2400" dirty="0"/>
+              <a:rPr lang="en-US" dirty="0"/>
+              <a:t>USER DB</a:t>
+            </a:r>
+            <a:endParaRPr lang="en-IN" dirty="0"/>
+          </a:p>
+        </p:txBody>
+      </p:sp>
+      <p:sp>
+        <p:nvSpPr>
+          <p:cNvPr id="15" name="Oval 14">
+            <a:extLst>
+              <a:ext uri="{FF2B5EF4-FFF2-40B4-BE49-F238E27FC236}">
+                <a16:creationId xmlns:a16="http://schemas.microsoft.com/office/drawing/2014/main" id="{C8886D43-B579-4774-9D0A-A317F8EC32D2}"/>
+              </a:ext>
+            </a:extLst>
+          </p:cNvPr>
+          <p:cNvSpPr/>
+          <p:nvPr/>
+        </p:nvSpPr>
+        <p:spPr>
+          <a:xfrm>
+            <a:off x="10258425" y="895350"/>
+            <a:ext cx="1438275" cy="904872"/>
+          </a:xfrm>
+          <a:prstGeom prst="ellipse">
+            <a:avLst/>
+          </a:prstGeom>
+        </p:spPr>
+        <p:style>
+          <a:lnRef idx="2">
+            <a:schemeClr val="accent6"/>
+          </a:lnRef>
+          <a:fillRef idx="1">
+            <a:schemeClr val="lt1"/>
+          </a:fillRef>
+          <a:effectRef idx="0">
+            <a:schemeClr val="accent6"/>
+          </a:effectRef>
+          <a:fontRef idx="minor">
+            <a:schemeClr val="dk1"/>
+          </a:fontRef>
+        </p:style>
+        <p:txBody>
+          <a:bodyPr rtlCol="0" anchor="ctr"/>
+          <a:lstStyle/>
+          <a:p>
+            <a:pPr algn="ctr"/>
+            <a:endParaRPr lang="en-IN"/>
+          </a:p>
+        </p:txBody>
+      </p:sp>
+      <p:sp>
+        <p:nvSpPr>
+          <p:cNvPr id="16" name="TextBox 15">
+            <a:extLst>
+              <a:ext uri="{FF2B5EF4-FFF2-40B4-BE49-F238E27FC236}">
+                <a16:creationId xmlns:a16="http://schemas.microsoft.com/office/drawing/2014/main" id="{7C28318D-0FFD-48B4-A139-64AACE3CEEF0}"/>
+              </a:ext>
+            </a:extLst>
+          </p:cNvPr>
+          <p:cNvSpPr txBox="1"/>
+          <p:nvPr/>
+        </p:nvSpPr>
+        <p:spPr>
+          <a:xfrm>
+            <a:off x="10582275" y="1163120"/>
+            <a:ext cx="933450" cy="646331"/>
+          </a:xfrm>
+          <a:prstGeom prst="rect">
+            <a:avLst/>
+          </a:prstGeom>
+          <a:noFill/>
+        </p:spPr>
+        <p:txBody>
+          <a:bodyPr wrap="square" rtlCol="0">
+            <a:spAutoFit/>
+          </a:bodyPr>
+          <a:lstStyle/>
+          <a:p>
+            <a:r>
+              <a:rPr lang="en-US" dirty="0"/>
               <a:t>ADMIN</a:t>
             </a:r>
-            <a:endParaRPr lang="en-IN" sz="2400" dirty="0"/>
+          </a:p>
+          <a:p>
+            <a:r>
+              <a:rPr lang="en-US" dirty="0"/>
+              <a:t>Log IN</a:t>
+            </a:r>
+            <a:endParaRPr lang="en-IN" dirty="0"/>
+          </a:p>
+        </p:txBody>
+      </p:sp>
+      <p:cxnSp>
+        <p:nvCxnSpPr>
+          <p:cNvPr id="20" name="Straight Arrow Connector 19">
+            <a:extLst>
+              <a:ext uri="{FF2B5EF4-FFF2-40B4-BE49-F238E27FC236}">
+                <a16:creationId xmlns:a16="http://schemas.microsoft.com/office/drawing/2014/main" id="{653669E7-8557-414B-B986-C35E2B73593B}"/>
+              </a:ext>
+            </a:extLst>
+          </p:cNvPr>
+          <p:cNvCxnSpPr>
+            <a:stCxn id="15" idx="2"/>
+            <a:endCxn id="13" idx="3"/>
+          </p:cNvCxnSpPr>
+          <p:nvPr/>
+        </p:nvCxnSpPr>
+        <p:spPr>
+          <a:xfrm flipH="1">
+            <a:off x="6096000" y="1347786"/>
+            <a:ext cx="4162425" cy="407821"/>
+          </a:xfrm>
+          <a:prstGeom prst="straightConnector1">
+            <a:avLst/>
+          </a:prstGeom>
+          <a:ln>
+            <a:tailEnd type="triangle"/>
+          </a:ln>
+        </p:spPr>
+        <p:style>
+          <a:lnRef idx="1">
+            <a:schemeClr val="accent1"/>
+          </a:lnRef>
+          <a:fillRef idx="0">
+            <a:schemeClr val="accent1"/>
+          </a:fillRef>
+          <a:effectRef idx="0">
+            <a:schemeClr val="accent1"/>
+          </a:effectRef>
+          <a:fontRef idx="minor">
+            <a:schemeClr val="tx1"/>
+          </a:fontRef>
+        </p:style>
+      </p:cxnSp>
+      <p:sp>
+        <p:nvSpPr>
+          <p:cNvPr id="21" name="Oval 20">
+            <a:extLst>
+              <a:ext uri="{FF2B5EF4-FFF2-40B4-BE49-F238E27FC236}">
+                <a16:creationId xmlns:a16="http://schemas.microsoft.com/office/drawing/2014/main" id="{EF437ED1-CDBA-4C88-A26E-602252C01D53}"/>
+              </a:ext>
+            </a:extLst>
+          </p:cNvPr>
+          <p:cNvSpPr/>
+          <p:nvPr/>
+        </p:nvSpPr>
+        <p:spPr>
+          <a:xfrm>
+            <a:off x="862011" y="3437453"/>
+            <a:ext cx="2224089" cy="1067872"/>
+          </a:xfrm>
+          <a:prstGeom prst="ellipse">
+            <a:avLst/>
+          </a:prstGeom>
+        </p:spPr>
+        <p:style>
+          <a:lnRef idx="2">
+            <a:schemeClr val="accent1">
+              <a:shade val="50000"/>
+            </a:schemeClr>
+          </a:lnRef>
+          <a:fillRef idx="1">
+            <a:schemeClr val="accent1"/>
+          </a:fillRef>
+          <a:effectRef idx="0">
+            <a:schemeClr val="accent1"/>
+          </a:effectRef>
+          <a:fontRef idx="minor">
+            <a:schemeClr val="lt1"/>
+          </a:fontRef>
+        </p:style>
+        <p:txBody>
+          <a:bodyPr rtlCol="0" anchor="ctr"/>
+          <a:lstStyle/>
+          <a:p>
+            <a:pPr algn="ctr"/>
+            <a:endParaRPr lang="en-IN"/>
+          </a:p>
+        </p:txBody>
+      </p:sp>
+      <p:sp>
+        <p:nvSpPr>
+          <p:cNvPr id="22" name="TextBox 21">
+            <a:extLst>
+              <a:ext uri="{FF2B5EF4-FFF2-40B4-BE49-F238E27FC236}">
+                <a16:creationId xmlns:a16="http://schemas.microsoft.com/office/drawing/2014/main" id="{52425DCF-1FB9-49D1-BF7C-F9A3042B9B21}"/>
+              </a:ext>
+            </a:extLst>
+          </p:cNvPr>
+          <p:cNvSpPr txBox="1"/>
+          <p:nvPr/>
+        </p:nvSpPr>
+        <p:spPr>
+          <a:xfrm>
+            <a:off x="1109665" y="3777198"/>
+            <a:ext cx="2419350" cy="646331"/>
+          </a:xfrm>
+          <a:prstGeom prst="rect">
+            <a:avLst/>
+          </a:prstGeom>
+          <a:noFill/>
+        </p:spPr>
+        <p:txBody>
+          <a:bodyPr wrap="square" rtlCol="0">
+            <a:spAutoFit/>
+          </a:bodyPr>
+          <a:lstStyle/>
+          <a:p>
+            <a:r>
+              <a:rPr lang="en-US" dirty="0"/>
+              <a:t>FORGOT PASSWORD</a:t>
+            </a:r>
+          </a:p>
+          <a:p>
+            <a:r>
+              <a:rPr lang="en-US" dirty="0"/>
+              <a:t>&amp; FORGOT ID</a:t>
+            </a:r>
+            <a:endParaRPr lang="en-IN" dirty="0"/>
+          </a:p>
+        </p:txBody>
+      </p:sp>
+      <p:cxnSp>
+        <p:nvCxnSpPr>
+          <p:cNvPr id="24" name="Straight Arrow Connector 23">
+            <a:extLst>
+              <a:ext uri="{FF2B5EF4-FFF2-40B4-BE49-F238E27FC236}">
+                <a16:creationId xmlns:a16="http://schemas.microsoft.com/office/drawing/2014/main" id="{2BF8DB7A-B744-4BFB-810B-F914E59D8763}"/>
+              </a:ext>
+            </a:extLst>
+          </p:cNvPr>
+          <p:cNvCxnSpPr/>
+          <p:nvPr/>
+        </p:nvCxnSpPr>
+        <p:spPr>
+          <a:xfrm flipV="1">
+            <a:off x="7591425" y="1857375"/>
+            <a:ext cx="0" cy="17977"/>
+          </a:xfrm>
+          <a:prstGeom prst="straightConnector1">
+            <a:avLst/>
+          </a:prstGeom>
+          <a:ln>
+            <a:tailEnd type="triangle"/>
+          </a:ln>
+        </p:spPr>
+        <p:style>
+          <a:lnRef idx="1">
+            <a:schemeClr val="accent1"/>
+          </a:lnRef>
+          <a:fillRef idx="0">
+            <a:schemeClr val="accent1"/>
+          </a:fillRef>
+          <a:effectRef idx="0">
+            <a:schemeClr val="accent1"/>
+          </a:effectRef>
+          <a:fontRef idx="minor">
+            <a:schemeClr val="tx1"/>
+          </a:fontRef>
+        </p:style>
+      </p:cxnSp>
+      <p:cxnSp>
+        <p:nvCxnSpPr>
+          <p:cNvPr id="29" name="Straight Arrow Connector 28">
+            <a:extLst>
+              <a:ext uri="{FF2B5EF4-FFF2-40B4-BE49-F238E27FC236}">
+                <a16:creationId xmlns:a16="http://schemas.microsoft.com/office/drawing/2014/main" id="{D12F07E0-BC2B-4961-A56D-942EA83C3E44}"/>
+              </a:ext>
+            </a:extLst>
+          </p:cNvPr>
+          <p:cNvCxnSpPr/>
+          <p:nvPr/>
+        </p:nvCxnSpPr>
+        <p:spPr>
+          <a:xfrm flipV="1">
+            <a:off x="2947986" y="2208043"/>
+            <a:ext cx="1824039" cy="1569155"/>
+          </a:xfrm>
+          <a:prstGeom prst="straightConnector1">
+            <a:avLst/>
+          </a:prstGeom>
+          <a:ln>
+            <a:tailEnd type="triangle"/>
+          </a:ln>
+        </p:spPr>
+        <p:style>
+          <a:lnRef idx="1">
+            <a:schemeClr val="accent1"/>
+          </a:lnRef>
+          <a:fillRef idx="0">
+            <a:schemeClr val="accent1"/>
+          </a:fillRef>
+          <a:effectRef idx="0">
+            <a:schemeClr val="accent1"/>
+          </a:effectRef>
+          <a:fontRef idx="minor">
+            <a:schemeClr val="tx1"/>
+          </a:fontRef>
+        </p:style>
+      </p:cxnSp>
+      <p:sp>
+        <p:nvSpPr>
+          <p:cNvPr id="2" name="Rectangle 1">
+            <a:extLst>
+              <a:ext uri="{FF2B5EF4-FFF2-40B4-BE49-F238E27FC236}">
+                <a16:creationId xmlns:a16="http://schemas.microsoft.com/office/drawing/2014/main" id="{15686277-C0D9-47AA-932C-6CBCE015E951}"/>
+              </a:ext>
+            </a:extLst>
+          </p:cNvPr>
+          <p:cNvSpPr/>
+          <p:nvPr/>
+        </p:nvSpPr>
+        <p:spPr>
+          <a:xfrm>
+            <a:off x="1378226" y="4810539"/>
+            <a:ext cx="2360335" cy="541440"/>
+          </a:xfrm>
+          <a:prstGeom prst="rect">
+            <a:avLst/>
+          </a:prstGeom>
+        </p:spPr>
+        <p:style>
+          <a:lnRef idx="2">
+            <a:schemeClr val="accent6"/>
+          </a:lnRef>
+          <a:fillRef idx="1">
+            <a:schemeClr val="lt1"/>
+          </a:fillRef>
+          <a:effectRef idx="0">
+            <a:schemeClr val="accent6"/>
+          </a:effectRef>
+          <a:fontRef idx="minor">
+            <a:schemeClr val="dk1"/>
+          </a:fontRef>
+        </p:style>
+        <p:txBody>
+          <a:bodyPr rtlCol="0" anchor="ctr"/>
+          <a:lstStyle/>
+          <a:p>
+            <a:pPr algn="ctr"/>
+            <a:r>
+              <a:rPr lang="en-GB" dirty="0">
+                <a:ln w="0"/>
+                <a:solidFill>
+                  <a:schemeClr val="tx1"/>
+                </a:solidFill>
+                <a:effectLst>
+                  <a:outerShdw blurRad="38100" dist="19050" dir="2700000" algn="tl" rotWithShape="0">
+                    <a:schemeClr val="dk1">
+                      <a:alpha val="40000"/>
+                    </a:schemeClr>
+                  </a:outerShdw>
+                </a:effectLst>
+              </a:rPr>
+              <a:t>LOGIN</a:t>
+            </a:r>
           </a:p>
         </p:txBody>
       </p:sp>
     </p:spTree>
     <p:extLst>
       <p:ext uri="{BB962C8B-B14F-4D97-AF65-F5344CB8AC3E}">
-        <p14:creationId xmlns:p14="http://schemas.microsoft.com/office/powerpoint/2010/main" val="1871735417"/>
+        <p14:creationId xmlns:p14="http://schemas.microsoft.com/office/powerpoint/2010/main" val="543638352"/>
       </p:ext>
     </p:extLst>
   </p:cSld>
@@ -9062,9 +10221,43 @@
 </p:sld>
 </file>
 
-<file path=ppt/slides/slide5.xml><?xml version="1.0" encoding="utf-8"?>
+<file path=ppt/slides/slide30.xml><?xml version="1.0" encoding="utf-8"?>
 <p:sld xmlns:a="http://schemas.openxmlformats.org/drawingml/2006/main" xmlns:r="http://schemas.openxmlformats.org/officeDocument/2006/relationships" xmlns:p="http://schemas.openxmlformats.org/presentationml/2006/main">
   <p:cSld>
+    <p:bg>
+      <p:bgPr>
+        <a:gradFill>
+          <a:gsLst>
+            <a:gs pos="0">
+              <a:schemeClr val="accent1">
+                <a:lumMod val="5000"/>
+                <a:lumOff val="95000"/>
+              </a:schemeClr>
+            </a:gs>
+            <a:gs pos="74000">
+              <a:schemeClr val="accent1">
+                <a:lumMod val="45000"/>
+                <a:lumOff val="55000"/>
+              </a:schemeClr>
+            </a:gs>
+            <a:gs pos="83000">
+              <a:schemeClr val="accent1">
+                <a:lumMod val="45000"/>
+                <a:lumOff val="55000"/>
+              </a:schemeClr>
+            </a:gs>
+            <a:gs pos="100000">
+              <a:schemeClr val="accent1">
+                <a:lumMod val="30000"/>
+                <a:lumOff val="70000"/>
+              </a:schemeClr>
+            </a:gs>
+          </a:gsLst>
+          <a:lin ang="5400000" scaled="1"/>
+        </a:gradFill>
+        <a:effectLst/>
+      </p:bgPr>
+    </p:bg>
     <p:spTree>
       <p:nvGrpSpPr>
         <p:cNvPr id="1" name=""/>
@@ -9081,6 +10274,2982 @@
       </p:grpSpPr>
       <p:sp>
         <p:nvSpPr>
+          <p:cNvPr id="3" name="TextBox 2">
+            <a:extLst>
+              <a:ext uri="{FF2B5EF4-FFF2-40B4-BE49-F238E27FC236}">
+                <a16:creationId xmlns:a16="http://schemas.microsoft.com/office/drawing/2014/main" id="{75C0224E-1290-49C5-8C2B-32F4C8215AAB}"/>
+              </a:ext>
+            </a:extLst>
+          </p:cNvPr>
+          <p:cNvSpPr txBox="1"/>
+          <p:nvPr/>
+        </p:nvSpPr>
+        <p:spPr>
+          <a:xfrm>
+            <a:off x="4438650" y="2491859"/>
+            <a:ext cx="6096000" cy="769441"/>
+          </a:xfrm>
+          <a:prstGeom prst="rect">
+            <a:avLst/>
+          </a:prstGeom>
+          <a:noFill/>
+        </p:spPr>
+        <p:txBody>
+          <a:bodyPr wrap="square">
+            <a:spAutoFit/>
+          </a:bodyPr>
+          <a:lstStyle/>
+          <a:p>
+            <a:pPr algn="just"/>
+            <a:r>
+              <a:rPr lang="en-US" sz="4400" dirty="0"/>
+              <a:t>User story-21</a:t>
+            </a:r>
+            <a:endParaRPr lang="en-IN" sz="4400" dirty="0"/>
+          </a:p>
+        </p:txBody>
+      </p:sp>
+    </p:spTree>
+    <p:extLst>
+      <p:ext uri="{BB962C8B-B14F-4D97-AF65-F5344CB8AC3E}">
+        <p14:creationId xmlns:p14="http://schemas.microsoft.com/office/powerpoint/2010/main" val="1579209296"/>
+      </p:ext>
+    </p:extLst>
+  </p:cSld>
+  <p:clrMapOvr>
+    <a:masterClrMapping/>
+  </p:clrMapOvr>
+</p:sld>
+</file>
+
+<file path=ppt/slides/slide31.xml><?xml version="1.0" encoding="utf-8"?>
+<p:sld xmlns:a="http://schemas.openxmlformats.org/drawingml/2006/main" xmlns:r="http://schemas.openxmlformats.org/officeDocument/2006/relationships" xmlns:p="http://schemas.openxmlformats.org/presentationml/2006/main">
+  <p:cSld>
+    <p:bg>
+      <p:bgPr>
+        <a:gradFill>
+          <a:gsLst>
+            <a:gs pos="0">
+              <a:schemeClr val="accent1">
+                <a:lumMod val="5000"/>
+                <a:lumOff val="95000"/>
+              </a:schemeClr>
+            </a:gs>
+            <a:gs pos="74000">
+              <a:schemeClr val="accent1">
+                <a:lumMod val="45000"/>
+                <a:lumOff val="55000"/>
+              </a:schemeClr>
+            </a:gs>
+            <a:gs pos="83000">
+              <a:schemeClr val="accent1">
+                <a:lumMod val="45000"/>
+                <a:lumOff val="55000"/>
+              </a:schemeClr>
+            </a:gs>
+            <a:gs pos="100000">
+              <a:schemeClr val="accent1">
+                <a:lumMod val="30000"/>
+                <a:lumOff val="70000"/>
+              </a:schemeClr>
+            </a:gs>
+          </a:gsLst>
+          <a:lin ang="5400000" scaled="1"/>
+        </a:gradFill>
+        <a:effectLst/>
+      </p:bgPr>
+    </p:bg>
+    <p:spTree>
+      <p:nvGrpSpPr>
+        <p:cNvPr id="1" name=""/>
+        <p:cNvGrpSpPr/>
+        <p:nvPr/>
+      </p:nvGrpSpPr>
+      <p:grpSpPr>
+        <a:xfrm>
+          <a:off x="0" y="0"/>
+          <a:ext cx="0" cy="0"/>
+          <a:chOff x="0" y="0"/>
+          <a:chExt cx="0" cy="0"/>
+        </a:xfrm>
+      </p:grpSpPr>
+      <p:sp>
+        <p:nvSpPr>
+          <p:cNvPr id="2" name="Rectangle: Top Corners One Rounded and One Snipped 1">
+            <a:extLst>
+              <a:ext uri="{FF2B5EF4-FFF2-40B4-BE49-F238E27FC236}">
+                <a16:creationId xmlns:a16="http://schemas.microsoft.com/office/drawing/2014/main" id="{2B889E53-D502-47DC-AA50-14D414F6ADA7}"/>
+              </a:ext>
+            </a:extLst>
+          </p:cNvPr>
+          <p:cNvSpPr/>
+          <p:nvPr/>
+        </p:nvSpPr>
+        <p:spPr>
+          <a:xfrm>
+            <a:off x="251791" y="1139687"/>
+            <a:ext cx="4545496" cy="1152939"/>
+          </a:xfrm>
+          <a:prstGeom prst="snipRoundRect">
+            <a:avLst/>
+          </a:prstGeom>
+        </p:spPr>
+        <p:style>
+          <a:lnRef idx="2">
+            <a:schemeClr val="accent1">
+              <a:shade val="50000"/>
+            </a:schemeClr>
+          </a:lnRef>
+          <a:fillRef idx="1">
+            <a:schemeClr val="accent1"/>
+          </a:fillRef>
+          <a:effectRef idx="0">
+            <a:schemeClr val="accent1"/>
+          </a:effectRef>
+          <a:fontRef idx="minor">
+            <a:schemeClr val="lt1"/>
+          </a:fontRef>
+        </p:style>
+        <p:txBody>
+          <a:bodyPr rtlCol="0" anchor="ctr">
+            <a:scene3d>
+              <a:camera prst="orthographicFront"/>
+              <a:lightRig rig="soft" dir="t">
+                <a:rot lat="0" lon="0" rev="15600000"/>
+              </a:lightRig>
+            </a:scene3d>
+            <a:sp3d extrusionH="57150" prstMaterial="softEdge">
+              <a:bevelT w="25400" h="38100"/>
+            </a:sp3d>
+          </a:bodyPr>
+          <a:lstStyle/>
+          <a:p>
+            <a:pPr algn="ctr"/>
+            <a:r>
+              <a:rPr lang="en-GB" b="1" dirty="0">
+                <a:ln/>
+                <a:solidFill>
+                  <a:schemeClr val="accent4"/>
+                </a:solidFill>
+              </a:rPr>
+              <a:t>On tailor approving the order</a:t>
+            </a:r>
+          </a:p>
+        </p:txBody>
+      </p:sp>
+      <p:sp>
+        <p:nvSpPr>
+          <p:cNvPr id="3" name="Arrow: Right 2">
+            <a:extLst>
+              <a:ext uri="{FF2B5EF4-FFF2-40B4-BE49-F238E27FC236}">
+                <a16:creationId xmlns:a16="http://schemas.microsoft.com/office/drawing/2014/main" id="{B12A5474-3474-494D-BB3E-F1BB7D447BA4}"/>
+              </a:ext>
+            </a:extLst>
+          </p:cNvPr>
+          <p:cNvSpPr/>
+          <p:nvPr/>
+        </p:nvSpPr>
+        <p:spPr>
+          <a:xfrm>
+            <a:off x="5181600" y="1470991"/>
+            <a:ext cx="1550504" cy="583096"/>
+          </a:xfrm>
+          <a:prstGeom prst="rightArrow">
+            <a:avLst/>
+          </a:prstGeom>
+        </p:spPr>
+        <p:style>
+          <a:lnRef idx="2">
+            <a:schemeClr val="accent6"/>
+          </a:lnRef>
+          <a:fillRef idx="1">
+            <a:schemeClr val="lt1"/>
+          </a:fillRef>
+          <a:effectRef idx="0">
+            <a:schemeClr val="accent6"/>
+          </a:effectRef>
+          <a:fontRef idx="minor">
+            <a:schemeClr val="dk1"/>
+          </a:fontRef>
+        </p:style>
+        <p:txBody>
+          <a:bodyPr rtlCol="0" anchor="ctr"/>
+          <a:lstStyle/>
+          <a:p>
+            <a:pPr algn="ctr"/>
+            <a:endParaRPr lang="en-GB"/>
+          </a:p>
+        </p:txBody>
+      </p:sp>
+      <p:sp>
+        <p:nvSpPr>
+          <p:cNvPr id="5" name="Star: 6 Points 4">
+            <a:extLst>
+              <a:ext uri="{FF2B5EF4-FFF2-40B4-BE49-F238E27FC236}">
+                <a16:creationId xmlns:a16="http://schemas.microsoft.com/office/drawing/2014/main" id="{1D6D6689-F1C0-44B6-A41E-1E5BA7BE6012}"/>
+              </a:ext>
+            </a:extLst>
+          </p:cNvPr>
+          <p:cNvSpPr/>
+          <p:nvPr/>
+        </p:nvSpPr>
+        <p:spPr>
+          <a:xfrm>
+            <a:off x="7772400" y="450573"/>
+            <a:ext cx="3796748" cy="3154017"/>
+          </a:xfrm>
+          <a:prstGeom prst="star6">
+            <a:avLst/>
+          </a:prstGeom>
+        </p:spPr>
+        <p:style>
+          <a:lnRef idx="2">
+            <a:schemeClr val="accent3">
+              <a:shade val="50000"/>
+            </a:schemeClr>
+          </a:lnRef>
+          <a:fillRef idx="1">
+            <a:schemeClr val="accent3"/>
+          </a:fillRef>
+          <a:effectRef idx="0">
+            <a:schemeClr val="accent3"/>
+          </a:effectRef>
+          <a:fontRef idx="minor">
+            <a:schemeClr val="lt1"/>
+          </a:fontRef>
+        </p:style>
+        <p:txBody>
+          <a:bodyPr rtlCol="0" anchor="ctr"/>
+          <a:lstStyle/>
+          <a:p>
+            <a:pPr algn="ctr"/>
+            <a:r>
+              <a:rPr lang="en-GB" dirty="0">
+                <a:ln w="0"/>
+                <a:solidFill>
+                  <a:schemeClr val="accent1"/>
+                </a:solidFill>
+                <a:effectLst>
+                  <a:outerShdw blurRad="38100" dist="25400" dir="5400000" algn="ctr" rotWithShape="0">
+                    <a:srgbClr val="6E747A">
+                      <a:alpha val="43000"/>
+                    </a:srgbClr>
+                  </a:outerShdw>
+                </a:effectLst>
+              </a:rPr>
+              <a:t>System generated bill should be given to the customer</a:t>
+            </a:r>
+          </a:p>
+          <a:p>
+            <a:pPr marL="285750" indent="-285750" algn="ctr">
+              <a:buFont typeface="Arial" panose="020B0604020202020204" pitchFamily="34" charset="0"/>
+              <a:buChar char="•"/>
+            </a:pPr>
+            <a:r>
+              <a:rPr lang="en-GB" dirty="0">
+                <a:ln w="0"/>
+                <a:solidFill>
+                  <a:schemeClr val="accent1"/>
+                </a:solidFill>
+                <a:effectLst>
+                  <a:outerShdw blurRad="38100" dist="25400" dir="5400000" algn="ctr" rotWithShape="0">
+                    <a:srgbClr val="6E747A">
+                      <a:alpha val="43000"/>
+                    </a:srgbClr>
+                  </a:outerShdw>
+                </a:effectLst>
+              </a:rPr>
+              <a:t>Also, the tailor should be able to update the bill .</a:t>
+            </a:r>
+          </a:p>
+        </p:txBody>
+      </p:sp>
+      <p:sp>
+        <p:nvSpPr>
+          <p:cNvPr id="6" name="Arrow: Down 5">
+            <a:extLst>
+              <a:ext uri="{FF2B5EF4-FFF2-40B4-BE49-F238E27FC236}">
+                <a16:creationId xmlns:a16="http://schemas.microsoft.com/office/drawing/2014/main" id="{472904DD-E2BA-4E69-A3F5-958FC529C0D5}"/>
+              </a:ext>
+            </a:extLst>
+          </p:cNvPr>
+          <p:cNvSpPr/>
+          <p:nvPr/>
+        </p:nvSpPr>
+        <p:spPr>
+          <a:xfrm>
+            <a:off x="9660835" y="4002157"/>
+            <a:ext cx="834887" cy="980660"/>
+          </a:xfrm>
+          <a:prstGeom prst="downArrow">
+            <a:avLst/>
+          </a:prstGeom>
+        </p:spPr>
+        <p:style>
+          <a:lnRef idx="2">
+            <a:schemeClr val="accent6"/>
+          </a:lnRef>
+          <a:fillRef idx="1">
+            <a:schemeClr val="lt1"/>
+          </a:fillRef>
+          <a:effectRef idx="0">
+            <a:schemeClr val="accent6"/>
+          </a:effectRef>
+          <a:fontRef idx="minor">
+            <a:schemeClr val="dk1"/>
+          </a:fontRef>
+        </p:style>
+        <p:txBody>
+          <a:bodyPr rtlCol="0" anchor="ctr"/>
+          <a:lstStyle/>
+          <a:p>
+            <a:pPr algn="ctr"/>
+            <a:endParaRPr lang="en-GB"/>
+          </a:p>
+        </p:txBody>
+      </p:sp>
+      <p:sp>
+        <p:nvSpPr>
+          <p:cNvPr id="7" name="Rectangle: Rounded Corners 6">
+            <a:extLst>
+              <a:ext uri="{FF2B5EF4-FFF2-40B4-BE49-F238E27FC236}">
+                <a16:creationId xmlns:a16="http://schemas.microsoft.com/office/drawing/2014/main" id="{38DD351A-3610-4C5D-95A0-DEC3C0780C22}"/>
+              </a:ext>
+            </a:extLst>
+          </p:cNvPr>
+          <p:cNvSpPr/>
+          <p:nvPr/>
+        </p:nvSpPr>
+        <p:spPr>
+          <a:xfrm>
+            <a:off x="4452730" y="4982817"/>
+            <a:ext cx="7116418" cy="1563757"/>
+          </a:xfrm>
+          <a:prstGeom prst="roundRect">
+            <a:avLst/>
+          </a:prstGeom>
+        </p:spPr>
+        <p:style>
+          <a:lnRef idx="2">
+            <a:schemeClr val="accent1">
+              <a:shade val="50000"/>
+            </a:schemeClr>
+          </a:lnRef>
+          <a:fillRef idx="1">
+            <a:schemeClr val="accent1"/>
+          </a:fillRef>
+          <a:effectRef idx="0">
+            <a:schemeClr val="accent1"/>
+          </a:effectRef>
+          <a:fontRef idx="minor">
+            <a:schemeClr val="lt1"/>
+          </a:fontRef>
+        </p:style>
+        <p:txBody>
+          <a:bodyPr rtlCol="0" anchor="ctr">
+            <a:scene3d>
+              <a:camera prst="orthographicFront"/>
+              <a:lightRig rig="soft" dir="t">
+                <a:rot lat="0" lon="0" rev="15600000"/>
+              </a:lightRig>
+            </a:scene3d>
+            <a:sp3d extrusionH="57150" prstMaterial="softEdge">
+              <a:bevelT w="25400" h="38100"/>
+            </a:sp3d>
+          </a:bodyPr>
+          <a:lstStyle/>
+          <a:p>
+            <a:pPr marL="285750" indent="-285750" algn="ctr">
+              <a:buFont typeface="Arial" panose="020B0604020202020204" pitchFamily="34" charset="0"/>
+              <a:buChar char="•"/>
+            </a:pPr>
+            <a:r>
+              <a:rPr lang="en-GB" b="1" dirty="0">
+                <a:ln/>
+                <a:solidFill>
+                  <a:schemeClr val="accent4"/>
+                </a:solidFill>
+              </a:rPr>
+              <a:t>On paying the bill, the details should be stored to the DB and appropriate message should be shown to the user.</a:t>
+            </a:r>
+          </a:p>
+        </p:txBody>
+      </p:sp>
+    </p:spTree>
+    <p:extLst>
+      <p:ext uri="{BB962C8B-B14F-4D97-AF65-F5344CB8AC3E}">
+        <p14:creationId xmlns:p14="http://schemas.microsoft.com/office/powerpoint/2010/main" val="2358523451"/>
+      </p:ext>
+    </p:extLst>
+  </p:cSld>
+  <p:clrMapOvr>
+    <a:masterClrMapping/>
+  </p:clrMapOvr>
+</p:sld>
+</file>
+
+<file path=ppt/slides/slide32.xml><?xml version="1.0" encoding="utf-8"?>
+<p:sld xmlns:a="http://schemas.openxmlformats.org/drawingml/2006/main" xmlns:r="http://schemas.openxmlformats.org/officeDocument/2006/relationships" xmlns:p="http://schemas.openxmlformats.org/presentationml/2006/main">
+  <p:cSld>
+    <p:bg>
+      <p:bgPr>
+        <a:gradFill>
+          <a:gsLst>
+            <a:gs pos="0">
+              <a:schemeClr val="accent1">
+                <a:lumMod val="5000"/>
+                <a:lumOff val="95000"/>
+              </a:schemeClr>
+            </a:gs>
+            <a:gs pos="74000">
+              <a:schemeClr val="accent1">
+                <a:lumMod val="45000"/>
+                <a:lumOff val="55000"/>
+              </a:schemeClr>
+            </a:gs>
+            <a:gs pos="83000">
+              <a:schemeClr val="accent1">
+                <a:lumMod val="45000"/>
+                <a:lumOff val="55000"/>
+              </a:schemeClr>
+            </a:gs>
+            <a:gs pos="100000">
+              <a:schemeClr val="accent1">
+                <a:lumMod val="30000"/>
+                <a:lumOff val="70000"/>
+              </a:schemeClr>
+            </a:gs>
+          </a:gsLst>
+          <a:lin ang="5400000" scaled="1"/>
+        </a:gradFill>
+        <a:effectLst/>
+      </p:bgPr>
+    </p:bg>
+    <p:spTree>
+      <p:nvGrpSpPr>
+        <p:cNvPr id="1" name=""/>
+        <p:cNvGrpSpPr/>
+        <p:nvPr/>
+      </p:nvGrpSpPr>
+      <p:grpSpPr>
+        <a:xfrm>
+          <a:off x="0" y="0"/>
+          <a:ext cx="0" cy="0"/>
+          <a:chOff x="0" y="0"/>
+          <a:chExt cx="0" cy="0"/>
+        </a:xfrm>
+      </p:grpSpPr>
+      <p:sp>
+        <p:nvSpPr>
+          <p:cNvPr id="3" name="TextBox 2">
+            <a:extLst>
+              <a:ext uri="{FF2B5EF4-FFF2-40B4-BE49-F238E27FC236}">
+                <a16:creationId xmlns:a16="http://schemas.microsoft.com/office/drawing/2014/main" id="{75C0224E-1290-49C5-8C2B-32F4C8215AAB}"/>
+              </a:ext>
+            </a:extLst>
+          </p:cNvPr>
+          <p:cNvSpPr txBox="1"/>
+          <p:nvPr/>
+        </p:nvSpPr>
+        <p:spPr>
+          <a:xfrm>
+            <a:off x="4438650" y="2491859"/>
+            <a:ext cx="6096000" cy="769441"/>
+          </a:xfrm>
+          <a:prstGeom prst="rect">
+            <a:avLst/>
+          </a:prstGeom>
+          <a:noFill/>
+        </p:spPr>
+        <p:txBody>
+          <a:bodyPr wrap="square">
+            <a:spAutoFit/>
+          </a:bodyPr>
+          <a:lstStyle/>
+          <a:p>
+            <a:pPr algn="just"/>
+            <a:r>
+              <a:rPr lang="en-US" sz="4400" dirty="0"/>
+              <a:t>User story-22</a:t>
+            </a:r>
+            <a:endParaRPr lang="en-IN" sz="4400" dirty="0"/>
+          </a:p>
+        </p:txBody>
+      </p:sp>
+    </p:spTree>
+    <p:extLst>
+      <p:ext uri="{BB962C8B-B14F-4D97-AF65-F5344CB8AC3E}">
+        <p14:creationId xmlns:p14="http://schemas.microsoft.com/office/powerpoint/2010/main" val="2248834111"/>
+      </p:ext>
+    </p:extLst>
+  </p:cSld>
+  <p:clrMapOvr>
+    <a:masterClrMapping/>
+  </p:clrMapOvr>
+</p:sld>
+</file>
+
+<file path=ppt/slides/slide33.xml><?xml version="1.0" encoding="utf-8"?>
+<p:sld xmlns:a="http://schemas.openxmlformats.org/drawingml/2006/main" xmlns:r="http://schemas.openxmlformats.org/officeDocument/2006/relationships" xmlns:p="http://schemas.openxmlformats.org/presentationml/2006/main">
+  <p:cSld>
+    <p:bg>
+      <p:bgPr>
+        <a:gradFill>
+          <a:gsLst>
+            <a:gs pos="0">
+              <a:schemeClr val="accent1">
+                <a:lumMod val="5000"/>
+                <a:lumOff val="95000"/>
+              </a:schemeClr>
+            </a:gs>
+            <a:gs pos="74000">
+              <a:schemeClr val="accent1">
+                <a:lumMod val="45000"/>
+                <a:lumOff val="55000"/>
+              </a:schemeClr>
+            </a:gs>
+            <a:gs pos="83000">
+              <a:schemeClr val="accent1">
+                <a:lumMod val="45000"/>
+                <a:lumOff val="55000"/>
+              </a:schemeClr>
+            </a:gs>
+            <a:gs pos="100000">
+              <a:schemeClr val="accent1">
+                <a:lumMod val="30000"/>
+                <a:lumOff val="70000"/>
+              </a:schemeClr>
+            </a:gs>
+          </a:gsLst>
+          <a:lin ang="5400000" scaled="1"/>
+        </a:gradFill>
+        <a:effectLst/>
+      </p:bgPr>
+    </p:bg>
+    <p:spTree>
+      <p:nvGrpSpPr>
+        <p:cNvPr id="1" name=""/>
+        <p:cNvGrpSpPr/>
+        <p:nvPr/>
+      </p:nvGrpSpPr>
+      <p:grpSpPr>
+        <a:xfrm>
+          <a:off x="0" y="0"/>
+          <a:ext cx="0" cy="0"/>
+          <a:chOff x="0" y="0"/>
+          <a:chExt cx="0" cy="0"/>
+        </a:xfrm>
+      </p:grpSpPr>
+      <p:sp>
+        <p:nvSpPr>
+          <p:cNvPr id="2" name="Rectangle: Top Corners One Rounded and One Snipped 1">
+            <a:extLst>
+              <a:ext uri="{FF2B5EF4-FFF2-40B4-BE49-F238E27FC236}">
+                <a16:creationId xmlns:a16="http://schemas.microsoft.com/office/drawing/2014/main" id="{95135368-6584-4178-B6CF-DCEEB6EA241B}"/>
+              </a:ext>
+            </a:extLst>
+          </p:cNvPr>
+          <p:cNvSpPr/>
+          <p:nvPr/>
+        </p:nvSpPr>
+        <p:spPr>
+          <a:xfrm>
+            <a:off x="3657600" y="675861"/>
+            <a:ext cx="3472070" cy="987288"/>
+          </a:xfrm>
+          <a:prstGeom prst="snipRoundRect">
+            <a:avLst/>
+          </a:prstGeom>
+        </p:spPr>
+        <p:style>
+          <a:lnRef idx="2">
+            <a:schemeClr val="accent3">
+              <a:shade val="50000"/>
+            </a:schemeClr>
+          </a:lnRef>
+          <a:fillRef idx="1">
+            <a:schemeClr val="accent3"/>
+          </a:fillRef>
+          <a:effectRef idx="0">
+            <a:schemeClr val="accent3"/>
+          </a:effectRef>
+          <a:fontRef idx="minor">
+            <a:schemeClr val="lt1"/>
+          </a:fontRef>
+        </p:style>
+        <p:txBody>
+          <a:bodyPr rtlCol="0" anchor="ctr"/>
+          <a:lstStyle/>
+          <a:p>
+            <a:pPr algn="ctr"/>
+            <a:r>
+              <a:rPr lang="en-GB" dirty="0">
+                <a:ln w="0"/>
+                <a:solidFill>
+                  <a:schemeClr val="accent1"/>
+                </a:solidFill>
+                <a:effectLst>
+                  <a:outerShdw blurRad="38100" dist="25400" dir="5400000" algn="ctr" rotWithShape="0">
+                    <a:srgbClr val="6E747A">
+                      <a:alpha val="43000"/>
+                    </a:srgbClr>
+                  </a:outerShdw>
+                </a:effectLst>
+              </a:rPr>
+              <a:t>CUSTOMER PORTAL</a:t>
+            </a:r>
+          </a:p>
+        </p:txBody>
+      </p:sp>
+      <p:sp>
+        <p:nvSpPr>
+          <p:cNvPr id="3" name="Oval 2">
+            <a:extLst>
+              <a:ext uri="{FF2B5EF4-FFF2-40B4-BE49-F238E27FC236}">
+                <a16:creationId xmlns:a16="http://schemas.microsoft.com/office/drawing/2014/main" id="{3D87BEA4-D040-429B-AEDB-2A6A381788C5}"/>
+              </a:ext>
+            </a:extLst>
+          </p:cNvPr>
+          <p:cNvSpPr/>
+          <p:nvPr/>
+        </p:nvSpPr>
+        <p:spPr>
+          <a:xfrm>
+            <a:off x="675861" y="2756452"/>
+            <a:ext cx="1510748" cy="1364974"/>
+          </a:xfrm>
+          <a:prstGeom prst="ellipse">
+            <a:avLst/>
+          </a:prstGeom>
+        </p:spPr>
+        <p:style>
+          <a:lnRef idx="2">
+            <a:schemeClr val="accent1">
+              <a:shade val="50000"/>
+            </a:schemeClr>
+          </a:lnRef>
+          <a:fillRef idx="1">
+            <a:schemeClr val="accent1"/>
+          </a:fillRef>
+          <a:effectRef idx="0">
+            <a:schemeClr val="accent1"/>
+          </a:effectRef>
+          <a:fontRef idx="minor">
+            <a:schemeClr val="lt1"/>
+          </a:fontRef>
+        </p:style>
+        <p:txBody>
+          <a:bodyPr rtlCol="0" anchor="ctr">
+            <a:scene3d>
+              <a:camera prst="orthographicFront"/>
+              <a:lightRig rig="soft" dir="t">
+                <a:rot lat="0" lon="0" rev="15600000"/>
+              </a:lightRig>
+            </a:scene3d>
+            <a:sp3d extrusionH="57150" prstMaterial="softEdge">
+              <a:bevelT w="25400" h="38100"/>
+            </a:sp3d>
+          </a:bodyPr>
+          <a:lstStyle/>
+          <a:p>
+            <a:pPr algn="ctr"/>
+            <a:r>
+              <a:rPr lang="en-GB" b="1" dirty="0">
+                <a:ln/>
+                <a:solidFill>
+                  <a:schemeClr val="accent4"/>
+                </a:solidFill>
+              </a:rPr>
+              <a:t>On clicking </a:t>
+            </a:r>
+          </a:p>
+          <a:p>
+            <a:pPr algn="ctr"/>
+            <a:r>
+              <a:rPr lang="en-GB" b="1" dirty="0">
+                <a:ln/>
+                <a:solidFill>
+                  <a:schemeClr val="accent4"/>
+                </a:solidFill>
+              </a:rPr>
+              <a:t>Orders</a:t>
+            </a:r>
+          </a:p>
+        </p:txBody>
+      </p:sp>
+      <p:sp>
+        <p:nvSpPr>
+          <p:cNvPr id="4" name="Arrow: Right 3">
+            <a:extLst>
+              <a:ext uri="{FF2B5EF4-FFF2-40B4-BE49-F238E27FC236}">
+                <a16:creationId xmlns:a16="http://schemas.microsoft.com/office/drawing/2014/main" id="{6DC11E86-8470-49C3-8BF2-ECFD135AC123}"/>
+              </a:ext>
+            </a:extLst>
+          </p:cNvPr>
+          <p:cNvSpPr/>
+          <p:nvPr/>
+        </p:nvSpPr>
+        <p:spPr>
+          <a:xfrm>
+            <a:off x="2517913" y="3167270"/>
+            <a:ext cx="2650435" cy="728869"/>
+          </a:xfrm>
+          <a:prstGeom prst="rightArrow">
+            <a:avLst/>
+          </a:prstGeom>
+        </p:spPr>
+        <p:style>
+          <a:lnRef idx="2">
+            <a:schemeClr val="accent6"/>
+          </a:lnRef>
+          <a:fillRef idx="1">
+            <a:schemeClr val="lt1"/>
+          </a:fillRef>
+          <a:effectRef idx="0">
+            <a:schemeClr val="accent6"/>
+          </a:effectRef>
+          <a:fontRef idx="minor">
+            <a:schemeClr val="dk1"/>
+          </a:fontRef>
+        </p:style>
+        <p:txBody>
+          <a:bodyPr rtlCol="0" anchor="ctr"/>
+          <a:lstStyle/>
+          <a:p>
+            <a:pPr algn="ctr"/>
+            <a:endParaRPr lang="en-GB"/>
+          </a:p>
+        </p:txBody>
+      </p:sp>
+      <p:sp>
+        <p:nvSpPr>
+          <p:cNvPr id="5" name="Rectangle: Rounded Corners 4">
+            <a:extLst>
+              <a:ext uri="{FF2B5EF4-FFF2-40B4-BE49-F238E27FC236}">
+                <a16:creationId xmlns:a16="http://schemas.microsoft.com/office/drawing/2014/main" id="{05FC68A4-B04A-486D-AF19-740EAD01722C}"/>
+              </a:ext>
+            </a:extLst>
+          </p:cNvPr>
+          <p:cNvSpPr/>
+          <p:nvPr/>
+        </p:nvSpPr>
+        <p:spPr>
+          <a:xfrm>
+            <a:off x="6400800" y="2531165"/>
+            <a:ext cx="4187687" cy="1590261"/>
+          </a:xfrm>
+          <a:prstGeom prst="roundRect">
+            <a:avLst/>
+          </a:prstGeom>
+        </p:spPr>
+        <p:style>
+          <a:lnRef idx="2">
+            <a:schemeClr val="accent3">
+              <a:shade val="50000"/>
+            </a:schemeClr>
+          </a:lnRef>
+          <a:fillRef idx="1">
+            <a:schemeClr val="accent3"/>
+          </a:fillRef>
+          <a:effectRef idx="0">
+            <a:schemeClr val="accent3"/>
+          </a:effectRef>
+          <a:fontRef idx="minor">
+            <a:schemeClr val="lt1"/>
+          </a:fontRef>
+        </p:style>
+        <p:txBody>
+          <a:bodyPr rtlCol="0" anchor="ctr"/>
+          <a:lstStyle/>
+          <a:p>
+            <a:pPr marL="285750" indent="-285750" algn="ctr">
+              <a:buFont typeface="Arial" panose="020B0604020202020204" pitchFamily="34" charset="0"/>
+              <a:buChar char="•"/>
+            </a:pPr>
+            <a:r>
+              <a:rPr lang="en-GB" dirty="0">
+                <a:ln w="0"/>
+                <a:solidFill>
+                  <a:schemeClr val="tx1"/>
+                </a:solidFill>
+                <a:effectLst>
+                  <a:outerShdw blurRad="38100" dist="19050" dir="2700000" algn="tl" rotWithShape="0">
+                    <a:schemeClr val="dk1">
+                      <a:alpha val="40000"/>
+                    </a:schemeClr>
+                  </a:outerShdw>
+                </a:effectLst>
+              </a:rPr>
+              <a:t>Customer should view all the active orders on the top and previous orders history at the bottom</a:t>
+            </a:r>
+          </a:p>
+        </p:txBody>
+      </p:sp>
+      <p:sp>
+        <p:nvSpPr>
+          <p:cNvPr id="6" name="Oval 5">
+            <a:extLst>
+              <a:ext uri="{FF2B5EF4-FFF2-40B4-BE49-F238E27FC236}">
+                <a16:creationId xmlns:a16="http://schemas.microsoft.com/office/drawing/2014/main" id="{2AE6B885-C76C-47B3-82C3-3FBA82883D35}"/>
+              </a:ext>
+            </a:extLst>
+          </p:cNvPr>
+          <p:cNvSpPr/>
+          <p:nvPr/>
+        </p:nvSpPr>
+        <p:spPr>
+          <a:xfrm>
+            <a:off x="675861" y="5115341"/>
+            <a:ext cx="1510748" cy="1364974"/>
+          </a:xfrm>
+          <a:prstGeom prst="ellipse">
+            <a:avLst/>
+          </a:prstGeom>
+        </p:spPr>
+        <p:style>
+          <a:lnRef idx="2">
+            <a:schemeClr val="accent1">
+              <a:shade val="50000"/>
+            </a:schemeClr>
+          </a:lnRef>
+          <a:fillRef idx="1">
+            <a:schemeClr val="accent1"/>
+          </a:fillRef>
+          <a:effectRef idx="0">
+            <a:schemeClr val="accent1"/>
+          </a:effectRef>
+          <a:fontRef idx="minor">
+            <a:schemeClr val="lt1"/>
+          </a:fontRef>
+        </p:style>
+        <p:txBody>
+          <a:bodyPr rtlCol="0" anchor="ctr">
+            <a:scene3d>
+              <a:camera prst="orthographicFront"/>
+              <a:lightRig rig="soft" dir="t">
+                <a:rot lat="0" lon="0" rev="15600000"/>
+              </a:lightRig>
+            </a:scene3d>
+            <a:sp3d extrusionH="57150" prstMaterial="softEdge">
+              <a:bevelT w="25400" h="38100"/>
+            </a:sp3d>
+          </a:bodyPr>
+          <a:lstStyle/>
+          <a:p>
+            <a:pPr algn="ctr"/>
+            <a:r>
+              <a:rPr lang="en-GB" b="1" dirty="0">
+                <a:ln/>
+                <a:solidFill>
+                  <a:schemeClr val="accent4"/>
+                </a:solidFill>
+              </a:rPr>
+              <a:t>On Clicking</a:t>
+            </a:r>
+          </a:p>
+          <a:p>
+            <a:pPr algn="ctr"/>
+            <a:r>
+              <a:rPr lang="en-GB" b="1" dirty="0">
+                <a:ln/>
+                <a:solidFill>
+                  <a:schemeClr val="accent4"/>
+                </a:solidFill>
+              </a:rPr>
+              <a:t>Order ID</a:t>
+            </a:r>
+          </a:p>
+        </p:txBody>
+      </p:sp>
+      <p:sp>
+        <p:nvSpPr>
+          <p:cNvPr id="7" name="Arrow: Right 6">
+            <a:extLst>
+              <a:ext uri="{FF2B5EF4-FFF2-40B4-BE49-F238E27FC236}">
+                <a16:creationId xmlns:a16="http://schemas.microsoft.com/office/drawing/2014/main" id="{E3058212-9975-4814-9EBB-9AA4CF47C112}"/>
+              </a:ext>
+            </a:extLst>
+          </p:cNvPr>
+          <p:cNvSpPr/>
+          <p:nvPr/>
+        </p:nvSpPr>
+        <p:spPr>
+          <a:xfrm>
+            <a:off x="2610678" y="5685183"/>
+            <a:ext cx="2557670" cy="609600"/>
+          </a:xfrm>
+          <a:prstGeom prst="rightArrow">
+            <a:avLst/>
+          </a:prstGeom>
+        </p:spPr>
+        <p:style>
+          <a:lnRef idx="2">
+            <a:schemeClr val="accent6"/>
+          </a:lnRef>
+          <a:fillRef idx="1">
+            <a:schemeClr val="lt1"/>
+          </a:fillRef>
+          <a:effectRef idx="0">
+            <a:schemeClr val="accent6"/>
+          </a:effectRef>
+          <a:fontRef idx="minor">
+            <a:schemeClr val="dk1"/>
+          </a:fontRef>
+        </p:style>
+        <p:txBody>
+          <a:bodyPr rtlCol="0" anchor="ctr"/>
+          <a:lstStyle/>
+          <a:p>
+            <a:pPr algn="ctr"/>
+            <a:endParaRPr lang="en-GB"/>
+          </a:p>
+        </p:txBody>
+      </p:sp>
+      <p:sp>
+        <p:nvSpPr>
+          <p:cNvPr id="8" name="Rectangle: Rounded Corners 7">
+            <a:extLst>
+              <a:ext uri="{FF2B5EF4-FFF2-40B4-BE49-F238E27FC236}">
+                <a16:creationId xmlns:a16="http://schemas.microsoft.com/office/drawing/2014/main" id="{1D206D3D-1AC0-4F97-A77B-71E3F2167883}"/>
+              </a:ext>
+            </a:extLst>
+          </p:cNvPr>
+          <p:cNvSpPr/>
+          <p:nvPr/>
+        </p:nvSpPr>
+        <p:spPr>
+          <a:xfrm>
+            <a:off x="6400800" y="5274366"/>
+            <a:ext cx="4373217" cy="1239078"/>
+          </a:xfrm>
+          <a:prstGeom prst="roundRect">
+            <a:avLst/>
+          </a:prstGeom>
+        </p:spPr>
+        <p:style>
+          <a:lnRef idx="2">
+            <a:schemeClr val="accent3">
+              <a:shade val="50000"/>
+            </a:schemeClr>
+          </a:lnRef>
+          <a:fillRef idx="1">
+            <a:schemeClr val="accent3"/>
+          </a:fillRef>
+          <a:effectRef idx="0">
+            <a:schemeClr val="accent3"/>
+          </a:effectRef>
+          <a:fontRef idx="minor">
+            <a:schemeClr val="lt1"/>
+          </a:fontRef>
+        </p:style>
+        <p:txBody>
+          <a:bodyPr rtlCol="0" anchor="ctr"/>
+          <a:lstStyle/>
+          <a:p>
+            <a:pPr marL="285750" indent="-285750" algn="ctr">
+              <a:buFont typeface="Arial" panose="020B0604020202020204" pitchFamily="34" charset="0"/>
+              <a:buChar char="•"/>
+            </a:pPr>
+            <a:r>
+              <a:rPr lang="en-GB" dirty="0">
+                <a:ln w="0"/>
+                <a:solidFill>
+                  <a:schemeClr val="tx1"/>
+                </a:solidFill>
+                <a:effectLst>
+                  <a:outerShdw blurRad="38100" dist="19050" dir="2700000" algn="tl" rotWithShape="0">
+                    <a:schemeClr val="dk1">
+                      <a:alpha val="40000"/>
+                    </a:schemeClr>
+                  </a:outerShdw>
+                </a:effectLst>
+              </a:rPr>
+              <a:t>Customer should be able to view details , status and bill amount.</a:t>
+            </a:r>
+          </a:p>
+        </p:txBody>
+      </p:sp>
+    </p:spTree>
+    <p:extLst>
+      <p:ext uri="{BB962C8B-B14F-4D97-AF65-F5344CB8AC3E}">
+        <p14:creationId xmlns:p14="http://schemas.microsoft.com/office/powerpoint/2010/main" val="2089463329"/>
+      </p:ext>
+    </p:extLst>
+  </p:cSld>
+  <p:clrMapOvr>
+    <a:masterClrMapping/>
+  </p:clrMapOvr>
+</p:sld>
+</file>
+
+<file path=ppt/slides/slide34.xml><?xml version="1.0" encoding="utf-8"?>
+<p:sld xmlns:a="http://schemas.openxmlformats.org/drawingml/2006/main" xmlns:r="http://schemas.openxmlformats.org/officeDocument/2006/relationships" xmlns:p="http://schemas.openxmlformats.org/presentationml/2006/main">
+  <p:cSld>
+    <p:bg>
+      <p:bgPr>
+        <a:gradFill>
+          <a:gsLst>
+            <a:gs pos="0">
+              <a:schemeClr val="accent1">
+                <a:lumMod val="5000"/>
+                <a:lumOff val="95000"/>
+              </a:schemeClr>
+            </a:gs>
+            <a:gs pos="74000">
+              <a:schemeClr val="accent1">
+                <a:lumMod val="45000"/>
+                <a:lumOff val="55000"/>
+              </a:schemeClr>
+            </a:gs>
+            <a:gs pos="83000">
+              <a:schemeClr val="accent1">
+                <a:lumMod val="45000"/>
+                <a:lumOff val="55000"/>
+              </a:schemeClr>
+            </a:gs>
+            <a:gs pos="100000">
+              <a:schemeClr val="accent1">
+                <a:lumMod val="30000"/>
+                <a:lumOff val="70000"/>
+              </a:schemeClr>
+            </a:gs>
+          </a:gsLst>
+          <a:lin ang="5400000" scaled="1"/>
+        </a:gradFill>
+        <a:effectLst/>
+      </p:bgPr>
+    </p:bg>
+    <p:spTree>
+      <p:nvGrpSpPr>
+        <p:cNvPr id="1" name=""/>
+        <p:cNvGrpSpPr/>
+        <p:nvPr/>
+      </p:nvGrpSpPr>
+      <p:grpSpPr>
+        <a:xfrm>
+          <a:off x="0" y="0"/>
+          <a:ext cx="0" cy="0"/>
+          <a:chOff x="0" y="0"/>
+          <a:chExt cx="0" cy="0"/>
+        </a:xfrm>
+      </p:grpSpPr>
+      <p:sp>
+        <p:nvSpPr>
+          <p:cNvPr id="2" name="TextBox 1">
+            <a:extLst>
+              <a:ext uri="{FF2B5EF4-FFF2-40B4-BE49-F238E27FC236}">
+                <a16:creationId xmlns:a16="http://schemas.microsoft.com/office/drawing/2014/main" id="{08AD961D-69D2-48BC-B71B-01DC394EB965}"/>
+              </a:ext>
+            </a:extLst>
+          </p:cNvPr>
+          <p:cNvSpPr txBox="1"/>
+          <p:nvPr/>
+        </p:nvSpPr>
+        <p:spPr>
+          <a:xfrm>
+            <a:off x="4438650" y="2491859"/>
+            <a:ext cx="6096000" cy="769441"/>
+          </a:xfrm>
+          <a:prstGeom prst="rect">
+            <a:avLst/>
+          </a:prstGeom>
+          <a:noFill/>
+        </p:spPr>
+        <p:txBody>
+          <a:bodyPr wrap="square">
+            <a:spAutoFit/>
+          </a:bodyPr>
+          <a:lstStyle/>
+          <a:p>
+            <a:pPr algn="just"/>
+            <a:r>
+              <a:rPr lang="en-US" sz="4400" dirty="0"/>
+              <a:t>User story-23</a:t>
+            </a:r>
+            <a:endParaRPr lang="en-IN" sz="4400" dirty="0"/>
+          </a:p>
+        </p:txBody>
+      </p:sp>
+    </p:spTree>
+    <p:extLst>
+      <p:ext uri="{BB962C8B-B14F-4D97-AF65-F5344CB8AC3E}">
+        <p14:creationId xmlns:p14="http://schemas.microsoft.com/office/powerpoint/2010/main" val="1682005784"/>
+      </p:ext>
+    </p:extLst>
+  </p:cSld>
+  <p:clrMapOvr>
+    <a:masterClrMapping/>
+  </p:clrMapOvr>
+</p:sld>
+</file>
+
+<file path=ppt/slides/slide35.xml><?xml version="1.0" encoding="utf-8"?>
+<p:sld xmlns:a="http://schemas.openxmlformats.org/drawingml/2006/main" xmlns:r="http://schemas.openxmlformats.org/officeDocument/2006/relationships" xmlns:p="http://schemas.openxmlformats.org/presentationml/2006/main">
+  <p:cSld>
+    <p:bg>
+      <p:bgPr>
+        <a:gradFill>
+          <a:gsLst>
+            <a:gs pos="0">
+              <a:schemeClr val="accent1">
+                <a:lumMod val="5000"/>
+                <a:lumOff val="95000"/>
+              </a:schemeClr>
+            </a:gs>
+            <a:gs pos="74000">
+              <a:schemeClr val="accent1">
+                <a:lumMod val="45000"/>
+                <a:lumOff val="55000"/>
+              </a:schemeClr>
+            </a:gs>
+            <a:gs pos="83000">
+              <a:schemeClr val="accent1">
+                <a:lumMod val="45000"/>
+                <a:lumOff val="55000"/>
+              </a:schemeClr>
+            </a:gs>
+            <a:gs pos="100000">
+              <a:schemeClr val="accent1">
+                <a:lumMod val="30000"/>
+                <a:lumOff val="70000"/>
+              </a:schemeClr>
+            </a:gs>
+          </a:gsLst>
+          <a:lin ang="5400000" scaled="1"/>
+        </a:gradFill>
+        <a:effectLst/>
+      </p:bgPr>
+    </p:bg>
+    <p:spTree>
+      <p:nvGrpSpPr>
+        <p:cNvPr id="1" name=""/>
+        <p:cNvGrpSpPr/>
+        <p:nvPr/>
+      </p:nvGrpSpPr>
+      <p:grpSpPr>
+        <a:xfrm>
+          <a:off x="0" y="0"/>
+          <a:ext cx="0" cy="0"/>
+          <a:chOff x="0" y="0"/>
+          <a:chExt cx="0" cy="0"/>
+        </a:xfrm>
+      </p:grpSpPr>
+      <p:sp>
+        <p:nvSpPr>
+          <p:cNvPr id="2" name="Rectangle: Top Corners One Rounded and One Snipped 1">
+            <a:extLst>
+              <a:ext uri="{FF2B5EF4-FFF2-40B4-BE49-F238E27FC236}">
+                <a16:creationId xmlns:a16="http://schemas.microsoft.com/office/drawing/2014/main" id="{AABE9AF3-5EDD-40AC-9651-CC9C813E229E}"/>
+              </a:ext>
+            </a:extLst>
+          </p:cNvPr>
+          <p:cNvSpPr/>
+          <p:nvPr/>
+        </p:nvSpPr>
+        <p:spPr>
+          <a:xfrm>
+            <a:off x="3657600" y="675861"/>
+            <a:ext cx="3472070" cy="987288"/>
+          </a:xfrm>
+          <a:prstGeom prst="snipRoundRect">
+            <a:avLst/>
+          </a:prstGeom>
+        </p:spPr>
+        <p:style>
+          <a:lnRef idx="2">
+            <a:schemeClr val="accent3">
+              <a:shade val="50000"/>
+            </a:schemeClr>
+          </a:lnRef>
+          <a:fillRef idx="1">
+            <a:schemeClr val="accent3"/>
+          </a:fillRef>
+          <a:effectRef idx="0">
+            <a:schemeClr val="accent3"/>
+          </a:effectRef>
+          <a:fontRef idx="minor">
+            <a:schemeClr val="lt1"/>
+          </a:fontRef>
+        </p:style>
+        <p:txBody>
+          <a:bodyPr rtlCol="0" anchor="ctr"/>
+          <a:lstStyle/>
+          <a:p>
+            <a:pPr algn="ctr"/>
+            <a:r>
+              <a:rPr lang="en-GB" dirty="0">
+                <a:ln w="0"/>
+                <a:solidFill>
+                  <a:schemeClr val="accent1"/>
+                </a:solidFill>
+                <a:effectLst>
+                  <a:outerShdw blurRad="38100" dist="25400" dir="5400000" algn="ctr" rotWithShape="0">
+                    <a:srgbClr val="6E747A">
+                      <a:alpha val="43000"/>
+                    </a:srgbClr>
+                  </a:outerShdw>
+                </a:effectLst>
+              </a:rPr>
+              <a:t>TAILOR PORTAL</a:t>
+            </a:r>
+          </a:p>
+        </p:txBody>
+      </p:sp>
+      <p:sp>
+        <p:nvSpPr>
+          <p:cNvPr id="3" name="Oval 2">
+            <a:extLst>
+              <a:ext uri="{FF2B5EF4-FFF2-40B4-BE49-F238E27FC236}">
+                <a16:creationId xmlns:a16="http://schemas.microsoft.com/office/drawing/2014/main" id="{6EE3E623-1638-44AF-A91F-F8EDA229ECE0}"/>
+              </a:ext>
+            </a:extLst>
+          </p:cNvPr>
+          <p:cNvSpPr/>
+          <p:nvPr/>
+        </p:nvSpPr>
+        <p:spPr>
+          <a:xfrm>
+            <a:off x="649357" y="2491408"/>
+            <a:ext cx="1550504" cy="1603513"/>
+          </a:xfrm>
+          <a:prstGeom prst="ellipse">
+            <a:avLst/>
+          </a:prstGeom>
+        </p:spPr>
+        <p:style>
+          <a:lnRef idx="2">
+            <a:schemeClr val="accent1">
+              <a:shade val="50000"/>
+            </a:schemeClr>
+          </a:lnRef>
+          <a:fillRef idx="1">
+            <a:schemeClr val="accent1"/>
+          </a:fillRef>
+          <a:effectRef idx="0">
+            <a:schemeClr val="accent1"/>
+          </a:effectRef>
+          <a:fontRef idx="minor">
+            <a:schemeClr val="lt1"/>
+          </a:fontRef>
+        </p:style>
+        <p:txBody>
+          <a:bodyPr rtlCol="0" anchor="ctr">
+            <a:scene3d>
+              <a:camera prst="orthographicFront"/>
+              <a:lightRig rig="soft" dir="t">
+                <a:rot lat="0" lon="0" rev="15600000"/>
+              </a:lightRig>
+            </a:scene3d>
+            <a:sp3d extrusionH="57150" prstMaterial="softEdge">
+              <a:bevelT w="25400" h="38100"/>
+            </a:sp3d>
+          </a:bodyPr>
+          <a:lstStyle/>
+          <a:p>
+            <a:pPr algn="ctr"/>
+            <a:r>
+              <a:rPr lang="en-GB" b="1" dirty="0">
+                <a:ln/>
+                <a:solidFill>
+                  <a:schemeClr val="accent4"/>
+                </a:solidFill>
+              </a:rPr>
+              <a:t>On Clicking Active Orders</a:t>
+            </a:r>
+          </a:p>
+        </p:txBody>
+      </p:sp>
+      <p:sp>
+        <p:nvSpPr>
+          <p:cNvPr id="4" name="Arrow: Right 3">
+            <a:extLst>
+              <a:ext uri="{FF2B5EF4-FFF2-40B4-BE49-F238E27FC236}">
+                <a16:creationId xmlns:a16="http://schemas.microsoft.com/office/drawing/2014/main" id="{BE6BB9A8-C6BC-4DAE-A45C-D8ED0A2D58B6}"/>
+              </a:ext>
+            </a:extLst>
+          </p:cNvPr>
+          <p:cNvSpPr/>
+          <p:nvPr/>
+        </p:nvSpPr>
+        <p:spPr>
+          <a:xfrm>
+            <a:off x="3432314" y="2915477"/>
+            <a:ext cx="2716695" cy="755374"/>
+          </a:xfrm>
+          <a:prstGeom prst="rightArrow">
+            <a:avLst/>
+          </a:prstGeom>
+        </p:spPr>
+        <p:style>
+          <a:lnRef idx="2">
+            <a:schemeClr val="accent6"/>
+          </a:lnRef>
+          <a:fillRef idx="1">
+            <a:schemeClr val="lt1"/>
+          </a:fillRef>
+          <a:effectRef idx="0">
+            <a:schemeClr val="accent6"/>
+          </a:effectRef>
+          <a:fontRef idx="minor">
+            <a:schemeClr val="dk1"/>
+          </a:fontRef>
+        </p:style>
+        <p:txBody>
+          <a:bodyPr rtlCol="0" anchor="ctr"/>
+          <a:lstStyle/>
+          <a:p>
+            <a:pPr algn="ctr"/>
+            <a:endParaRPr lang="en-GB"/>
+          </a:p>
+        </p:txBody>
+      </p:sp>
+      <p:sp>
+        <p:nvSpPr>
+          <p:cNvPr id="5" name="Rectangle: Rounded Corners 4">
+            <a:extLst>
+              <a:ext uri="{FF2B5EF4-FFF2-40B4-BE49-F238E27FC236}">
+                <a16:creationId xmlns:a16="http://schemas.microsoft.com/office/drawing/2014/main" id="{7838FB51-247D-4A3F-B991-4673737FF55A}"/>
+              </a:ext>
+            </a:extLst>
+          </p:cNvPr>
+          <p:cNvSpPr/>
+          <p:nvPr/>
+        </p:nvSpPr>
+        <p:spPr>
+          <a:xfrm>
+            <a:off x="6440557" y="2491408"/>
+            <a:ext cx="5526156" cy="2279375"/>
+          </a:xfrm>
+          <a:prstGeom prst="roundRect">
+            <a:avLst/>
+          </a:prstGeom>
+        </p:spPr>
+        <p:style>
+          <a:lnRef idx="2">
+            <a:schemeClr val="accent4">
+              <a:shade val="50000"/>
+            </a:schemeClr>
+          </a:lnRef>
+          <a:fillRef idx="1">
+            <a:schemeClr val="accent4"/>
+          </a:fillRef>
+          <a:effectRef idx="0">
+            <a:schemeClr val="accent4"/>
+          </a:effectRef>
+          <a:fontRef idx="minor">
+            <a:schemeClr val="lt1"/>
+          </a:fontRef>
+        </p:style>
+        <p:txBody>
+          <a:bodyPr rtlCol="0" anchor="ctr"/>
+          <a:lstStyle/>
+          <a:p>
+            <a:pPr marL="285750" indent="-285750" algn="ctr">
+              <a:buFont typeface="Arial" panose="020B0604020202020204" pitchFamily="34" charset="0"/>
+              <a:buChar char="•"/>
+            </a:pPr>
+            <a:r>
+              <a:rPr lang="en-GB" dirty="0">
+                <a:ln w="0"/>
+                <a:solidFill>
+                  <a:schemeClr val="accent1"/>
+                </a:solidFill>
+                <a:effectLst>
+                  <a:outerShdw blurRad="38100" dist="25400" dir="5400000" algn="ctr" rotWithShape="0">
+                    <a:srgbClr val="6E747A">
+                      <a:alpha val="43000"/>
+                    </a:srgbClr>
+                  </a:outerShdw>
+                </a:effectLst>
+              </a:rPr>
+              <a:t>Tailor should be able to view all active orders.</a:t>
+            </a:r>
+          </a:p>
+          <a:p>
+            <a:pPr marL="285750" indent="-285750" algn="ctr">
+              <a:buFont typeface="Arial" panose="020B0604020202020204" pitchFamily="34" charset="0"/>
+              <a:buChar char="•"/>
+            </a:pPr>
+            <a:r>
+              <a:rPr lang="en-GB" dirty="0">
+                <a:ln w="0"/>
+                <a:solidFill>
+                  <a:schemeClr val="accent1"/>
+                </a:solidFill>
+                <a:effectLst>
+                  <a:outerShdw blurRad="38100" dist="25400" dir="5400000" algn="ctr" rotWithShape="0">
+                    <a:srgbClr val="6E747A">
+                      <a:alpha val="43000"/>
+                    </a:srgbClr>
+                  </a:outerShdw>
+                </a:effectLst>
+              </a:rPr>
+              <a:t>Tailor should be able to update the status , if there is any delay or changes in courier options.</a:t>
+            </a:r>
+          </a:p>
+        </p:txBody>
+      </p:sp>
+    </p:spTree>
+    <p:extLst>
+      <p:ext uri="{BB962C8B-B14F-4D97-AF65-F5344CB8AC3E}">
+        <p14:creationId xmlns:p14="http://schemas.microsoft.com/office/powerpoint/2010/main" val="4256153396"/>
+      </p:ext>
+    </p:extLst>
+  </p:cSld>
+  <p:clrMapOvr>
+    <a:masterClrMapping/>
+  </p:clrMapOvr>
+</p:sld>
+</file>
+
+<file path=ppt/slides/slide36.xml><?xml version="1.0" encoding="utf-8"?>
+<p:sld xmlns:a="http://schemas.openxmlformats.org/drawingml/2006/main" xmlns:r="http://schemas.openxmlformats.org/officeDocument/2006/relationships" xmlns:p="http://schemas.openxmlformats.org/presentationml/2006/main">
+  <p:cSld>
+    <p:bg>
+      <p:bgPr>
+        <a:gradFill>
+          <a:gsLst>
+            <a:gs pos="0">
+              <a:schemeClr val="accent1">
+                <a:lumMod val="5000"/>
+                <a:lumOff val="95000"/>
+              </a:schemeClr>
+            </a:gs>
+            <a:gs pos="74000">
+              <a:schemeClr val="accent1">
+                <a:lumMod val="45000"/>
+                <a:lumOff val="55000"/>
+              </a:schemeClr>
+            </a:gs>
+            <a:gs pos="83000">
+              <a:schemeClr val="accent1">
+                <a:lumMod val="45000"/>
+                <a:lumOff val="55000"/>
+              </a:schemeClr>
+            </a:gs>
+            <a:gs pos="100000">
+              <a:schemeClr val="accent1">
+                <a:lumMod val="30000"/>
+                <a:lumOff val="70000"/>
+              </a:schemeClr>
+            </a:gs>
+          </a:gsLst>
+          <a:lin ang="5400000" scaled="1"/>
+        </a:gradFill>
+        <a:effectLst/>
+      </p:bgPr>
+    </p:bg>
+    <p:spTree>
+      <p:nvGrpSpPr>
+        <p:cNvPr id="1" name=""/>
+        <p:cNvGrpSpPr/>
+        <p:nvPr/>
+      </p:nvGrpSpPr>
+      <p:grpSpPr>
+        <a:xfrm>
+          <a:off x="0" y="0"/>
+          <a:ext cx="0" cy="0"/>
+          <a:chOff x="0" y="0"/>
+          <a:chExt cx="0" cy="0"/>
+        </a:xfrm>
+      </p:grpSpPr>
+      <p:sp>
+        <p:nvSpPr>
+          <p:cNvPr id="2" name="TextBox 1">
+            <a:extLst>
+              <a:ext uri="{FF2B5EF4-FFF2-40B4-BE49-F238E27FC236}">
+                <a16:creationId xmlns:a16="http://schemas.microsoft.com/office/drawing/2014/main" id="{76451085-D510-4DF7-AF87-0E9260836EA5}"/>
+              </a:ext>
+            </a:extLst>
+          </p:cNvPr>
+          <p:cNvSpPr txBox="1"/>
+          <p:nvPr/>
+        </p:nvSpPr>
+        <p:spPr>
+          <a:xfrm>
+            <a:off x="4438650" y="2491859"/>
+            <a:ext cx="6096000" cy="769441"/>
+          </a:xfrm>
+          <a:prstGeom prst="rect">
+            <a:avLst/>
+          </a:prstGeom>
+          <a:noFill/>
+        </p:spPr>
+        <p:txBody>
+          <a:bodyPr wrap="square">
+            <a:spAutoFit/>
+          </a:bodyPr>
+          <a:lstStyle/>
+          <a:p>
+            <a:pPr algn="just"/>
+            <a:r>
+              <a:rPr lang="en-US" sz="4400" dirty="0"/>
+              <a:t>User story-24</a:t>
+            </a:r>
+            <a:endParaRPr lang="en-IN" sz="4400" dirty="0"/>
+          </a:p>
+        </p:txBody>
+      </p:sp>
+    </p:spTree>
+    <p:extLst>
+      <p:ext uri="{BB962C8B-B14F-4D97-AF65-F5344CB8AC3E}">
+        <p14:creationId xmlns:p14="http://schemas.microsoft.com/office/powerpoint/2010/main" val="1915437003"/>
+      </p:ext>
+    </p:extLst>
+  </p:cSld>
+  <p:clrMapOvr>
+    <a:masterClrMapping/>
+  </p:clrMapOvr>
+</p:sld>
+</file>
+
+<file path=ppt/slides/slide37.xml><?xml version="1.0" encoding="utf-8"?>
+<p:sld xmlns:a="http://schemas.openxmlformats.org/drawingml/2006/main" xmlns:r="http://schemas.openxmlformats.org/officeDocument/2006/relationships" xmlns:p="http://schemas.openxmlformats.org/presentationml/2006/main">
+  <p:cSld>
+    <p:bg>
+      <p:bgPr>
+        <a:gradFill>
+          <a:gsLst>
+            <a:gs pos="0">
+              <a:schemeClr val="accent1">
+                <a:lumMod val="5000"/>
+                <a:lumOff val="95000"/>
+              </a:schemeClr>
+            </a:gs>
+            <a:gs pos="74000">
+              <a:schemeClr val="accent1">
+                <a:lumMod val="45000"/>
+                <a:lumOff val="55000"/>
+              </a:schemeClr>
+            </a:gs>
+            <a:gs pos="83000">
+              <a:schemeClr val="accent1">
+                <a:lumMod val="45000"/>
+                <a:lumOff val="55000"/>
+              </a:schemeClr>
+            </a:gs>
+            <a:gs pos="100000">
+              <a:schemeClr val="accent1">
+                <a:lumMod val="30000"/>
+                <a:lumOff val="70000"/>
+              </a:schemeClr>
+            </a:gs>
+          </a:gsLst>
+          <a:lin ang="5400000" scaled="1"/>
+        </a:gradFill>
+        <a:effectLst/>
+      </p:bgPr>
+    </p:bg>
+    <p:spTree>
+      <p:nvGrpSpPr>
+        <p:cNvPr id="1" name=""/>
+        <p:cNvGrpSpPr/>
+        <p:nvPr/>
+      </p:nvGrpSpPr>
+      <p:grpSpPr>
+        <a:xfrm>
+          <a:off x="0" y="0"/>
+          <a:ext cx="0" cy="0"/>
+          <a:chOff x="0" y="0"/>
+          <a:chExt cx="0" cy="0"/>
+        </a:xfrm>
+      </p:grpSpPr>
+      <p:sp>
+        <p:nvSpPr>
+          <p:cNvPr id="2" name="Rectangle: Top Corners One Rounded and One Snipped 1">
+            <a:extLst>
+              <a:ext uri="{FF2B5EF4-FFF2-40B4-BE49-F238E27FC236}">
+                <a16:creationId xmlns:a16="http://schemas.microsoft.com/office/drawing/2014/main" id="{57DD3486-6129-4E34-B219-2ABC7BBA6B48}"/>
+              </a:ext>
+            </a:extLst>
+          </p:cNvPr>
+          <p:cNvSpPr/>
+          <p:nvPr/>
+        </p:nvSpPr>
+        <p:spPr>
+          <a:xfrm>
+            <a:off x="3657600" y="675861"/>
+            <a:ext cx="3472070" cy="987288"/>
+          </a:xfrm>
+          <a:prstGeom prst="snipRoundRect">
+            <a:avLst/>
+          </a:prstGeom>
+        </p:spPr>
+        <p:style>
+          <a:lnRef idx="2">
+            <a:schemeClr val="accent3">
+              <a:shade val="50000"/>
+            </a:schemeClr>
+          </a:lnRef>
+          <a:fillRef idx="1">
+            <a:schemeClr val="accent3"/>
+          </a:fillRef>
+          <a:effectRef idx="0">
+            <a:schemeClr val="accent3"/>
+          </a:effectRef>
+          <a:fontRef idx="minor">
+            <a:schemeClr val="lt1"/>
+          </a:fontRef>
+        </p:style>
+        <p:txBody>
+          <a:bodyPr rtlCol="0" anchor="ctr"/>
+          <a:lstStyle/>
+          <a:p>
+            <a:pPr algn="ctr"/>
+            <a:r>
+              <a:rPr lang="en-GB" dirty="0">
+                <a:ln w="0"/>
+                <a:solidFill>
+                  <a:schemeClr val="accent1"/>
+                </a:solidFill>
+                <a:effectLst>
+                  <a:outerShdw blurRad="38100" dist="25400" dir="5400000" algn="ctr" rotWithShape="0">
+                    <a:srgbClr val="6E747A">
+                      <a:alpha val="43000"/>
+                    </a:srgbClr>
+                  </a:outerShdw>
+                </a:effectLst>
+              </a:rPr>
+              <a:t>CUSTOMER PORTAL</a:t>
+            </a:r>
+          </a:p>
+        </p:txBody>
+      </p:sp>
+      <p:sp>
+        <p:nvSpPr>
+          <p:cNvPr id="3" name="Pentagon 2">
+            <a:extLst>
+              <a:ext uri="{FF2B5EF4-FFF2-40B4-BE49-F238E27FC236}">
+                <a16:creationId xmlns:a16="http://schemas.microsoft.com/office/drawing/2014/main" id="{B5C41801-F93A-475E-A2A7-5DAA94E309C4}"/>
+              </a:ext>
+            </a:extLst>
+          </p:cNvPr>
+          <p:cNvSpPr/>
+          <p:nvPr/>
+        </p:nvSpPr>
+        <p:spPr>
+          <a:xfrm>
+            <a:off x="662609" y="2809461"/>
+            <a:ext cx="2107095" cy="1590261"/>
+          </a:xfrm>
+          <a:prstGeom prst="pentagon">
+            <a:avLst/>
+          </a:prstGeom>
+        </p:spPr>
+        <p:style>
+          <a:lnRef idx="2">
+            <a:schemeClr val="dk1">
+              <a:shade val="50000"/>
+            </a:schemeClr>
+          </a:lnRef>
+          <a:fillRef idx="1">
+            <a:schemeClr val="dk1"/>
+          </a:fillRef>
+          <a:effectRef idx="0">
+            <a:schemeClr val="dk1"/>
+          </a:effectRef>
+          <a:fontRef idx="minor">
+            <a:schemeClr val="lt1"/>
+          </a:fontRef>
+        </p:style>
+        <p:txBody>
+          <a:bodyPr rtlCol="0" anchor="ctr">
+            <a:scene3d>
+              <a:camera prst="orthographicFront"/>
+              <a:lightRig rig="soft" dir="t">
+                <a:rot lat="0" lon="0" rev="15600000"/>
+              </a:lightRig>
+            </a:scene3d>
+            <a:sp3d extrusionH="57150" prstMaterial="softEdge">
+              <a:bevelT w="25400" h="38100"/>
+            </a:sp3d>
+          </a:bodyPr>
+          <a:lstStyle/>
+          <a:p>
+            <a:pPr algn="ctr"/>
+            <a:r>
+              <a:rPr lang="en-GB" b="1" dirty="0">
+                <a:ln w="12700" cmpd="sng">
+                  <a:solidFill>
+                    <a:schemeClr val="accent4"/>
+                  </a:solidFill>
+                  <a:prstDash val="solid"/>
+                </a:ln>
+                <a:gradFill>
+                  <a:gsLst>
+                    <a:gs pos="0">
+                      <a:schemeClr val="accent4"/>
+                    </a:gs>
+                    <a:gs pos="4000">
+                      <a:schemeClr val="accent4">
+                        <a:lumMod val="60000"/>
+                        <a:lumOff val="40000"/>
+                      </a:schemeClr>
+                    </a:gs>
+                    <a:gs pos="87000">
+                      <a:schemeClr val="accent4">
+                        <a:lumMod val="20000"/>
+                        <a:lumOff val="80000"/>
+                      </a:schemeClr>
+                    </a:gs>
+                  </a:gsLst>
+                  <a:lin ang="5400000"/>
+                </a:gradFill>
+              </a:rPr>
+              <a:t>When BILL is generated</a:t>
+            </a:r>
+          </a:p>
+        </p:txBody>
+      </p:sp>
+      <p:sp>
+        <p:nvSpPr>
+          <p:cNvPr id="4" name="Arrow: Right 3">
+            <a:extLst>
+              <a:ext uri="{FF2B5EF4-FFF2-40B4-BE49-F238E27FC236}">
+                <a16:creationId xmlns:a16="http://schemas.microsoft.com/office/drawing/2014/main" id="{C3E1D263-CB0E-4426-8360-9BBB7090885F}"/>
+              </a:ext>
+            </a:extLst>
+          </p:cNvPr>
+          <p:cNvSpPr/>
+          <p:nvPr/>
+        </p:nvSpPr>
+        <p:spPr>
+          <a:xfrm>
+            <a:off x="3193774" y="3429000"/>
+            <a:ext cx="1762539" cy="692426"/>
+          </a:xfrm>
+          <a:prstGeom prst="rightArrow">
+            <a:avLst/>
+          </a:prstGeom>
+        </p:spPr>
+        <p:style>
+          <a:lnRef idx="2">
+            <a:schemeClr val="accent6"/>
+          </a:lnRef>
+          <a:fillRef idx="1">
+            <a:schemeClr val="lt1"/>
+          </a:fillRef>
+          <a:effectRef idx="0">
+            <a:schemeClr val="accent6"/>
+          </a:effectRef>
+          <a:fontRef idx="minor">
+            <a:schemeClr val="dk1"/>
+          </a:fontRef>
+        </p:style>
+        <p:txBody>
+          <a:bodyPr rtlCol="0" anchor="ctr"/>
+          <a:lstStyle/>
+          <a:p>
+            <a:pPr algn="ctr"/>
+            <a:endParaRPr lang="en-GB"/>
+          </a:p>
+        </p:txBody>
+      </p:sp>
+      <p:sp>
+        <p:nvSpPr>
+          <p:cNvPr id="5" name="Rectangle: Rounded Corners 4">
+            <a:extLst>
+              <a:ext uri="{FF2B5EF4-FFF2-40B4-BE49-F238E27FC236}">
+                <a16:creationId xmlns:a16="http://schemas.microsoft.com/office/drawing/2014/main" id="{6455526B-4991-46D3-B968-37DF49BF3654}"/>
+              </a:ext>
+            </a:extLst>
+          </p:cNvPr>
+          <p:cNvSpPr/>
+          <p:nvPr/>
+        </p:nvSpPr>
+        <p:spPr>
+          <a:xfrm>
+            <a:off x="5605670" y="2809461"/>
+            <a:ext cx="5685182" cy="2292626"/>
+          </a:xfrm>
+          <a:prstGeom prst="roundRect">
+            <a:avLst/>
+          </a:prstGeom>
+        </p:spPr>
+        <p:style>
+          <a:lnRef idx="2">
+            <a:schemeClr val="accent6">
+              <a:shade val="50000"/>
+            </a:schemeClr>
+          </a:lnRef>
+          <a:fillRef idx="1">
+            <a:schemeClr val="accent6"/>
+          </a:fillRef>
+          <a:effectRef idx="0">
+            <a:schemeClr val="accent6"/>
+          </a:effectRef>
+          <a:fontRef idx="minor">
+            <a:schemeClr val="lt1"/>
+          </a:fontRef>
+        </p:style>
+        <p:txBody>
+          <a:bodyPr rtlCol="0" anchor="ctr"/>
+          <a:lstStyle/>
+          <a:p>
+            <a:pPr marL="285750" indent="-285750">
+              <a:buFont typeface="Arial" panose="020B0604020202020204" pitchFamily="34" charset="0"/>
+              <a:buChar char="•"/>
+            </a:pPr>
+            <a:r>
+              <a:rPr lang="en-GB" b="1" dirty="0">
+                <a:ln w="12700" cmpd="sng">
+                  <a:solidFill>
+                    <a:schemeClr val="accent4"/>
+                  </a:solidFill>
+                  <a:prstDash val="solid"/>
+                </a:ln>
+                <a:gradFill>
+                  <a:gsLst>
+                    <a:gs pos="0">
+                      <a:schemeClr val="accent4"/>
+                    </a:gs>
+                    <a:gs pos="4000">
+                      <a:schemeClr val="accent4">
+                        <a:lumMod val="60000"/>
+                        <a:lumOff val="40000"/>
+                      </a:schemeClr>
+                    </a:gs>
+                    <a:gs pos="87000">
+                      <a:schemeClr val="accent4">
+                        <a:lumMod val="20000"/>
+                        <a:lumOff val="80000"/>
+                      </a:schemeClr>
+                    </a:gs>
+                  </a:gsLst>
+                  <a:lin ang="5400000"/>
+                </a:gradFill>
+              </a:rPr>
+              <a:t>Customer should make the payment via:</a:t>
+            </a:r>
+          </a:p>
+          <a:p>
+            <a:pPr marL="742950" lvl="1" indent="-285750">
+              <a:buFont typeface="Arial" panose="020B0604020202020204" pitchFamily="34" charset="0"/>
+              <a:buChar char="•"/>
+            </a:pPr>
+            <a:r>
+              <a:rPr lang="en-GB" b="1" dirty="0">
+                <a:ln w="12700" cmpd="sng">
+                  <a:solidFill>
+                    <a:schemeClr val="accent4"/>
+                  </a:solidFill>
+                  <a:prstDash val="solid"/>
+                </a:ln>
+                <a:gradFill>
+                  <a:gsLst>
+                    <a:gs pos="0">
+                      <a:schemeClr val="accent4"/>
+                    </a:gs>
+                    <a:gs pos="4000">
+                      <a:schemeClr val="accent4">
+                        <a:lumMod val="60000"/>
+                        <a:lumOff val="40000"/>
+                      </a:schemeClr>
+                    </a:gs>
+                    <a:gs pos="87000">
+                      <a:schemeClr val="accent4">
+                        <a:lumMod val="20000"/>
+                        <a:lumOff val="80000"/>
+                      </a:schemeClr>
+                    </a:gs>
+                  </a:gsLst>
+                  <a:lin ang="5400000"/>
+                </a:gradFill>
+              </a:rPr>
+              <a:t>Online mode.</a:t>
+            </a:r>
+          </a:p>
+          <a:p>
+            <a:pPr marL="742950" lvl="1" indent="-285750">
+              <a:buFont typeface="Arial" panose="020B0604020202020204" pitchFamily="34" charset="0"/>
+              <a:buChar char="•"/>
+            </a:pPr>
+            <a:r>
+              <a:rPr lang="en-GB" b="1" dirty="0">
+                <a:ln w="12700" cmpd="sng">
+                  <a:solidFill>
+                    <a:schemeClr val="accent4"/>
+                  </a:solidFill>
+                  <a:prstDash val="solid"/>
+                </a:ln>
+                <a:gradFill>
+                  <a:gsLst>
+                    <a:gs pos="0">
+                      <a:schemeClr val="accent4"/>
+                    </a:gs>
+                    <a:gs pos="4000">
+                      <a:schemeClr val="accent4">
+                        <a:lumMod val="60000"/>
+                        <a:lumOff val="40000"/>
+                      </a:schemeClr>
+                    </a:gs>
+                    <a:gs pos="87000">
+                      <a:schemeClr val="accent4">
+                        <a:lumMod val="20000"/>
+                        <a:lumOff val="80000"/>
+                      </a:schemeClr>
+                    </a:gs>
+                  </a:gsLst>
+                  <a:lin ang="5400000"/>
+                </a:gradFill>
+              </a:rPr>
+              <a:t>For in person delivery :-</a:t>
+            </a:r>
+          </a:p>
+          <a:p>
+            <a:pPr marL="1200150" lvl="2" indent="-285750">
+              <a:buFont typeface="Arial" panose="020B0604020202020204" pitchFamily="34" charset="0"/>
+              <a:buChar char="•"/>
+            </a:pPr>
+            <a:r>
+              <a:rPr lang="en-GB" b="1" dirty="0">
+                <a:ln w="12700" cmpd="sng">
+                  <a:solidFill>
+                    <a:schemeClr val="accent4"/>
+                  </a:solidFill>
+                  <a:prstDash val="solid"/>
+                </a:ln>
+                <a:gradFill>
+                  <a:gsLst>
+                    <a:gs pos="0">
+                      <a:schemeClr val="accent4"/>
+                    </a:gs>
+                    <a:gs pos="4000">
+                      <a:schemeClr val="accent4">
+                        <a:lumMod val="60000"/>
+                        <a:lumOff val="40000"/>
+                      </a:schemeClr>
+                    </a:gs>
+                    <a:gs pos="87000">
+                      <a:schemeClr val="accent4">
+                        <a:lumMod val="20000"/>
+                        <a:lumOff val="80000"/>
+                      </a:schemeClr>
+                    </a:gs>
+                  </a:gsLst>
+                  <a:lin ang="5400000"/>
+                </a:gradFill>
+              </a:rPr>
+              <a:t>Cash on Delivery</a:t>
+            </a:r>
+          </a:p>
+          <a:p>
+            <a:pPr marL="1200150" lvl="2" indent="-285750">
+              <a:buFont typeface="Arial" panose="020B0604020202020204" pitchFamily="34" charset="0"/>
+              <a:buChar char="•"/>
+            </a:pPr>
+            <a:r>
+              <a:rPr lang="en-GB" b="1" dirty="0">
+                <a:ln w="12700" cmpd="sng">
+                  <a:solidFill>
+                    <a:schemeClr val="accent4"/>
+                  </a:solidFill>
+                  <a:prstDash val="solid"/>
+                </a:ln>
+                <a:gradFill>
+                  <a:gsLst>
+                    <a:gs pos="0">
+                      <a:schemeClr val="accent4"/>
+                    </a:gs>
+                    <a:gs pos="4000">
+                      <a:schemeClr val="accent4">
+                        <a:lumMod val="60000"/>
+                        <a:lumOff val="40000"/>
+                      </a:schemeClr>
+                    </a:gs>
+                    <a:gs pos="87000">
+                      <a:schemeClr val="accent4">
+                        <a:lumMod val="20000"/>
+                        <a:lumOff val="80000"/>
+                      </a:schemeClr>
+                    </a:gs>
+                  </a:gsLst>
+                  <a:lin ang="5400000"/>
+                </a:gradFill>
+              </a:rPr>
+              <a:t>Card Payment.</a:t>
+            </a:r>
+          </a:p>
+          <a:p>
+            <a:pPr marL="1200150" lvl="2" indent="-285750">
+              <a:buFont typeface="Arial" panose="020B0604020202020204" pitchFamily="34" charset="0"/>
+              <a:buChar char="•"/>
+            </a:pPr>
+            <a:endParaRPr lang="en-GB" b="1" dirty="0">
+              <a:ln w="12700" cmpd="sng">
+                <a:solidFill>
+                  <a:schemeClr val="accent4"/>
+                </a:solidFill>
+                <a:prstDash val="solid"/>
+              </a:ln>
+              <a:gradFill>
+                <a:gsLst>
+                  <a:gs pos="0">
+                    <a:schemeClr val="accent4"/>
+                  </a:gs>
+                  <a:gs pos="4000">
+                    <a:schemeClr val="accent4">
+                      <a:lumMod val="60000"/>
+                      <a:lumOff val="40000"/>
+                    </a:schemeClr>
+                  </a:gs>
+                  <a:gs pos="87000">
+                    <a:schemeClr val="accent4">
+                      <a:lumMod val="20000"/>
+                      <a:lumOff val="80000"/>
+                    </a:schemeClr>
+                  </a:gs>
+                </a:gsLst>
+                <a:lin ang="5400000"/>
+              </a:gradFill>
+            </a:endParaRPr>
+          </a:p>
+          <a:p>
+            <a:pPr lvl="2"/>
+            <a:r>
+              <a:rPr lang="en-GB" b="1" dirty="0">
+                <a:ln w="12700" cmpd="sng">
+                  <a:solidFill>
+                    <a:schemeClr val="accent4"/>
+                  </a:solidFill>
+                  <a:prstDash val="solid"/>
+                </a:ln>
+                <a:gradFill>
+                  <a:gsLst>
+                    <a:gs pos="0">
+                      <a:schemeClr val="accent4"/>
+                    </a:gs>
+                    <a:gs pos="4000">
+                      <a:schemeClr val="accent4">
+                        <a:lumMod val="60000"/>
+                        <a:lumOff val="40000"/>
+                      </a:schemeClr>
+                    </a:gs>
+                    <a:gs pos="87000">
+                      <a:schemeClr val="accent4">
+                        <a:lumMod val="20000"/>
+                        <a:lumOff val="80000"/>
+                      </a:schemeClr>
+                    </a:gs>
+                  </a:gsLst>
+                  <a:lin ang="5400000"/>
+                </a:gradFill>
+              </a:rPr>
+              <a:t>Payment status should be reflected in the portal</a:t>
+            </a:r>
+          </a:p>
+        </p:txBody>
+      </p:sp>
+    </p:spTree>
+    <p:extLst>
+      <p:ext uri="{BB962C8B-B14F-4D97-AF65-F5344CB8AC3E}">
+        <p14:creationId xmlns:p14="http://schemas.microsoft.com/office/powerpoint/2010/main" val="3544363905"/>
+      </p:ext>
+    </p:extLst>
+  </p:cSld>
+  <p:clrMapOvr>
+    <a:masterClrMapping/>
+  </p:clrMapOvr>
+</p:sld>
+</file>
+
+<file path=ppt/slides/slide38.xml><?xml version="1.0" encoding="utf-8"?>
+<p:sld xmlns:a="http://schemas.openxmlformats.org/drawingml/2006/main" xmlns:r="http://schemas.openxmlformats.org/officeDocument/2006/relationships" xmlns:p="http://schemas.openxmlformats.org/presentationml/2006/main">
+  <p:cSld>
+    <p:bg>
+      <p:bgPr>
+        <a:gradFill>
+          <a:gsLst>
+            <a:gs pos="0">
+              <a:schemeClr val="accent1">
+                <a:lumMod val="5000"/>
+                <a:lumOff val="95000"/>
+              </a:schemeClr>
+            </a:gs>
+            <a:gs pos="74000">
+              <a:schemeClr val="accent1">
+                <a:lumMod val="45000"/>
+                <a:lumOff val="55000"/>
+              </a:schemeClr>
+            </a:gs>
+            <a:gs pos="83000">
+              <a:schemeClr val="accent1">
+                <a:lumMod val="45000"/>
+                <a:lumOff val="55000"/>
+              </a:schemeClr>
+            </a:gs>
+            <a:gs pos="100000">
+              <a:schemeClr val="accent1">
+                <a:lumMod val="30000"/>
+                <a:lumOff val="70000"/>
+              </a:schemeClr>
+            </a:gs>
+          </a:gsLst>
+          <a:lin ang="5400000" scaled="1"/>
+        </a:gradFill>
+        <a:effectLst/>
+      </p:bgPr>
+    </p:bg>
+    <p:spTree>
+      <p:nvGrpSpPr>
+        <p:cNvPr id="1" name=""/>
+        <p:cNvGrpSpPr/>
+        <p:nvPr/>
+      </p:nvGrpSpPr>
+      <p:grpSpPr>
+        <a:xfrm>
+          <a:off x="0" y="0"/>
+          <a:ext cx="0" cy="0"/>
+          <a:chOff x="0" y="0"/>
+          <a:chExt cx="0" cy="0"/>
+        </a:xfrm>
+      </p:grpSpPr>
+      <p:sp>
+        <p:nvSpPr>
+          <p:cNvPr id="2" name="TextBox 1">
+            <a:extLst>
+              <a:ext uri="{FF2B5EF4-FFF2-40B4-BE49-F238E27FC236}">
+                <a16:creationId xmlns:a16="http://schemas.microsoft.com/office/drawing/2014/main" id="{5E7B4455-B771-4694-88F9-0F1D374B9AD7}"/>
+              </a:ext>
+            </a:extLst>
+          </p:cNvPr>
+          <p:cNvSpPr txBox="1"/>
+          <p:nvPr/>
+        </p:nvSpPr>
+        <p:spPr>
+          <a:xfrm>
+            <a:off x="4438650" y="2491859"/>
+            <a:ext cx="6096000" cy="769441"/>
+          </a:xfrm>
+          <a:prstGeom prst="rect">
+            <a:avLst/>
+          </a:prstGeom>
+          <a:noFill/>
+        </p:spPr>
+        <p:txBody>
+          <a:bodyPr wrap="square">
+            <a:spAutoFit/>
+          </a:bodyPr>
+          <a:lstStyle/>
+          <a:p>
+            <a:pPr algn="just"/>
+            <a:r>
+              <a:rPr lang="en-US" sz="4400" dirty="0"/>
+              <a:t>User story-25</a:t>
+            </a:r>
+            <a:endParaRPr lang="en-IN" sz="4400" dirty="0"/>
+          </a:p>
+        </p:txBody>
+      </p:sp>
+    </p:spTree>
+    <p:extLst>
+      <p:ext uri="{BB962C8B-B14F-4D97-AF65-F5344CB8AC3E}">
+        <p14:creationId xmlns:p14="http://schemas.microsoft.com/office/powerpoint/2010/main" val="624522709"/>
+      </p:ext>
+    </p:extLst>
+  </p:cSld>
+  <p:clrMapOvr>
+    <a:masterClrMapping/>
+  </p:clrMapOvr>
+</p:sld>
+</file>
+
+<file path=ppt/slides/slide39.xml><?xml version="1.0" encoding="utf-8"?>
+<p:sld xmlns:a="http://schemas.openxmlformats.org/drawingml/2006/main" xmlns:r="http://schemas.openxmlformats.org/officeDocument/2006/relationships" xmlns:p="http://schemas.openxmlformats.org/presentationml/2006/main">
+  <p:cSld>
+    <p:bg>
+      <p:bgPr>
+        <a:gradFill>
+          <a:gsLst>
+            <a:gs pos="0">
+              <a:schemeClr val="accent1">
+                <a:lumMod val="5000"/>
+                <a:lumOff val="95000"/>
+              </a:schemeClr>
+            </a:gs>
+            <a:gs pos="74000">
+              <a:schemeClr val="accent1">
+                <a:lumMod val="45000"/>
+                <a:lumOff val="55000"/>
+              </a:schemeClr>
+            </a:gs>
+            <a:gs pos="83000">
+              <a:schemeClr val="accent1">
+                <a:lumMod val="45000"/>
+                <a:lumOff val="55000"/>
+              </a:schemeClr>
+            </a:gs>
+            <a:gs pos="100000">
+              <a:schemeClr val="accent1">
+                <a:lumMod val="30000"/>
+                <a:lumOff val="70000"/>
+              </a:schemeClr>
+            </a:gs>
+          </a:gsLst>
+          <a:lin ang="5400000" scaled="1"/>
+        </a:gradFill>
+        <a:effectLst/>
+      </p:bgPr>
+    </p:bg>
+    <p:spTree>
+      <p:nvGrpSpPr>
+        <p:cNvPr id="1" name=""/>
+        <p:cNvGrpSpPr/>
+        <p:nvPr/>
+      </p:nvGrpSpPr>
+      <p:grpSpPr>
+        <a:xfrm>
+          <a:off x="0" y="0"/>
+          <a:ext cx="0" cy="0"/>
+          <a:chOff x="0" y="0"/>
+          <a:chExt cx="0" cy="0"/>
+        </a:xfrm>
+      </p:grpSpPr>
+      <p:sp>
+        <p:nvSpPr>
+          <p:cNvPr id="2" name="Rectangle: Top Corners One Rounded and One Snipped 1">
+            <a:extLst>
+              <a:ext uri="{FF2B5EF4-FFF2-40B4-BE49-F238E27FC236}">
+                <a16:creationId xmlns:a16="http://schemas.microsoft.com/office/drawing/2014/main" id="{AB219B39-DFE5-4D11-8DA3-E71C5A9CD2D0}"/>
+              </a:ext>
+            </a:extLst>
+          </p:cNvPr>
+          <p:cNvSpPr/>
+          <p:nvPr/>
+        </p:nvSpPr>
+        <p:spPr>
+          <a:xfrm>
+            <a:off x="3657600" y="675861"/>
+            <a:ext cx="3472070" cy="987288"/>
+          </a:xfrm>
+          <a:prstGeom prst="snipRoundRect">
+            <a:avLst/>
+          </a:prstGeom>
+        </p:spPr>
+        <p:style>
+          <a:lnRef idx="2">
+            <a:schemeClr val="accent3">
+              <a:shade val="50000"/>
+            </a:schemeClr>
+          </a:lnRef>
+          <a:fillRef idx="1">
+            <a:schemeClr val="accent3"/>
+          </a:fillRef>
+          <a:effectRef idx="0">
+            <a:schemeClr val="accent3"/>
+          </a:effectRef>
+          <a:fontRef idx="minor">
+            <a:schemeClr val="lt1"/>
+          </a:fontRef>
+        </p:style>
+        <p:txBody>
+          <a:bodyPr rtlCol="0" anchor="ctr"/>
+          <a:lstStyle/>
+          <a:p>
+            <a:pPr algn="ctr"/>
+            <a:r>
+              <a:rPr lang="en-GB" dirty="0">
+                <a:ln w="0"/>
+                <a:solidFill>
+                  <a:schemeClr val="accent1"/>
+                </a:solidFill>
+                <a:effectLst>
+                  <a:outerShdw blurRad="38100" dist="25400" dir="5400000" algn="ctr" rotWithShape="0">
+                    <a:srgbClr val="6E747A">
+                      <a:alpha val="43000"/>
+                    </a:srgbClr>
+                  </a:outerShdw>
+                </a:effectLst>
+              </a:rPr>
+              <a:t>TAILOR PORTAL</a:t>
+            </a:r>
+          </a:p>
+        </p:txBody>
+      </p:sp>
+      <p:sp>
+        <p:nvSpPr>
+          <p:cNvPr id="3" name="Oval 2">
+            <a:extLst>
+              <a:ext uri="{FF2B5EF4-FFF2-40B4-BE49-F238E27FC236}">
+                <a16:creationId xmlns:a16="http://schemas.microsoft.com/office/drawing/2014/main" id="{CA0FF778-BA05-4875-893F-24186ED41B13}"/>
+              </a:ext>
+            </a:extLst>
+          </p:cNvPr>
+          <p:cNvSpPr/>
+          <p:nvPr/>
+        </p:nvSpPr>
+        <p:spPr>
+          <a:xfrm>
+            <a:off x="636104" y="3167270"/>
+            <a:ext cx="2239618" cy="1948069"/>
+          </a:xfrm>
+          <a:prstGeom prst="ellipse">
+            <a:avLst/>
+          </a:prstGeom>
+        </p:spPr>
+        <p:style>
+          <a:lnRef idx="2">
+            <a:schemeClr val="accent1">
+              <a:shade val="50000"/>
+            </a:schemeClr>
+          </a:lnRef>
+          <a:fillRef idx="1">
+            <a:schemeClr val="accent1"/>
+          </a:fillRef>
+          <a:effectRef idx="0">
+            <a:schemeClr val="accent1"/>
+          </a:effectRef>
+          <a:fontRef idx="minor">
+            <a:schemeClr val="lt1"/>
+          </a:fontRef>
+        </p:style>
+        <p:txBody>
+          <a:bodyPr rtlCol="0" anchor="ctr"/>
+          <a:lstStyle/>
+          <a:p>
+            <a:pPr algn="ctr"/>
+            <a:r>
+              <a:rPr lang="en-GB" b="1" dirty="0">
+                <a:ln w="12700" cmpd="sng">
+                  <a:solidFill>
+                    <a:schemeClr val="accent4"/>
+                  </a:solidFill>
+                  <a:prstDash val="solid"/>
+                </a:ln>
+                <a:gradFill>
+                  <a:gsLst>
+                    <a:gs pos="0">
+                      <a:schemeClr val="accent4"/>
+                    </a:gs>
+                    <a:gs pos="4000">
+                      <a:schemeClr val="accent4">
+                        <a:lumMod val="60000"/>
+                        <a:lumOff val="40000"/>
+                      </a:schemeClr>
+                    </a:gs>
+                    <a:gs pos="87000">
+                      <a:schemeClr val="accent4">
+                        <a:lumMod val="20000"/>
+                        <a:lumOff val="80000"/>
+                      </a:schemeClr>
+                    </a:gs>
+                  </a:gsLst>
+                  <a:lin ang="5400000"/>
+                </a:gradFill>
+              </a:rPr>
+              <a:t>On Clicking Review button</a:t>
+            </a:r>
+          </a:p>
+        </p:txBody>
+      </p:sp>
+      <p:sp>
+        <p:nvSpPr>
+          <p:cNvPr id="4" name="Arrow: Right 3">
+            <a:extLst>
+              <a:ext uri="{FF2B5EF4-FFF2-40B4-BE49-F238E27FC236}">
+                <a16:creationId xmlns:a16="http://schemas.microsoft.com/office/drawing/2014/main" id="{8546EA81-F2BB-4559-A7CC-8CAC74297102}"/>
+              </a:ext>
+            </a:extLst>
+          </p:cNvPr>
+          <p:cNvSpPr/>
+          <p:nvPr/>
+        </p:nvSpPr>
+        <p:spPr>
+          <a:xfrm>
+            <a:off x="3803374" y="3723861"/>
+            <a:ext cx="3233530" cy="987288"/>
+          </a:xfrm>
+          <a:prstGeom prst="rightArrow">
+            <a:avLst/>
+          </a:prstGeom>
+        </p:spPr>
+        <p:style>
+          <a:lnRef idx="2">
+            <a:schemeClr val="accent6"/>
+          </a:lnRef>
+          <a:fillRef idx="1">
+            <a:schemeClr val="lt1"/>
+          </a:fillRef>
+          <a:effectRef idx="0">
+            <a:schemeClr val="accent6"/>
+          </a:effectRef>
+          <a:fontRef idx="minor">
+            <a:schemeClr val="dk1"/>
+          </a:fontRef>
+        </p:style>
+        <p:txBody>
+          <a:bodyPr rtlCol="0" anchor="ctr"/>
+          <a:lstStyle/>
+          <a:p>
+            <a:pPr algn="ctr"/>
+            <a:endParaRPr lang="en-GB"/>
+          </a:p>
+        </p:txBody>
+      </p:sp>
+      <p:sp>
+        <p:nvSpPr>
+          <p:cNvPr id="5" name="Rectangle: Rounded Corners 4">
+            <a:extLst>
+              <a:ext uri="{FF2B5EF4-FFF2-40B4-BE49-F238E27FC236}">
+                <a16:creationId xmlns:a16="http://schemas.microsoft.com/office/drawing/2014/main" id="{CF998D22-5A4E-4CF2-AE09-7636403ED387}"/>
+              </a:ext>
+            </a:extLst>
+          </p:cNvPr>
+          <p:cNvSpPr/>
+          <p:nvPr/>
+        </p:nvSpPr>
+        <p:spPr>
+          <a:xfrm>
+            <a:off x="7275444" y="3048000"/>
+            <a:ext cx="4479234" cy="2372139"/>
+          </a:xfrm>
+          <a:prstGeom prst="roundRect">
+            <a:avLst/>
+          </a:prstGeom>
+        </p:spPr>
+        <p:style>
+          <a:lnRef idx="2">
+            <a:schemeClr val="accent2">
+              <a:shade val="50000"/>
+            </a:schemeClr>
+          </a:lnRef>
+          <a:fillRef idx="1">
+            <a:schemeClr val="accent2"/>
+          </a:fillRef>
+          <a:effectRef idx="0">
+            <a:schemeClr val="accent2"/>
+          </a:effectRef>
+          <a:fontRef idx="minor">
+            <a:schemeClr val="lt1"/>
+          </a:fontRef>
+        </p:style>
+        <p:txBody>
+          <a:bodyPr rtlCol="0" anchor="ctr"/>
+          <a:lstStyle/>
+          <a:p>
+            <a:pPr algn="ctr"/>
+            <a:r>
+              <a:rPr lang="en-GB" dirty="0">
+                <a:ln w="0"/>
+                <a:solidFill>
+                  <a:schemeClr val="accent1"/>
+                </a:solidFill>
+                <a:effectLst>
+                  <a:outerShdw blurRad="38100" dist="25400" dir="5400000" algn="ctr" rotWithShape="0">
+                    <a:srgbClr val="6E747A">
+                      <a:alpha val="43000"/>
+                    </a:srgbClr>
+                  </a:outerShdw>
+                </a:effectLst>
+              </a:rPr>
+              <a:t>Tailor should be able to view the feedback submitted by </a:t>
+            </a:r>
+            <a:r>
+              <a:rPr lang="en-GB">
+                <a:ln w="0"/>
+                <a:solidFill>
+                  <a:schemeClr val="accent1"/>
+                </a:solidFill>
+                <a:effectLst>
+                  <a:outerShdw blurRad="38100" dist="25400" dir="5400000" algn="ctr" rotWithShape="0">
+                    <a:srgbClr val="6E747A">
+                      <a:alpha val="43000"/>
+                    </a:srgbClr>
+                  </a:outerShdw>
+                </a:effectLst>
+              </a:rPr>
+              <a:t>the customer</a:t>
+            </a:r>
+            <a:endParaRPr lang="en-GB">
+              <a:ln w="0"/>
+              <a:gradFill>
+                <a:gsLst>
+                  <a:gs pos="0">
+                    <a:schemeClr val="accent5">
+                      <a:lumMod val="50000"/>
+                    </a:schemeClr>
+                  </a:gs>
+                  <a:gs pos="50000">
+                    <a:schemeClr val="accent5"/>
+                  </a:gs>
+                  <a:gs pos="100000">
+                    <a:schemeClr val="accent5">
+                      <a:lumMod val="60000"/>
+                      <a:lumOff val="40000"/>
+                    </a:schemeClr>
+                  </a:gs>
+                </a:gsLst>
+                <a:lin ang="5400000"/>
+              </a:gradFill>
+              <a:effectLst>
+                <a:reflection blurRad="6350" stA="53000" endA="300" endPos="35500" dir="5400000" sy="-90000" algn="bl" rotWithShape="0"/>
+              </a:effectLst>
+            </a:endParaRPr>
+          </a:p>
+        </p:txBody>
+      </p:sp>
+    </p:spTree>
+    <p:extLst>
+      <p:ext uri="{BB962C8B-B14F-4D97-AF65-F5344CB8AC3E}">
+        <p14:creationId xmlns:p14="http://schemas.microsoft.com/office/powerpoint/2010/main" val="857007236"/>
+      </p:ext>
+    </p:extLst>
+  </p:cSld>
+  <p:clrMapOvr>
+    <a:masterClrMapping/>
+  </p:clrMapOvr>
+</p:sld>
+</file>
+
+<file path=ppt/slides/slide4.xml><?xml version="1.0" encoding="utf-8"?>
+<p:sld xmlns:a="http://schemas.openxmlformats.org/drawingml/2006/main" xmlns:r="http://schemas.openxmlformats.org/officeDocument/2006/relationships" xmlns:p="http://schemas.openxmlformats.org/presentationml/2006/main">
+  <p:cSld>
+    <p:bg>
+      <p:bgPr>
+        <a:gradFill>
+          <a:gsLst>
+            <a:gs pos="0">
+              <a:schemeClr val="accent1">
+                <a:lumMod val="5000"/>
+                <a:lumOff val="95000"/>
+              </a:schemeClr>
+            </a:gs>
+            <a:gs pos="74000">
+              <a:schemeClr val="accent1">
+                <a:lumMod val="45000"/>
+                <a:lumOff val="55000"/>
+              </a:schemeClr>
+            </a:gs>
+            <a:gs pos="83000">
+              <a:schemeClr val="accent1">
+                <a:lumMod val="45000"/>
+                <a:lumOff val="55000"/>
+              </a:schemeClr>
+            </a:gs>
+            <a:gs pos="100000">
+              <a:schemeClr val="accent1">
+                <a:lumMod val="30000"/>
+                <a:lumOff val="70000"/>
+              </a:schemeClr>
+            </a:gs>
+          </a:gsLst>
+          <a:lin ang="5400000" scaled="1"/>
+        </a:gradFill>
+        <a:effectLst/>
+      </p:bgPr>
+    </p:bg>
+    <p:spTree>
+      <p:nvGrpSpPr>
+        <p:cNvPr id="1" name=""/>
+        <p:cNvGrpSpPr/>
+        <p:nvPr/>
+      </p:nvGrpSpPr>
+      <p:grpSpPr>
+        <a:xfrm>
+          <a:off x="0" y="0"/>
+          <a:ext cx="0" cy="0"/>
+          <a:chOff x="0" y="0"/>
+          <a:chExt cx="0" cy="0"/>
+        </a:xfrm>
+      </p:grpSpPr>
+      <p:sp>
+        <p:nvSpPr>
+          <p:cNvPr id="2" name="TextBox 1">
+            <a:extLst>
+              <a:ext uri="{FF2B5EF4-FFF2-40B4-BE49-F238E27FC236}">
+                <a16:creationId xmlns:a16="http://schemas.microsoft.com/office/drawing/2014/main" id="{7D2C228A-50DF-4BFF-BA89-AE990C76CE10}"/>
+              </a:ext>
+            </a:extLst>
+          </p:cNvPr>
+          <p:cNvSpPr txBox="1"/>
+          <p:nvPr/>
+        </p:nvSpPr>
+        <p:spPr>
+          <a:xfrm>
+            <a:off x="4365380" y="3044279"/>
+            <a:ext cx="4581525" cy="769441"/>
+          </a:xfrm>
+          <a:prstGeom prst="rect">
+            <a:avLst/>
+          </a:prstGeom>
+          <a:noFill/>
+        </p:spPr>
+        <p:txBody>
+          <a:bodyPr wrap="square" rtlCol="0">
+            <a:spAutoFit/>
+          </a:bodyPr>
+          <a:lstStyle/>
+          <a:p>
+            <a:pPr algn="just"/>
+            <a:r>
+              <a:rPr lang="en-US" sz="4400" dirty="0"/>
+              <a:t>User Story -3</a:t>
+            </a:r>
+            <a:endParaRPr lang="en-IN" sz="4400" dirty="0"/>
+          </a:p>
+        </p:txBody>
+      </p:sp>
+    </p:spTree>
+    <p:extLst>
+      <p:ext uri="{BB962C8B-B14F-4D97-AF65-F5344CB8AC3E}">
+        <p14:creationId xmlns:p14="http://schemas.microsoft.com/office/powerpoint/2010/main" val="63860665"/>
+      </p:ext>
+    </p:extLst>
+  </p:cSld>
+  <p:clrMapOvr>
+    <a:masterClrMapping/>
+  </p:clrMapOvr>
+</p:sld>
+</file>
+
+<file path=ppt/slides/slide5.xml><?xml version="1.0" encoding="utf-8"?>
+<p:sld xmlns:a="http://schemas.openxmlformats.org/drawingml/2006/main" xmlns:r="http://schemas.openxmlformats.org/officeDocument/2006/relationships" xmlns:p="http://schemas.openxmlformats.org/presentationml/2006/main">
+  <p:cSld>
+    <p:bg>
+      <p:bgPr>
+        <a:gradFill>
+          <a:gsLst>
+            <a:gs pos="0">
+              <a:schemeClr val="accent1">
+                <a:lumMod val="5000"/>
+                <a:lumOff val="95000"/>
+              </a:schemeClr>
+            </a:gs>
+            <a:gs pos="74000">
+              <a:schemeClr val="accent1">
+                <a:lumMod val="45000"/>
+                <a:lumOff val="55000"/>
+              </a:schemeClr>
+            </a:gs>
+            <a:gs pos="83000">
+              <a:schemeClr val="accent1">
+                <a:lumMod val="45000"/>
+                <a:lumOff val="55000"/>
+              </a:schemeClr>
+            </a:gs>
+            <a:gs pos="100000">
+              <a:schemeClr val="accent1">
+                <a:lumMod val="30000"/>
+                <a:lumOff val="70000"/>
+              </a:schemeClr>
+            </a:gs>
+          </a:gsLst>
+          <a:lin ang="5400000" scaled="1"/>
+        </a:gradFill>
+        <a:effectLst/>
+      </p:bgPr>
+    </p:bg>
+    <p:spTree>
+      <p:nvGrpSpPr>
+        <p:cNvPr id="1" name=""/>
+        <p:cNvGrpSpPr/>
+        <p:nvPr/>
+      </p:nvGrpSpPr>
+      <p:grpSpPr>
+        <a:xfrm>
+          <a:off x="0" y="0"/>
+          <a:ext cx="0" cy="0"/>
+          <a:chOff x="0" y="0"/>
+          <a:chExt cx="0" cy="0"/>
+        </a:xfrm>
+      </p:grpSpPr>
+      <p:sp>
+        <p:nvSpPr>
+          <p:cNvPr id="2" name="Rectangle 1">
+            <a:extLst>
+              <a:ext uri="{FF2B5EF4-FFF2-40B4-BE49-F238E27FC236}">
+                <a16:creationId xmlns:a16="http://schemas.microsoft.com/office/drawing/2014/main" id="{8C7E9D7A-807E-4CDD-901E-68BE672E3D7C}"/>
+              </a:ext>
+            </a:extLst>
+          </p:cNvPr>
+          <p:cNvSpPr/>
+          <p:nvPr/>
+        </p:nvSpPr>
+        <p:spPr>
+          <a:xfrm>
+            <a:off x="2896014" y="1916596"/>
+            <a:ext cx="4000500" cy="3286125"/>
+          </a:xfrm>
+          <a:prstGeom prst="rect">
+            <a:avLst/>
+          </a:prstGeom>
+        </p:spPr>
+        <p:style>
+          <a:lnRef idx="2">
+            <a:schemeClr val="accent6"/>
+          </a:lnRef>
+          <a:fillRef idx="1">
+            <a:schemeClr val="lt1"/>
+          </a:fillRef>
+          <a:effectRef idx="0">
+            <a:schemeClr val="accent6"/>
+          </a:effectRef>
+          <a:fontRef idx="minor">
+            <a:schemeClr val="dk1"/>
+          </a:fontRef>
+        </p:style>
+        <p:txBody>
+          <a:bodyPr rtlCol="0" anchor="ctr"/>
+          <a:lstStyle/>
+          <a:p>
+            <a:pPr algn="ctr"/>
+            <a:endParaRPr lang="en-IN"/>
+          </a:p>
+        </p:txBody>
+      </p:sp>
+      <p:sp>
+        <p:nvSpPr>
+          <p:cNvPr id="3" name="TextBox 2">
+            <a:extLst>
+              <a:ext uri="{FF2B5EF4-FFF2-40B4-BE49-F238E27FC236}">
+                <a16:creationId xmlns:a16="http://schemas.microsoft.com/office/drawing/2014/main" id="{08894B00-E9F6-4BFE-9DB7-3EA666652C08}"/>
+              </a:ext>
+            </a:extLst>
+          </p:cNvPr>
+          <p:cNvSpPr txBox="1"/>
+          <p:nvPr/>
+        </p:nvSpPr>
+        <p:spPr>
+          <a:xfrm>
+            <a:off x="3143664" y="2926246"/>
+            <a:ext cx="3533775" cy="2123658"/>
+          </a:xfrm>
+          <a:prstGeom prst="rect">
+            <a:avLst/>
+          </a:prstGeom>
+          <a:noFill/>
+        </p:spPr>
+        <p:txBody>
+          <a:bodyPr wrap="square" rtlCol="0">
+            <a:spAutoFit/>
+          </a:bodyPr>
+          <a:lstStyle/>
+          <a:p>
+            <a:r>
+              <a:rPr lang="en-US" sz="2800" dirty="0">
+                <a:solidFill>
+                  <a:schemeClr val="accent1"/>
+                </a:solidFill>
+              </a:rPr>
+              <a:t>ADMIN LOG IN WITH Email &amp;password</a:t>
+            </a:r>
+          </a:p>
+          <a:p>
+            <a:endParaRPr lang="en-US" sz="2800" dirty="0">
+              <a:solidFill>
+                <a:schemeClr val="accent1"/>
+              </a:solidFill>
+            </a:endParaRPr>
+          </a:p>
+          <a:p>
+            <a:r>
+              <a:rPr lang="en-US" sz="2400" dirty="0">
+                <a:solidFill>
+                  <a:srgbClr val="FF0000"/>
+                </a:solidFill>
+              </a:rPr>
+              <a:t>With validation with user DB</a:t>
+            </a:r>
+            <a:endParaRPr lang="en-IN" sz="2400" dirty="0">
+              <a:solidFill>
+                <a:srgbClr val="FF0000"/>
+              </a:solidFill>
+            </a:endParaRPr>
+          </a:p>
+        </p:txBody>
+      </p:sp>
+      <p:sp>
+        <p:nvSpPr>
+          <p:cNvPr id="5" name="Rectangle: Rounded Corners 4">
+            <a:extLst>
+              <a:ext uri="{FF2B5EF4-FFF2-40B4-BE49-F238E27FC236}">
+                <a16:creationId xmlns:a16="http://schemas.microsoft.com/office/drawing/2014/main" id="{320B33A7-436A-4ECA-93E9-AE8510899222}"/>
+              </a:ext>
+            </a:extLst>
+          </p:cNvPr>
+          <p:cNvSpPr/>
+          <p:nvPr/>
+        </p:nvSpPr>
+        <p:spPr>
+          <a:xfrm>
+            <a:off x="8620539" y="2753042"/>
+            <a:ext cx="1438275" cy="904872"/>
+          </a:xfrm>
+          <a:prstGeom prst="roundRect">
+            <a:avLst/>
+          </a:prstGeom>
+        </p:spPr>
+        <p:style>
+          <a:lnRef idx="2">
+            <a:schemeClr val="accent6"/>
+          </a:lnRef>
+          <a:fillRef idx="1">
+            <a:schemeClr val="lt1"/>
+          </a:fillRef>
+          <a:effectRef idx="0">
+            <a:schemeClr val="accent6"/>
+          </a:effectRef>
+          <a:fontRef idx="minor">
+            <a:schemeClr val="dk1"/>
+          </a:fontRef>
+        </p:style>
+        <p:txBody>
+          <a:bodyPr rtlCol="0" anchor="ctr"/>
+          <a:lstStyle/>
+          <a:p>
+            <a:r>
+              <a:rPr lang="en-US" dirty="0"/>
+              <a:t> USER DB</a:t>
+            </a:r>
+            <a:endParaRPr lang="en-IN" dirty="0"/>
+          </a:p>
+        </p:txBody>
+      </p:sp>
+      <p:cxnSp>
+        <p:nvCxnSpPr>
+          <p:cNvPr id="7" name="Straight Arrow Connector 6">
+            <a:extLst>
+              <a:ext uri="{FF2B5EF4-FFF2-40B4-BE49-F238E27FC236}">
+                <a16:creationId xmlns:a16="http://schemas.microsoft.com/office/drawing/2014/main" id="{56B3BADD-E6D6-4978-BF96-9265FCBECAB7}"/>
+              </a:ext>
+            </a:extLst>
+          </p:cNvPr>
+          <p:cNvCxnSpPr>
+            <a:stCxn id="5" idx="1"/>
+            <a:endCxn id="2" idx="3"/>
+          </p:cNvCxnSpPr>
+          <p:nvPr/>
+        </p:nvCxnSpPr>
+        <p:spPr>
+          <a:xfrm flipH="1">
+            <a:off x="6896514" y="3205478"/>
+            <a:ext cx="1724025" cy="354181"/>
+          </a:xfrm>
+          <a:prstGeom prst="straightConnector1">
+            <a:avLst/>
+          </a:prstGeom>
+          <a:ln>
+            <a:tailEnd type="triangle"/>
+          </a:ln>
+        </p:spPr>
+        <p:style>
+          <a:lnRef idx="1">
+            <a:schemeClr val="accent1"/>
+          </a:lnRef>
+          <a:fillRef idx="0">
+            <a:schemeClr val="accent1"/>
+          </a:fillRef>
+          <a:effectRef idx="0">
+            <a:schemeClr val="accent1"/>
+          </a:effectRef>
+          <a:fontRef idx="minor">
+            <a:schemeClr val="tx1"/>
+          </a:fontRef>
+        </p:style>
+      </p:cxnSp>
+      <p:sp>
+        <p:nvSpPr>
+          <p:cNvPr id="8" name="TextBox 7">
+            <a:extLst>
+              <a:ext uri="{FF2B5EF4-FFF2-40B4-BE49-F238E27FC236}">
+                <a16:creationId xmlns:a16="http://schemas.microsoft.com/office/drawing/2014/main" id="{6F45AD36-4564-4179-B714-AEAE75FECB2C}"/>
+              </a:ext>
+            </a:extLst>
+          </p:cNvPr>
+          <p:cNvSpPr txBox="1"/>
+          <p:nvPr/>
+        </p:nvSpPr>
+        <p:spPr>
+          <a:xfrm flipH="1">
+            <a:off x="3526732" y="719274"/>
+            <a:ext cx="4000501" cy="461665"/>
+          </a:xfrm>
+          <a:prstGeom prst="rect">
+            <a:avLst/>
+          </a:prstGeom>
+          <a:noFill/>
+        </p:spPr>
+        <p:txBody>
+          <a:bodyPr wrap="square" rtlCol="0">
+            <a:spAutoFit/>
+          </a:bodyPr>
+          <a:lstStyle/>
+          <a:p>
+            <a:pPr algn="ctr"/>
+            <a:r>
+              <a:rPr lang="en-US" sz="2400" dirty="0"/>
+              <a:t>ADMIN</a:t>
+            </a:r>
+            <a:endParaRPr lang="en-IN" sz="2400" dirty="0"/>
+          </a:p>
+        </p:txBody>
+      </p:sp>
+    </p:spTree>
+    <p:extLst>
+      <p:ext uri="{BB962C8B-B14F-4D97-AF65-F5344CB8AC3E}">
+        <p14:creationId xmlns:p14="http://schemas.microsoft.com/office/powerpoint/2010/main" val="1871735417"/>
+      </p:ext>
+    </p:extLst>
+  </p:cSld>
+  <p:clrMapOvr>
+    <a:masterClrMapping/>
+  </p:clrMapOvr>
+</p:sld>
+</file>
+
+<file path=ppt/slides/slide6.xml><?xml version="1.0" encoding="utf-8"?>
+<p:sld xmlns:a="http://schemas.openxmlformats.org/drawingml/2006/main" xmlns:r="http://schemas.openxmlformats.org/officeDocument/2006/relationships" xmlns:p="http://schemas.openxmlformats.org/presentationml/2006/main">
+  <p:cSld>
+    <p:bg>
+      <p:bgPr>
+        <a:gradFill>
+          <a:gsLst>
+            <a:gs pos="0">
+              <a:schemeClr val="accent1">
+                <a:lumMod val="5000"/>
+                <a:lumOff val="95000"/>
+              </a:schemeClr>
+            </a:gs>
+            <a:gs pos="74000">
+              <a:schemeClr val="accent1">
+                <a:lumMod val="45000"/>
+                <a:lumOff val="55000"/>
+              </a:schemeClr>
+            </a:gs>
+            <a:gs pos="83000">
+              <a:schemeClr val="accent1">
+                <a:lumMod val="45000"/>
+                <a:lumOff val="55000"/>
+              </a:schemeClr>
+            </a:gs>
+            <a:gs pos="100000">
+              <a:schemeClr val="accent1">
+                <a:lumMod val="30000"/>
+                <a:lumOff val="70000"/>
+              </a:schemeClr>
+            </a:gs>
+          </a:gsLst>
+          <a:lin ang="5400000" scaled="1"/>
+        </a:gradFill>
+        <a:effectLst/>
+      </p:bgPr>
+    </p:bg>
+    <p:spTree>
+      <p:nvGrpSpPr>
+        <p:cNvPr id="1" name=""/>
+        <p:cNvGrpSpPr/>
+        <p:nvPr/>
+      </p:nvGrpSpPr>
+      <p:grpSpPr>
+        <a:xfrm>
+          <a:off x="0" y="0"/>
+          <a:ext cx="0" cy="0"/>
+          <a:chOff x="0" y="0"/>
+          <a:chExt cx="0" cy="0"/>
+        </a:xfrm>
+      </p:grpSpPr>
+      <p:sp>
+        <p:nvSpPr>
           <p:cNvPr id="5" name="TextBox 4">
             <a:extLst>
               <a:ext uri="{FF2B5EF4-FFF2-40B4-BE49-F238E27FC236}">
@@ -9129,9 +13298,43 @@
 </p:sld>
 </file>
 
-<file path=ppt/slides/slide6.xml><?xml version="1.0" encoding="utf-8"?>
+<file path=ppt/slides/slide7.xml><?xml version="1.0" encoding="utf-8"?>
 <p:sld xmlns:a="http://schemas.openxmlformats.org/drawingml/2006/main" xmlns:r="http://schemas.openxmlformats.org/officeDocument/2006/relationships" xmlns:p="http://schemas.openxmlformats.org/presentationml/2006/main">
   <p:cSld>
+    <p:bg>
+      <p:bgPr>
+        <a:gradFill>
+          <a:gsLst>
+            <a:gs pos="0">
+              <a:schemeClr val="accent1">
+                <a:lumMod val="5000"/>
+                <a:lumOff val="95000"/>
+              </a:schemeClr>
+            </a:gs>
+            <a:gs pos="74000">
+              <a:schemeClr val="accent1">
+                <a:lumMod val="45000"/>
+                <a:lumOff val="55000"/>
+              </a:schemeClr>
+            </a:gs>
+            <a:gs pos="83000">
+              <a:schemeClr val="accent1">
+                <a:lumMod val="45000"/>
+                <a:lumOff val="55000"/>
+              </a:schemeClr>
+            </a:gs>
+            <a:gs pos="100000">
+              <a:schemeClr val="accent1">
+                <a:lumMod val="30000"/>
+                <a:lumOff val="70000"/>
+              </a:schemeClr>
+            </a:gs>
+          </a:gsLst>
+          <a:lin ang="5400000" scaled="1"/>
+        </a:gradFill>
+        <a:effectLst/>
+      </p:bgPr>
+    </p:bg>
     <p:spTree>
       <p:nvGrpSpPr>
         <p:cNvPr id="1" name=""/>
@@ -9766,9 +13969,43 @@
 </p:sld>
 </file>
 
-<file path=ppt/slides/slide7.xml><?xml version="1.0" encoding="utf-8"?>
+<file path=ppt/slides/slide8.xml><?xml version="1.0" encoding="utf-8"?>
 <p:sld xmlns:a="http://schemas.openxmlformats.org/drawingml/2006/main" xmlns:r="http://schemas.openxmlformats.org/officeDocument/2006/relationships" xmlns:p="http://schemas.openxmlformats.org/presentationml/2006/main">
   <p:cSld>
+    <p:bg>
+      <p:bgPr>
+        <a:gradFill>
+          <a:gsLst>
+            <a:gs pos="0">
+              <a:schemeClr val="accent1">
+                <a:lumMod val="5000"/>
+                <a:lumOff val="95000"/>
+              </a:schemeClr>
+            </a:gs>
+            <a:gs pos="74000">
+              <a:schemeClr val="accent1">
+                <a:lumMod val="45000"/>
+                <a:lumOff val="55000"/>
+              </a:schemeClr>
+            </a:gs>
+            <a:gs pos="83000">
+              <a:schemeClr val="accent1">
+                <a:lumMod val="45000"/>
+                <a:lumOff val="55000"/>
+              </a:schemeClr>
+            </a:gs>
+            <a:gs pos="100000">
+              <a:schemeClr val="accent1">
+                <a:lumMod val="30000"/>
+                <a:lumOff val="70000"/>
+              </a:schemeClr>
+            </a:gs>
+          </a:gsLst>
+          <a:lin ang="5400000" scaled="1"/>
+        </a:gradFill>
+        <a:effectLst/>
+      </p:bgPr>
+    </p:bg>
     <p:spTree>
       <p:nvGrpSpPr>
         <p:cNvPr id="1" name=""/>
@@ -9797,7 +14034,7 @@
         </p:nvSpPr>
         <p:spPr>
           <a:xfrm>
-            <a:off x="4552950" y="2348984"/>
+            <a:off x="4327867" y="3150842"/>
             <a:ext cx="6096000" cy="769441"/>
           </a:xfrm>
           <a:prstGeom prst="rect">
@@ -9832,9 +14069,43 @@
 </p:sld>
 </file>
 
-<file path=ppt/slides/slide8.xml><?xml version="1.0" encoding="utf-8"?>
+<file path=ppt/slides/slide9.xml><?xml version="1.0" encoding="utf-8"?>
 <p:sld xmlns:a="http://schemas.openxmlformats.org/drawingml/2006/main" xmlns:r="http://schemas.openxmlformats.org/officeDocument/2006/relationships" xmlns:p="http://schemas.openxmlformats.org/presentationml/2006/main">
   <p:cSld>
+    <p:bg>
+      <p:bgPr>
+        <a:gradFill>
+          <a:gsLst>
+            <a:gs pos="0">
+              <a:schemeClr val="accent1">
+                <a:lumMod val="5000"/>
+                <a:lumOff val="95000"/>
+              </a:schemeClr>
+            </a:gs>
+            <a:gs pos="74000">
+              <a:schemeClr val="accent1">
+                <a:lumMod val="45000"/>
+                <a:lumOff val="55000"/>
+              </a:schemeClr>
+            </a:gs>
+            <a:gs pos="83000">
+              <a:schemeClr val="accent1">
+                <a:lumMod val="45000"/>
+                <a:lumOff val="55000"/>
+              </a:schemeClr>
+            </a:gs>
+            <a:gs pos="100000">
+              <a:schemeClr val="accent1">
+                <a:lumMod val="30000"/>
+                <a:lumOff val="70000"/>
+              </a:schemeClr>
+            </a:gs>
+          </a:gsLst>
+          <a:lin ang="5400000" scaled="1"/>
+        </a:gradFill>
+        <a:effectLst/>
+      </p:bgPr>
+    </p:bg>
     <p:spTree>
       <p:nvGrpSpPr>
         <p:cNvPr id="1" name=""/>
@@ -10470,73 +14741,6 @@
     <p:extLst>
       <p:ext uri="{BB962C8B-B14F-4D97-AF65-F5344CB8AC3E}">
         <p14:creationId xmlns:p14="http://schemas.microsoft.com/office/powerpoint/2010/main" val="3381106908"/>
-      </p:ext>
-    </p:extLst>
-  </p:cSld>
-  <p:clrMapOvr>
-    <a:masterClrMapping/>
-  </p:clrMapOvr>
-</p:sld>
-</file>
-
-<file path=ppt/slides/slide9.xml><?xml version="1.0" encoding="utf-8"?>
-<p:sld xmlns:a="http://schemas.openxmlformats.org/drawingml/2006/main" xmlns:r="http://schemas.openxmlformats.org/officeDocument/2006/relationships" xmlns:p="http://schemas.openxmlformats.org/presentationml/2006/main">
-  <p:cSld>
-    <p:spTree>
-      <p:nvGrpSpPr>
-        <p:cNvPr id="1" name=""/>
-        <p:cNvGrpSpPr/>
-        <p:nvPr/>
-      </p:nvGrpSpPr>
-      <p:grpSpPr>
-        <a:xfrm>
-          <a:off x="0" y="0"/>
-          <a:ext cx="0" cy="0"/>
-          <a:chOff x="0" y="0"/>
-          <a:chExt cx="0" cy="0"/>
-        </a:xfrm>
-      </p:grpSpPr>
-      <p:sp>
-        <p:nvSpPr>
-          <p:cNvPr id="2" name="TextBox 1">
-            <a:extLst>
-              <a:ext uri="{FF2B5EF4-FFF2-40B4-BE49-F238E27FC236}">
-                <a16:creationId xmlns:a16="http://schemas.microsoft.com/office/drawing/2014/main" id="{1B65F5E3-E074-4B2E-92CE-27C8D0066766}"/>
-              </a:ext>
-            </a:extLst>
-          </p:cNvPr>
-          <p:cNvSpPr txBox="1"/>
-          <p:nvPr/>
-        </p:nvSpPr>
-        <p:spPr>
-          <a:xfrm>
-            <a:off x="4086225" y="2105025"/>
-            <a:ext cx="3990975" cy="769441"/>
-          </a:xfrm>
-          <a:prstGeom prst="rect">
-            <a:avLst/>
-          </a:prstGeom>
-          <a:noFill/>
-        </p:spPr>
-        <p:txBody>
-          <a:bodyPr wrap="square" rtlCol="0">
-            <a:spAutoFit/>
-          </a:bodyPr>
-          <a:lstStyle/>
-          <a:p>
-            <a:pPr algn="just"/>
-            <a:r>
-              <a:rPr lang="en-US" sz="4400" dirty="0"/>
-              <a:t>User story-6</a:t>
-            </a:r>
-            <a:endParaRPr lang="en-IN" sz="4400" dirty="0"/>
-          </a:p>
-        </p:txBody>
-      </p:sp>
-    </p:spTree>
-    <p:extLst>
-      <p:ext uri="{BB962C8B-B14F-4D97-AF65-F5344CB8AC3E}">
-        <p14:creationId xmlns:p14="http://schemas.microsoft.com/office/powerpoint/2010/main" val="626410243"/>
       </p:ext>
     </p:extLst>
   </p:cSld>
